--- a/Project FindMe - The whole Idea.pptx
+++ b/Project FindMe - The whole Idea.pptx
@@ -24,7 +24,8 @@
     <p:sldId id="273" r:id="rId18"/>
     <p:sldId id="272" r:id="rId19"/>
     <p:sldId id="260" r:id="rId20"/>
-    <p:sldId id="261" r:id="rId21"/>
+    <p:sldId id="277" r:id="rId21"/>
+    <p:sldId id="261" r:id="rId22"/>
   </p:sldIdLst>
   <p:sldSz cx="9144000" cy="6858000" type="screen4x3"/>
   <p:notesSz cx="6858000" cy="9144000"/>
@@ -323,7 +324,7 @@
           <a:p>
             <a:fld id="{AFE19F44-4D0A-4D9B-A2B8-78373D34E118}" type="datetimeFigureOut">
               <a:rPr lang="en-IN" smtClean="0"/>
-              <a:t>27-01-2014</a:t>
+              <a:t>02-02-2014</a:t>
             </a:fld>
             <a:endParaRPr lang="en-IN"/>
           </a:p>
@@ -488,7 +489,7 @@
           <a:p>
             <a:fld id="{AFE19F44-4D0A-4D9B-A2B8-78373D34E118}" type="datetimeFigureOut">
               <a:rPr lang="en-IN" smtClean="0"/>
-              <a:t>27-01-2014</a:t>
+              <a:t>02-02-2014</a:t>
             </a:fld>
             <a:endParaRPr lang="en-IN"/>
           </a:p>
@@ -663,7 +664,7 @@
           <a:p>
             <a:fld id="{AFE19F44-4D0A-4D9B-A2B8-78373D34E118}" type="datetimeFigureOut">
               <a:rPr lang="en-IN" smtClean="0"/>
-              <a:t>27-01-2014</a:t>
+              <a:t>02-02-2014</a:t>
             </a:fld>
             <a:endParaRPr lang="en-IN"/>
           </a:p>
@@ -828,7 +829,7 @@
           <a:p>
             <a:fld id="{AFE19F44-4D0A-4D9B-A2B8-78373D34E118}" type="datetimeFigureOut">
               <a:rPr lang="en-IN" smtClean="0"/>
-              <a:t>27-01-2014</a:t>
+              <a:t>02-02-2014</a:t>
             </a:fld>
             <a:endParaRPr lang="en-IN"/>
           </a:p>
@@ -1069,7 +1070,7 @@
           <a:p>
             <a:fld id="{AFE19F44-4D0A-4D9B-A2B8-78373D34E118}" type="datetimeFigureOut">
               <a:rPr lang="en-IN" smtClean="0"/>
-              <a:t>27-01-2014</a:t>
+              <a:t>02-02-2014</a:t>
             </a:fld>
             <a:endParaRPr lang="en-IN"/>
           </a:p>
@@ -1352,7 +1353,7 @@
           <a:p>
             <a:fld id="{AFE19F44-4D0A-4D9B-A2B8-78373D34E118}" type="datetimeFigureOut">
               <a:rPr lang="en-IN" smtClean="0"/>
-              <a:t>27-01-2014</a:t>
+              <a:t>02-02-2014</a:t>
             </a:fld>
             <a:endParaRPr lang="en-IN"/>
           </a:p>
@@ -1769,7 +1770,7 @@
           <a:p>
             <a:fld id="{AFE19F44-4D0A-4D9B-A2B8-78373D34E118}" type="datetimeFigureOut">
               <a:rPr lang="en-IN" smtClean="0"/>
-              <a:t>27-01-2014</a:t>
+              <a:t>02-02-2014</a:t>
             </a:fld>
             <a:endParaRPr lang="en-IN"/>
           </a:p>
@@ -1882,7 +1883,7 @@
           <a:p>
             <a:fld id="{AFE19F44-4D0A-4D9B-A2B8-78373D34E118}" type="datetimeFigureOut">
               <a:rPr lang="en-IN" smtClean="0"/>
-              <a:t>27-01-2014</a:t>
+              <a:t>02-02-2014</a:t>
             </a:fld>
             <a:endParaRPr lang="en-IN"/>
           </a:p>
@@ -1972,7 +1973,7 @@
           <a:p>
             <a:fld id="{AFE19F44-4D0A-4D9B-A2B8-78373D34E118}" type="datetimeFigureOut">
               <a:rPr lang="en-IN" smtClean="0"/>
-              <a:t>27-01-2014</a:t>
+              <a:t>02-02-2014</a:t>
             </a:fld>
             <a:endParaRPr lang="en-IN"/>
           </a:p>
@@ -2244,7 +2245,7 @@
           <a:p>
             <a:fld id="{AFE19F44-4D0A-4D9B-A2B8-78373D34E118}" type="datetimeFigureOut">
               <a:rPr lang="en-IN" smtClean="0"/>
-              <a:t>27-01-2014</a:t>
+              <a:t>02-02-2014</a:t>
             </a:fld>
             <a:endParaRPr lang="en-IN"/>
           </a:p>
@@ -2492,7 +2493,7 @@
           <a:p>
             <a:fld id="{AFE19F44-4D0A-4D9B-A2B8-78373D34E118}" type="datetimeFigureOut">
               <a:rPr lang="en-IN" smtClean="0"/>
-              <a:t>27-01-2014</a:t>
+              <a:t>02-02-2014</a:t>
             </a:fld>
             <a:endParaRPr lang="en-IN"/>
           </a:p>
@@ -2700,7 +2701,7 @@
           <a:p>
             <a:fld id="{AFE19F44-4D0A-4D9B-A2B8-78373D34E118}" type="datetimeFigureOut">
               <a:rPr lang="en-IN" smtClean="0"/>
-              <a:t>27-01-2014</a:t>
+              <a:t>02-02-2014</a:t>
             </a:fld>
             <a:endParaRPr lang="en-IN"/>
           </a:p>
@@ -3405,6 +3406,13 @@
   <p:clrMapOvr>
     <a:masterClrMapping/>
   </p:clrMapOvr>
+  <p:timing>
+    <p:tnLst>
+      <p:par>
+        <p:cTn id="1" dur="indefinite" restart="never" nodeType="tmRoot"/>
+      </p:par>
+    </p:tnLst>
+  </p:timing>
 </p:sld>
 </file>
 
@@ -3484,31 +3492,6 @@
               </a:rPr>
               <a:t>What tools do we use?</a:t>
             </a:r>
-            <a:endParaRPr lang="en-US" sz="4050" dirty="0">
-              <a:ln w="0"/>
-              <a:gradFill>
-                <a:gsLst>
-                  <a:gs pos="0">
-                    <a:schemeClr val="accent5">
-                      <a:lumMod val="50000"/>
-                    </a:schemeClr>
-                  </a:gs>
-                  <a:gs pos="50000">
-                    <a:schemeClr val="accent5"/>
-                  </a:gs>
-                  <a:gs pos="100000">
-                    <a:schemeClr val="accent5">
-                      <a:lumMod val="60000"/>
-                      <a:lumOff val="40000"/>
-                    </a:schemeClr>
-                  </a:gs>
-                </a:gsLst>
-                <a:lin ang="5400000"/>
-              </a:gradFill>
-              <a:effectLst>
-                <a:reflection blurRad="6350" stA="53000" endA="300" endPos="35500" dir="5400000" sy="-90000" algn="bl" rotWithShape="0"/>
-              </a:effectLst>
-            </a:endParaRPr>
           </a:p>
         </p:txBody>
       </p:sp>
@@ -3638,31 +3621,6 @@
               </a:rPr>
               <a:t>Tools that help us in development</a:t>
             </a:r>
-            <a:endParaRPr lang="en-US" sz="4050" dirty="0">
-              <a:ln w="0"/>
-              <a:gradFill>
-                <a:gsLst>
-                  <a:gs pos="0">
-                    <a:schemeClr val="accent5">
-                      <a:lumMod val="50000"/>
-                    </a:schemeClr>
-                  </a:gs>
-                  <a:gs pos="50000">
-                    <a:schemeClr val="accent5"/>
-                  </a:gs>
-                  <a:gs pos="100000">
-                    <a:schemeClr val="accent5">
-                      <a:lumMod val="60000"/>
-                      <a:lumOff val="40000"/>
-                    </a:schemeClr>
-                  </a:gs>
-                </a:gsLst>
-                <a:lin ang="5400000"/>
-              </a:gradFill>
-              <a:effectLst>
-                <a:reflection blurRad="6350" stA="53000" endA="300" endPos="35500" dir="5400000" sy="-90000" algn="bl" rotWithShape="0"/>
-              </a:effectLst>
-            </a:endParaRPr>
           </a:p>
         </p:txBody>
       </p:sp>
@@ -3930,31 +3888,6 @@
               </a:rPr>
               <a:t>Android Development Tools</a:t>
             </a:r>
-            <a:endParaRPr lang="en-US" sz="5400" dirty="0">
-              <a:ln w="0"/>
-              <a:gradFill>
-                <a:gsLst>
-                  <a:gs pos="0">
-                    <a:schemeClr val="accent5">
-                      <a:lumMod val="50000"/>
-                    </a:schemeClr>
-                  </a:gs>
-                  <a:gs pos="50000">
-                    <a:schemeClr val="accent5"/>
-                  </a:gs>
-                  <a:gs pos="100000">
-                    <a:schemeClr val="accent5">
-                      <a:lumMod val="60000"/>
-                      <a:lumOff val="40000"/>
-                    </a:schemeClr>
-                  </a:gs>
-                </a:gsLst>
-                <a:lin ang="5400000"/>
-              </a:gradFill>
-              <a:effectLst>
-                <a:reflection blurRad="6350" stA="53000" endA="300" endPos="35500" dir="5400000" sy="-90000" algn="bl" rotWithShape="0"/>
-              </a:effectLst>
-            </a:endParaRPr>
           </a:p>
         </p:txBody>
       </p:sp>
@@ -4009,31 +3942,6 @@
               </a:rPr>
               <a:t>With AVD</a:t>
             </a:r>
-            <a:endParaRPr lang="en-US" sz="3000" dirty="0">
-              <a:ln w="0"/>
-              <a:gradFill>
-                <a:gsLst>
-                  <a:gs pos="0">
-                    <a:schemeClr val="accent5">
-                      <a:lumMod val="50000"/>
-                    </a:schemeClr>
-                  </a:gs>
-                  <a:gs pos="50000">
-                    <a:schemeClr val="accent5"/>
-                  </a:gs>
-                  <a:gs pos="100000">
-                    <a:schemeClr val="accent5">
-                      <a:lumMod val="60000"/>
-                      <a:lumOff val="40000"/>
-                    </a:schemeClr>
-                  </a:gs>
-                </a:gsLst>
-                <a:lin ang="5400000"/>
-              </a:gradFill>
-              <a:effectLst>
-                <a:reflection blurRad="6350" stA="53000" endA="300" endPos="35500" dir="5400000" sy="-90000" algn="bl" rotWithShape="0"/>
-              </a:effectLst>
-            </a:endParaRPr>
           </a:p>
         </p:txBody>
       </p:sp>
@@ -4163,31 +4071,6 @@
               </a:rPr>
               <a:t>How does the device support us?</a:t>
             </a:r>
-            <a:endParaRPr lang="en-US" sz="4050" dirty="0">
-              <a:ln w="0"/>
-              <a:gradFill>
-                <a:gsLst>
-                  <a:gs pos="0">
-                    <a:schemeClr val="accent5">
-                      <a:lumMod val="50000"/>
-                    </a:schemeClr>
-                  </a:gs>
-                  <a:gs pos="50000">
-                    <a:schemeClr val="accent5"/>
-                  </a:gs>
-                  <a:gs pos="100000">
-                    <a:schemeClr val="accent5">
-                      <a:lumMod val="60000"/>
-                      <a:lumOff val="40000"/>
-                    </a:schemeClr>
-                  </a:gs>
-                </a:gsLst>
-                <a:lin ang="5400000"/>
-              </a:gradFill>
-              <a:effectLst>
-                <a:reflection blurRad="6350" stA="53000" endA="300" endPos="35500" dir="5400000" sy="-90000" algn="bl" rotWithShape="0"/>
-              </a:effectLst>
-            </a:endParaRPr>
           </a:p>
         </p:txBody>
       </p:sp>
@@ -4444,6 +4327,13 @@
   <p:clrMapOvr>
     <a:masterClrMapping/>
   </p:clrMapOvr>
+  <p:timing>
+    <p:tnLst>
+      <p:par>
+        <p:cTn id="1" dur="indefinite" restart="never" nodeType="tmRoot"/>
+      </p:par>
+    </p:tnLst>
+  </p:timing>
 </p:sld>
 </file>
 
@@ -4545,31 +4435,6 @@
               </a:rPr>
               <a:t>Accelerometer</a:t>
             </a:r>
-            <a:endParaRPr lang="en-US" sz="5400" dirty="0">
-              <a:ln w="0"/>
-              <a:gradFill>
-                <a:gsLst>
-                  <a:gs pos="0">
-                    <a:schemeClr val="accent5">
-                      <a:lumMod val="50000"/>
-                    </a:schemeClr>
-                  </a:gs>
-                  <a:gs pos="50000">
-                    <a:schemeClr val="accent5"/>
-                  </a:gs>
-                  <a:gs pos="100000">
-                    <a:schemeClr val="accent5">
-                      <a:lumMod val="60000"/>
-                      <a:lumOff val="40000"/>
-                    </a:schemeClr>
-                  </a:gs>
-                </a:gsLst>
-                <a:lin ang="5400000"/>
-              </a:gradFill>
-              <a:effectLst>
-                <a:reflection blurRad="6350" stA="53000" endA="300" endPos="35500" dir="5400000" sy="-90000" algn="bl" rotWithShape="0"/>
-              </a:effectLst>
-            </a:endParaRPr>
           </a:p>
         </p:txBody>
       </p:sp>
@@ -4721,31 +4586,6 @@
               </a:rPr>
               <a:t>Gyroscope</a:t>
             </a:r>
-            <a:endParaRPr lang="en-US" sz="5400" dirty="0">
-              <a:ln w="0"/>
-              <a:gradFill>
-                <a:gsLst>
-                  <a:gs pos="0">
-                    <a:schemeClr val="accent5">
-                      <a:lumMod val="50000"/>
-                    </a:schemeClr>
-                  </a:gs>
-                  <a:gs pos="50000">
-                    <a:schemeClr val="accent5"/>
-                  </a:gs>
-                  <a:gs pos="100000">
-                    <a:schemeClr val="accent5">
-                      <a:lumMod val="60000"/>
-                      <a:lumOff val="40000"/>
-                    </a:schemeClr>
-                  </a:gs>
-                </a:gsLst>
-                <a:lin ang="5400000"/>
-              </a:gradFill>
-              <a:effectLst>
-                <a:reflection blurRad="6350" stA="53000" endA="300" endPos="35500" dir="5400000" sy="-90000" algn="bl" rotWithShape="0"/>
-              </a:effectLst>
-            </a:endParaRPr>
           </a:p>
         </p:txBody>
       </p:sp>
@@ -5073,6 +4913,103 @@
 </file>
 
 <file path=ppt/slides/slide20.xml><?xml version="1.0" encoding="utf-8"?>
+<p:sld xmlns:a="http://schemas.openxmlformats.org/drawingml/2006/main" xmlns:r="http://schemas.openxmlformats.org/officeDocument/2006/relationships" xmlns:p="http://schemas.openxmlformats.org/presentationml/2006/main">
+  <p:cSld>
+    <p:spTree>
+      <p:nvGrpSpPr>
+        <p:cNvPr id="1" name=""/>
+        <p:cNvGrpSpPr/>
+        <p:nvPr/>
+      </p:nvGrpSpPr>
+      <p:grpSpPr>
+        <a:xfrm>
+          <a:off x="0" y="0"/>
+          <a:ext cx="0" cy="0"/>
+          <a:chOff x="0" y="0"/>
+          <a:chExt cx="0" cy="0"/>
+        </a:xfrm>
+      </p:grpSpPr>
+      <p:pic>
+        <p:nvPicPr>
+          <p:cNvPr id="2" name="Picture 1"/>
+          <p:cNvPicPr>
+            <a:picLocks noChangeAspect="1"/>
+          </p:cNvPicPr>
+          <p:nvPr/>
+        </p:nvPicPr>
+        <p:blipFill>
+          <a:blip r:embed="rId2">
+            <a:extLst>
+              <a:ext uri="{28A0092B-C50C-407E-A947-70E740481C1C}">
+                <a14:useLocalDpi xmlns:a14="http://schemas.microsoft.com/office/drawing/2010/main" val="0"/>
+              </a:ext>
+            </a:extLst>
+          </a:blip>
+          <a:stretch>
+            <a:fillRect/>
+          </a:stretch>
+        </p:blipFill>
+        <p:spPr>
+          <a:xfrm>
+            <a:off x="4283968" y="2225177"/>
+            <a:ext cx="4291126" cy="2200241"/>
+          </a:xfrm>
+          <a:prstGeom prst="rect">
+            <a:avLst/>
+          </a:prstGeom>
+        </p:spPr>
+      </p:pic>
+      <p:pic>
+        <p:nvPicPr>
+          <p:cNvPr id="3" name="Picture 2"/>
+          <p:cNvPicPr>
+            <a:picLocks noChangeAspect="1"/>
+          </p:cNvPicPr>
+          <p:nvPr/>
+        </p:nvPicPr>
+        <p:blipFill>
+          <a:blip r:embed="rId3">
+            <a:extLst>
+              <a:ext uri="{28A0092B-C50C-407E-A947-70E740481C1C}">
+                <a14:useLocalDpi xmlns:a14="http://schemas.microsoft.com/office/drawing/2010/main" val="0"/>
+              </a:ext>
+            </a:extLst>
+          </a:blip>
+          <a:stretch>
+            <a:fillRect/>
+          </a:stretch>
+        </p:blipFill>
+        <p:spPr>
+          <a:xfrm>
+            <a:off x="971600" y="1340768"/>
+            <a:ext cx="2646040" cy="3969060"/>
+          </a:xfrm>
+          <a:prstGeom prst="rect">
+            <a:avLst/>
+          </a:prstGeom>
+        </p:spPr>
+      </p:pic>
+    </p:spTree>
+    <p:extLst>
+      <p:ext uri="{BB962C8B-B14F-4D97-AF65-F5344CB8AC3E}">
+        <p14:creationId xmlns:p14="http://schemas.microsoft.com/office/powerpoint/2010/main" val="3843854448"/>
+      </p:ext>
+    </p:extLst>
+  </p:cSld>
+  <p:clrMapOvr>
+    <a:masterClrMapping/>
+  </p:clrMapOvr>
+  <p:timing>
+    <p:tnLst>
+      <p:par>
+        <p:cTn id="1" dur="indefinite" restart="never" nodeType="tmRoot"/>
+      </p:par>
+    </p:tnLst>
+  </p:timing>
+</p:sld>
+</file>
+
+<file path=ppt/slides/slide21.xml><?xml version="1.0" encoding="utf-8"?>
 <p:sld xmlns:a="http://schemas.openxmlformats.org/drawingml/2006/main" xmlns:r="http://schemas.openxmlformats.org/officeDocument/2006/relationships" xmlns:p="http://schemas.openxmlformats.org/presentationml/2006/main">
   <p:cSld>
     <p:spTree>
@@ -5916,6 +5853,13 @@
   <p:clrMapOvr>
     <a:masterClrMapping/>
   </p:clrMapOvr>
+  <p:timing>
+    <p:tnLst>
+      <p:par>
+        <p:cTn id="1" dur="indefinite" restart="never" nodeType="tmRoot"/>
+      </p:par>
+    </p:tnLst>
+  </p:timing>
 </p:sld>
 </file>
 
@@ -6055,6 +5999,13 @@
   <p:clrMapOvr>
     <a:masterClrMapping/>
   </p:clrMapOvr>
+  <p:timing>
+    <p:tnLst>
+      <p:par>
+        <p:cTn id="1" dur="indefinite" restart="never" nodeType="tmRoot"/>
+      </p:par>
+    </p:tnLst>
+  </p:timing>
 </p:sld>
 </file>
 

--- a/Project FindMe - The whole Idea.pptx
+++ b/Project FindMe - The whole Idea.pptx
@@ -4,6 +4,9 @@
   <p:sldMasterIdLst>
     <p:sldMasterId id="2147483648" r:id="rId1"/>
   </p:sldMasterIdLst>
+  <p:notesMasterIdLst>
+    <p:notesMasterId r:id="rId32"/>
+  </p:notesMasterIdLst>
   <p:sldIdLst>
     <p:sldId id="256" r:id="rId2"/>
     <p:sldId id="258" r:id="rId3"/>
@@ -18,14 +21,23 @@
     <p:sldId id="267" r:id="rId12"/>
     <p:sldId id="268" r:id="rId13"/>
     <p:sldId id="269" r:id="rId14"/>
-    <p:sldId id="270" r:id="rId15"/>
-    <p:sldId id="271" r:id="rId16"/>
-    <p:sldId id="276" r:id="rId17"/>
-    <p:sldId id="273" r:id="rId18"/>
-    <p:sldId id="272" r:id="rId19"/>
-    <p:sldId id="260" r:id="rId20"/>
-    <p:sldId id="277" r:id="rId21"/>
-    <p:sldId id="261" r:id="rId22"/>
+    <p:sldId id="282" r:id="rId15"/>
+    <p:sldId id="270" r:id="rId16"/>
+    <p:sldId id="283" r:id="rId17"/>
+    <p:sldId id="271" r:id="rId18"/>
+    <p:sldId id="276" r:id="rId19"/>
+    <p:sldId id="273" r:id="rId20"/>
+    <p:sldId id="272" r:id="rId21"/>
+    <p:sldId id="284" r:id="rId22"/>
+    <p:sldId id="286" r:id="rId23"/>
+    <p:sldId id="285" r:id="rId24"/>
+    <p:sldId id="278" r:id="rId25"/>
+    <p:sldId id="279" r:id="rId26"/>
+    <p:sldId id="280" r:id="rId27"/>
+    <p:sldId id="281" r:id="rId28"/>
+    <p:sldId id="260" r:id="rId29"/>
+    <p:sldId id="277" r:id="rId30"/>
+    <p:sldId id="261" r:id="rId31"/>
   </p:sldIdLst>
   <p:sldSz cx="9144000" cy="6858000" type="screen4x3"/>
   <p:notesSz cx="6858000" cy="9144000"/>
@@ -143,6 +155,440 @@
 </p:presentation>
 </file>
 
+<file path=ppt/notesMasters/notesMaster1.xml><?xml version="1.0" encoding="utf-8"?>
+<p:notesMaster xmlns:a="http://schemas.openxmlformats.org/drawingml/2006/main" xmlns:r="http://schemas.openxmlformats.org/officeDocument/2006/relationships" xmlns:p="http://schemas.openxmlformats.org/presentationml/2006/main">
+  <p:cSld>
+    <p:bg>
+      <p:bgRef idx="1001">
+        <a:schemeClr val="bg1"/>
+      </p:bgRef>
+    </p:bg>
+    <p:spTree>
+      <p:nvGrpSpPr>
+        <p:cNvPr id="1" name=""/>
+        <p:cNvGrpSpPr/>
+        <p:nvPr/>
+      </p:nvGrpSpPr>
+      <p:grpSpPr>
+        <a:xfrm>
+          <a:off x="0" y="0"/>
+          <a:ext cx="0" cy="0"/>
+          <a:chOff x="0" y="0"/>
+          <a:chExt cx="0" cy="0"/>
+        </a:xfrm>
+      </p:grpSpPr>
+      <p:sp>
+        <p:nvSpPr>
+          <p:cNvPr id="2" name="Header Placeholder 1"/>
+          <p:cNvSpPr>
+            <a:spLocks noGrp="1"/>
+          </p:cNvSpPr>
+          <p:nvPr>
+            <p:ph type="hdr" sz="quarter"/>
+          </p:nvPr>
+        </p:nvSpPr>
+        <p:spPr>
+          <a:xfrm>
+            <a:off x="0" y="0"/>
+            <a:ext cx="2971800" cy="458788"/>
+          </a:xfrm>
+          <a:prstGeom prst="rect">
+            <a:avLst/>
+          </a:prstGeom>
+        </p:spPr>
+        <p:txBody>
+          <a:bodyPr vert="horz" lIns="91440" tIns="45720" rIns="91440" bIns="45720" rtlCol="0"/>
+          <a:lstStyle>
+            <a:lvl1pPr algn="l">
+              <a:defRPr sz="1200"/>
+            </a:lvl1pPr>
+          </a:lstStyle>
+          <a:p>
+            <a:endParaRPr lang="en-US"/>
+          </a:p>
+        </p:txBody>
+      </p:sp>
+      <p:sp>
+        <p:nvSpPr>
+          <p:cNvPr id="3" name="Date Placeholder 2"/>
+          <p:cNvSpPr>
+            <a:spLocks noGrp="1"/>
+          </p:cNvSpPr>
+          <p:nvPr>
+            <p:ph type="dt" idx="1"/>
+          </p:nvPr>
+        </p:nvSpPr>
+        <p:spPr>
+          <a:xfrm>
+            <a:off x="3884613" y="0"/>
+            <a:ext cx="2971800" cy="458788"/>
+          </a:xfrm>
+          <a:prstGeom prst="rect">
+            <a:avLst/>
+          </a:prstGeom>
+        </p:spPr>
+        <p:txBody>
+          <a:bodyPr vert="horz" lIns="91440" tIns="45720" rIns="91440" bIns="45720" rtlCol="0"/>
+          <a:lstStyle>
+            <a:lvl1pPr algn="r">
+              <a:defRPr sz="1200"/>
+            </a:lvl1pPr>
+          </a:lstStyle>
+          <a:p>
+            <a:fld id="{91C99B47-5CFD-44F5-90E4-97A4C95BF327}" type="datetimeFigureOut">
+              <a:rPr lang="en-US" smtClean="0"/>
+              <a:t>2/3/2014</a:t>
+            </a:fld>
+            <a:endParaRPr lang="en-US"/>
+          </a:p>
+        </p:txBody>
+      </p:sp>
+      <p:sp>
+        <p:nvSpPr>
+          <p:cNvPr id="4" name="Slide Image Placeholder 3"/>
+          <p:cNvSpPr>
+            <a:spLocks noGrp="1" noRot="1" noChangeAspect="1"/>
+          </p:cNvSpPr>
+          <p:nvPr>
+            <p:ph type="sldImg" idx="2"/>
+          </p:nvPr>
+        </p:nvSpPr>
+        <p:spPr>
+          <a:xfrm>
+            <a:off x="1371600" y="1143000"/>
+            <a:ext cx="4114800" cy="3086100"/>
+          </a:xfrm>
+          <a:prstGeom prst="rect">
+            <a:avLst/>
+          </a:prstGeom>
+          <a:noFill/>
+          <a:ln w="12700">
+            <a:solidFill>
+              <a:prstClr val="black"/>
+            </a:solidFill>
+          </a:ln>
+        </p:spPr>
+        <p:txBody>
+          <a:bodyPr vert="horz" lIns="91440" tIns="45720" rIns="91440" bIns="45720" rtlCol="0" anchor="ctr"/>
+          <a:lstStyle/>
+          <a:p>
+            <a:endParaRPr lang="en-US"/>
+          </a:p>
+        </p:txBody>
+      </p:sp>
+      <p:sp>
+        <p:nvSpPr>
+          <p:cNvPr id="5" name="Notes Placeholder 4"/>
+          <p:cNvSpPr>
+            <a:spLocks noGrp="1"/>
+          </p:cNvSpPr>
+          <p:nvPr>
+            <p:ph type="body" sz="quarter" idx="3"/>
+          </p:nvPr>
+        </p:nvSpPr>
+        <p:spPr>
+          <a:xfrm>
+            <a:off x="685800" y="4400550"/>
+            <a:ext cx="5486400" cy="3600450"/>
+          </a:xfrm>
+          <a:prstGeom prst="rect">
+            <a:avLst/>
+          </a:prstGeom>
+        </p:spPr>
+        <p:txBody>
+          <a:bodyPr vert="horz" lIns="91440" tIns="45720" rIns="91440" bIns="45720" rtlCol="0"/>
+          <a:lstStyle/>
+          <a:p>
+            <a:pPr lvl="0"/>
+            <a:r>
+              <a:rPr lang="en-US" smtClean="0"/>
+              <a:t>Click to edit Master text styles</a:t>
+            </a:r>
+          </a:p>
+          <a:p>
+            <a:pPr lvl="1"/>
+            <a:r>
+              <a:rPr lang="en-US" smtClean="0"/>
+              <a:t>Second level</a:t>
+            </a:r>
+          </a:p>
+          <a:p>
+            <a:pPr lvl="2"/>
+            <a:r>
+              <a:rPr lang="en-US" smtClean="0"/>
+              <a:t>Third level</a:t>
+            </a:r>
+          </a:p>
+          <a:p>
+            <a:pPr lvl="3"/>
+            <a:r>
+              <a:rPr lang="en-US" smtClean="0"/>
+              <a:t>Fourth level</a:t>
+            </a:r>
+          </a:p>
+          <a:p>
+            <a:pPr lvl="4"/>
+            <a:r>
+              <a:rPr lang="en-US" smtClean="0"/>
+              <a:t>Fifth level</a:t>
+            </a:r>
+            <a:endParaRPr lang="en-US"/>
+          </a:p>
+        </p:txBody>
+      </p:sp>
+      <p:sp>
+        <p:nvSpPr>
+          <p:cNvPr id="6" name="Footer Placeholder 5"/>
+          <p:cNvSpPr>
+            <a:spLocks noGrp="1"/>
+          </p:cNvSpPr>
+          <p:nvPr>
+            <p:ph type="ftr" sz="quarter" idx="4"/>
+          </p:nvPr>
+        </p:nvSpPr>
+        <p:spPr>
+          <a:xfrm>
+            <a:off x="0" y="8685213"/>
+            <a:ext cx="2971800" cy="458787"/>
+          </a:xfrm>
+          <a:prstGeom prst="rect">
+            <a:avLst/>
+          </a:prstGeom>
+        </p:spPr>
+        <p:txBody>
+          <a:bodyPr vert="horz" lIns="91440" tIns="45720" rIns="91440" bIns="45720" rtlCol="0" anchor="b"/>
+          <a:lstStyle>
+            <a:lvl1pPr algn="l">
+              <a:defRPr sz="1200"/>
+            </a:lvl1pPr>
+          </a:lstStyle>
+          <a:p>
+            <a:endParaRPr lang="en-US"/>
+          </a:p>
+        </p:txBody>
+      </p:sp>
+      <p:sp>
+        <p:nvSpPr>
+          <p:cNvPr id="7" name="Slide Number Placeholder 6"/>
+          <p:cNvSpPr>
+            <a:spLocks noGrp="1"/>
+          </p:cNvSpPr>
+          <p:nvPr>
+            <p:ph type="sldNum" sz="quarter" idx="5"/>
+          </p:nvPr>
+        </p:nvSpPr>
+        <p:spPr>
+          <a:xfrm>
+            <a:off x="3884613" y="8685213"/>
+            <a:ext cx="2971800" cy="458787"/>
+          </a:xfrm>
+          <a:prstGeom prst="rect">
+            <a:avLst/>
+          </a:prstGeom>
+        </p:spPr>
+        <p:txBody>
+          <a:bodyPr vert="horz" lIns="91440" tIns="45720" rIns="91440" bIns="45720" rtlCol="0" anchor="b"/>
+          <a:lstStyle>
+            <a:lvl1pPr algn="r">
+              <a:defRPr sz="1200"/>
+            </a:lvl1pPr>
+          </a:lstStyle>
+          <a:p>
+            <a:fld id="{75C7638C-BB60-488A-AEA4-87266EF7FA74}" type="slidenum">
+              <a:rPr lang="en-US" smtClean="0"/>
+              <a:t>‹#›</a:t>
+            </a:fld>
+            <a:endParaRPr lang="en-US"/>
+          </a:p>
+        </p:txBody>
+      </p:sp>
+    </p:spTree>
+    <p:extLst>
+      <p:ext uri="{BB962C8B-B14F-4D97-AF65-F5344CB8AC3E}">
+        <p14:creationId xmlns:p14="http://schemas.microsoft.com/office/powerpoint/2010/main" val="527115169"/>
+      </p:ext>
+    </p:extLst>
+  </p:cSld>
+  <p:clrMap bg1="lt1" tx1="dk1" bg2="lt2" tx2="dk2" accent1="accent1" accent2="accent2" accent3="accent3" accent4="accent4" accent5="accent5" accent6="accent6" hlink="hlink" folHlink="folHlink"/>
+  <p:notesStyle>
+    <a:lvl1pPr marL="0" algn="l" defTabSz="914400" rtl="0" eaLnBrk="1" latinLnBrk="0" hangingPunct="1">
+      <a:defRPr sz="1200" kern="1200">
+        <a:solidFill>
+          <a:schemeClr val="tx1"/>
+        </a:solidFill>
+        <a:latin typeface="+mn-lt"/>
+        <a:ea typeface="+mn-ea"/>
+        <a:cs typeface="+mn-cs"/>
+      </a:defRPr>
+    </a:lvl1pPr>
+    <a:lvl2pPr marL="457200" algn="l" defTabSz="914400" rtl="0" eaLnBrk="1" latinLnBrk="0" hangingPunct="1">
+      <a:defRPr sz="1200" kern="1200">
+        <a:solidFill>
+          <a:schemeClr val="tx1"/>
+        </a:solidFill>
+        <a:latin typeface="+mn-lt"/>
+        <a:ea typeface="+mn-ea"/>
+        <a:cs typeface="+mn-cs"/>
+      </a:defRPr>
+    </a:lvl2pPr>
+    <a:lvl3pPr marL="914400" algn="l" defTabSz="914400" rtl="0" eaLnBrk="1" latinLnBrk="0" hangingPunct="1">
+      <a:defRPr sz="1200" kern="1200">
+        <a:solidFill>
+          <a:schemeClr val="tx1"/>
+        </a:solidFill>
+        <a:latin typeface="+mn-lt"/>
+        <a:ea typeface="+mn-ea"/>
+        <a:cs typeface="+mn-cs"/>
+      </a:defRPr>
+    </a:lvl3pPr>
+    <a:lvl4pPr marL="1371600" algn="l" defTabSz="914400" rtl="0" eaLnBrk="1" latinLnBrk="0" hangingPunct="1">
+      <a:defRPr sz="1200" kern="1200">
+        <a:solidFill>
+          <a:schemeClr val="tx1"/>
+        </a:solidFill>
+        <a:latin typeface="+mn-lt"/>
+        <a:ea typeface="+mn-ea"/>
+        <a:cs typeface="+mn-cs"/>
+      </a:defRPr>
+    </a:lvl4pPr>
+    <a:lvl5pPr marL="1828800" algn="l" defTabSz="914400" rtl="0" eaLnBrk="1" latinLnBrk="0" hangingPunct="1">
+      <a:defRPr sz="1200" kern="1200">
+        <a:solidFill>
+          <a:schemeClr val="tx1"/>
+        </a:solidFill>
+        <a:latin typeface="+mn-lt"/>
+        <a:ea typeface="+mn-ea"/>
+        <a:cs typeface="+mn-cs"/>
+      </a:defRPr>
+    </a:lvl5pPr>
+    <a:lvl6pPr marL="2286000" algn="l" defTabSz="914400" rtl="0" eaLnBrk="1" latinLnBrk="0" hangingPunct="1">
+      <a:defRPr sz="1200" kern="1200">
+        <a:solidFill>
+          <a:schemeClr val="tx1"/>
+        </a:solidFill>
+        <a:latin typeface="+mn-lt"/>
+        <a:ea typeface="+mn-ea"/>
+        <a:cs typeface="+mn-cs"/>
+      </a:defRPr>
+    </a:lvl6pPr>
+    <a:lvl7pPr marL="2743200" algn="l" defTabSz="914400" rtl="0" eaLnBrk="1" latinLnBrk="0" hangingPunct="1">
+      <a:defRPr sz="1200" kern="1200">
+        <a:solidFill>
+          <a:schemeClr val="tx1"/>
+        </a:solidFill>
+        <a:latin typeface="+mn-lt"/>
+        <a:ea typeface="+mn-ea"/>
+        <a:cs typeface="+mn-cs"/>
+      </a:defRPr>
+    </a:lvl7pPr>
+    <a:lvl8pPr marL="3200400" algn="l" defTabSz="914400" rtl="0" eaLnBrk="1" latinLnBrk="0" hangingPunct="1">
+      <a:defRPr sz="1200" kern="1200">
+        <a:solidFill>
+          <a:schemeClr val="tx1"/>
+        </a:solidFill>
+        <a:latin typeface="+mn-lt"/>
+        <a:ea typeface="+mn-ea"/>
+        <a:cs typeface="+mn-cs"/>
+      </a:defRPr>
+    </a:lvl8pPr>
+    <a:lvl9pPr marL="3657600" algn="l" defTabSz="914400" rtl="0" eaLnBrk="1" latinLnBrk="0" hangingPunct="1">
+      <a:defRPr sz="1200" kern="1200">
+        <a:solidFill>
+          <a:schemeClr val="tx1"/>
+        </a:solidFill>
+        <a:latin typeface="+mn-lt"/>
+        <a:ea typeface="+mn-ea"/>
+        <a:cs typeface="+mn-cs"/>
+      </a:defRPr>
+    </a:lvl9pPr>
+  </p:notesStyle>
+</p:notesMaster>
+</file>
+
+<file path=ppt/notesSlides/notesSlide1.xml><?xml version="1.0" encoding="utf-8"?>
+<p:notes xmlns:a="http://schemas.openxmlformats.org/drawingml/2006/main" xmlns:r="http://schemas.openxmlformats.org/officeDocument/2006/relationships" xmlns:p="http://schemas.openxmlformats.org/presentationml/2006/main">
+  <p:cSld>
+    <p:spTree>
+      <p:nvGrpSpPr>
+        <p:cNvPr id="1" name=""/>
+        <p:cNvGrpSpPr/>
+        <p:nvPr/>
+      </p:nvGrpSpPr>
+      <p:grpSpPr>
+        <a:xfrm>
+          <a:off x="0" y="0"/>
+          <a:ext cx="0" cy="0"/>
+          <a:chOff x="0" y="0"/>
+          <a:chExt cx="0" cy="0"/>
+        </a:xfrm>
+      </p:grpSpPr>
+      <p:sp>
+        <p:nvSpPr>
+          <p:cNvPr id="2" name="Slide Image Placeholder 1"/>
+          <p:cNvSpPr>
+            <a:spLocks noGrp="1" noRot="1" noChangeAspect="1"/>
+          </p:cNvSpPr>
+          <p:nvPr>
+            <p:ph type="sldImg"/>
+          </p:nvPr>
+        </p:nvSpPr>
+        <p:spPr/>
+      </p:sp>
+      <p:sp>
+        <p:nvSpPr>
+          <p:cNvPr id="3" name="Notes Placeholder 2"/>
+          <p:cNvSpPr>
+            <a:spLocks noGrp="1"/>
+          </p:cNvSpPr>
+          <p:nvPr>
+            <p:ph type="body" idx="1"/>
+          </p:nvPr>
+        </p:nvSpPr>
+        <p:spPr/>
+        <p:txBody>
+          <a:bodyPr/>
+          <a:lstStyle/>
+          <a:p>
+            <a:endParaRPr lang="en-US"/>
+          </a:p>
+        </p:txBody>
+      </p:sp>
+      <p:sp>
+        <p:nvSpPr>
+          <p:cNvPr id="4" name="Slide Number Placeholder 3"/>
+          <p:cNvSpPr>
+            <a:spLocks noGrp="1"/>
+          </p:cNvSpPr>
+          <p:nvPr>
+            <p:ph type="sldNum" sz="quarter" idx="10"/>
+          </p:nvPr>
+        </p:nvSpPr>
+        <p:spPr/>
+        <p:txBody>
+          <a:bodyPr/>
+          <a:lstStyle/>
+          <a:p>
+            <a:fld id="{75C7638C-BB60-488A-AEA4-87266EF7FA74}" type="slidenum">
+              <a:rPr lang="en-US" smtClean="0"/>
+              <a:t>1</a:t>
+            </a:fld>
+            <a:endParaRPr lang="en-US"/>
+          </a:p>
+        </p:txBody>
+      </p:sp>
+    </p:spTree>
+    <p:extLst>
+      <p:ext uri="{BB962C8B-B14F-4D97-AF65-F5344CB8AC3E}">
+        <p14:creationId xmlns:p14="http://schemas.microsoft.com/office/powerpoint/2010/main" val="3462364247"/>
+      </p:ext>
+    </p:extLst>
+  </p:cSld>
+  <p:clrMapOvr>
+    <a:masterClrMapping/>
+  </p:clrMapOvr>
+</p:notes>
+</file>
+
 <file path=ppt/slideLayouts/slideLayout1.xml><?xml version="1.0" encoding="utf-8"?>
 <p:sldLayout xmlns:a="http://schemas.openxmlformats.org/drawingml/2006/main" xmlns:r="http://schemas.openxmlformats.org/officeDocument/2006/relationships" xmlns:p="http://schemas.openxmlformats.org/presentationml/2006/main" type="title" preserve="1">
   <p:cSld name="Title Slide">
@@ -322,9 +768,9 @@
           <a:bodyPr/>
           <a:lstStyle/>
           <a:p>
-            <a:fld id="{AFE19F44-4D0A-4D9B-A2B8-78373D34E118}" type="datetimeFigureOut">
+            <a:fld id="{151730ED-7A53-4993-B595-87A95F99DF0D}" type="datetime1">
               <a:rPr lang="en-IN" smtClean="0"/>
-              <a:t>02-02-2014</a:t>
+              <a:t>03-02-2014</a:t>
             </a:fld>
             <a:endParaRPr lang="en-IN"/>
           </a:p>
@@ -487,9 +933,9 @@
           <a:bodyPr/>
           <a:lstStyle/>
           <a:p>
-            <a:fld id="{AFE19F44-4D0A-4D9B-A2B8-78373D34E118}" type="datetimeFigureOut">
+            <a:fld id="{655865C4-642F-40D6-947D-484B1DAB5FEB}" type="datetime1">
               <a:rPr lang="en-IN" smtClean="0"/>
-              <a:t>02-02-2014</a:t>
+              <a:t>03-02-2014</a:t>
             </a:fld>
             <a:endParaRPr lang="en-IN"/>
           </a:p>
@@ -662,9 +1108,9 @@
           <a:bodyPr/>
           <a:lstStyle/>
           <a:p>
-            <a:fld id="{AFE19F44-4D0A-4D9B-A2B8-78373D34E118}" type="datetimeFigureOut">
+            <a:fld id="{1DB02DB5-F609-4B39-96BA-D911477BA03E}" type="datetime1">
               <a:rPr lang="en-IN" smtClean="0"/>
-              <a:t>02-02-2014</a:t>
+              <a:t>03-02-2014</a:t>
             </a:fld>
             <a:endParaRPr lang="en-IN"/>
           </a:p>
@@ -827,9 +1273,9 @@
           <a:bodyPr/>
           <a:lstStyle/>
           <a:p>
-            <a:fld id="{AFE19F44-4D0A-4D9B-A2B8-78373D34E118}" type="datetimeFigureOut">
+            <a:fld id="{AD635A58-FEEB-45E0-A406-B86E90EA723F}" type="datetime1">
               <a:rPr lang="en-IN" smtClean="0"/>
-              <a:t>02-02-2014</a:t>
+              <a:t>03-02-2014</a:t>
             </a:fld>
             <a:endParaRPr lang="en-IN"/>
           </a:p>
@@ -1068,9 +1514,9 @@
           <a:bodyPr/>
           <a:lstStyle/>
           <a:p>
-            <a:fld id="{AFE19F44-4D0A-4D9B-A2B8-78373D34E118}" type="datetimeFigureOut">
+            <a:fld id="{A7E7ABDD-556D-425F-9757-EDE030252B09}" type="datetime1">
               <a:rPr lang="en-IN" smtClean="0"/>
-              <a:t>02-02-2014</a:t>
+              <a:t>03-02-2014</a:t>
             </a:fld>
             <a:endParaRPr lang="en-IN"/>
           </a:p>
@@ -1351,9 +1797,9 @@
           <a:bodyPr/>
           <a:lstStyle/>
           <a:p>
-            <a:fld id="{AFE19F44-4D0A-4D9B-A2B8-78373D34E118}" type="datetimeFigureOut">
+            <a:fld id="{710A70C5-EFFC-4B3C-98F1-D75267371171}" type="datetime1">
               <a:rPr lang="en-IN" smtClean="0"/>
-              <a:t>02-02-2014</a:t>
+              <a:t>03-02-2014</a:t>
             </a:fld>
             <a:endParaRPr lang="en-IN"/>
           </a:p>
@@ -1768,9 +2214,9 @@
           <a:bodyPr/>
           <a:lstStyle/>
           <a:p>
-            <a:fld id="{AFE19F44-4D0A-4D9B-A2B8-78373D34E118}" type="datetimeFigureOut">
+            <a:fld id="{112726DE-7E77-4196-A440-A7CC53536778}" type="datetime1">
               <a:rPr lang="en-IN" smtClean="0"/>
-              <a:t>02-02-2014</a:t>
+              <a:t>03-02-2014</a:t>
             </a:fld>
             <a:endParaRPr lang="en-IN"/>
           </a:p>
@@ -1881,9 +2327,9 @@
           <a:bodyPr/>
           <a:lstStyle/>
           <a:p>
-            <a:fld id="{AFE19F44-4D0A-4D9B-A2B8-78373D34E118}" type="datetimeFigureOut">
+            <a:fld id="{26EE40F6-C7A7-46DA-9F39-53816E079DD6}" type="datetime1">
               <a:rPr lang="en-IN" smtClean="0"/>
-              <a:t>02-02-2014</a:t>
+              <a:t>03-02-2014</a:t>
             </a:fld>
             <a:endParaRPr lang="en-IN"/>
           </a:p>
@@ -1971,9 +2417,9 @@
           <a:bodyPr/>
           <a:lstStyle/>
           <a:p>
-            <a:fld id="{AFE19F44-4D0A-4D9B-A2B8-78373D34E118}" type="datetimeFigureOut">
+            <a:fld id="{988C0E7E-270A-4CB6-89D6-AD73A30798FB}" type="datetime1">
               <a:rPr lang="en-IN" smtClean="0"/>
-              <a:t>02-02-2014</a:t>
+              <a:t>03-02-2014</a:t>
             </a:fld>
             <a:endParaRPr lang="en-IN"/>
           </a:p>
@@ -2243,9 +2689,9 @@
           <a:bodyPr/>
           <a:lstStyle/>
           <a:p>
-            <a:fld id="{AFE19F44-4D0A-4D9B-A2B8-78373D34E118}" type="datetimeFigureOut">
+            <a:fld id="{D73B2B58-B508-4168-A294-E75CC591B660}" type="datetime1">
               <a:rPr lang="en-IN" smtClean="0"/>
-              <a:t>02-02-2014</a:t>
+              <a:t>03-02-2014</a:t>
             </a:fld>
             <a:endParaRPr lang="en-IN"/>
           </a:p>
@@ -2491,9 +2937,9 @@
           <a:bodyPr/>
           <a:lstStyle/>
           <a:p>
-            <a:fld id="{AFE19F44-4D0A-4D9B-A2B8-78373D34E118}" type="datetimeFigureOut">
+            <a:fld id="{9437067B-04B4-4806-996F-D08D6F7B2C34}" type="datetime1">
               <a:rPr lang="en-IN" smtClean="0"/>
-              <a:t>02-02-2014</a:t>
+              <a:t>03-02-2014</a:t>
             </a:fld>
             <a:endParaRPr lang="en-IN"/>
           </a:p>
@@ -2699,9 +3145,9 @@
             </a:lvl1pPr>
           </a:lstStyle>
           <a:p>
-            <a:fld id="{AFE19F44-4D0A-4D9B-A2B8-78373D34E118}" type="datetimeFigureOut">
+            <a:fld id="{7A21291A-46E7-4ABA-B87C-11116A2D3441}" type="datetime1">
               <a:rPr lang="en-IN" smtClean="0"/>
-              <a:t>02-02-2014</a:t>
+              <a:t>03-02-2014</a:t>
             </a:fld>
             <a:endParaRPr lang="en-IN"/>
           </a:p>
@@ -2801,6 +3247,7 @@
     <p:sldLayoutId id="2147483658" r:id="rId10"/>
     <p:sldLayoutId id="2147483659" r:id="rId11"/>
   </p:sldLayoutIdLst>
+  <p:hf hdr="0" ftr="0" dt="0"/>
   <p:txStyles>
     <p:titleStyle>
       <a:lvl1pPr algn="ctr" defTabSz="914400" rtl="0" eaLnBrk="1" latinLnBrk="0" hangingPunct="1">
@@ -3083,8 +3530,8 @@
         </p:nvSpPr>
         <p:spPr>
           <a:xfrm>
-            <a:off x="1259632" y="2492896"/>
-            <a:ext cx="6400800" cy="2736304"/>
+            <a:off x="1259632" y="2924944"/>
+            <a:ext cx="6400800" cy="2376264"/>
           </a:xfrm>
           <a:solidFill>
             <a:schemeClr val="bg1"/>
@@ -3103,6 +3550,16 @@
           <a:p>
             <a:pPr lvl="0"/>
             <a:r>
+              <a:rPr lang="en-US" dirty="0" smtClean="0">
+                <a:solidFill>
+                  <a:schemeClr val="tx1"/>
+                </a:solidFill>
+                <a:latin typeface="Times New Roman" pitchFamily="18" charset="0"/>
+                <a:cs typeface="Times New Roman" pitchFamily="18" charset="0"/>
+              </a:rPr>
+              <a:t>Chiranthan </a:t>
+            </a:r>
+            <a:r>
               <a:rPr lang="en-US" dirty="0" err="1" smtClean="0">
                 <a:solidFill>
                   <a:schemeClr val="tx1"/>
@@ -3110,7 +3567,197 @@
                 <a:latin typeface="Times New Roman" pitchFamily="18" charset="0"/>
                 <a:cs typeface="Times New Roman" pitchFamily="18" charset="0"/>
               </a:rPr>
-              <a:t>Chiranthan</a:t>
+              <a:t>Mirle</a:t>
+            </a:r>
+            <a:r>
+              <a:rPr lang="en-US" dirty="0" smtClean="0">
+                <a:solidFill>
+                  <a:schemeClr val="tx1"/>
+                </a:solidFill>
+                <a:latin typeface="Times New Roman" pitchFamily="18" charset="0"/>
+                <a:cs typeface="Times New Roman" pitchFamily="18" charset="0"/>
+              </a:rPr>
+              <a:t>	</a:t>
+            </a:r>
+            <a:r>
+              <a:rPr lang="en-US" dirty="0" smtClean="0">
+                <a:solidFill>
+                  <a:schemeClr val="tx1"/>
+                </a:solidFill>
+                <a:latin typeface="Times New Roman" pitchFamily="18" charset="0"/>
+                <a:cs typeface="Times New Roman" pitchFamily="18" charset="0"/>
+              </a:rPr>
+              <a:t>  -</a:t>
+            </a:r>
+            <a:r>
+              <a:rPr lang="en-US" dirty="0" smtClean="0">
+                <a:solidFill>
+                  <a:schemeClr val="tx1"/>
+                </a:solidFill>
+                <a:latin typeface="Times New Roman" pitchFamily="18" charset="0"/>
+                <a:cs typeface="Times New Roman" pitchFamily="18" charset="0"/>
+              </a:rPr>
+              <a:t>	1001011399</a:t>
+            </a:r>
+            <a:endParaRPr lang="en-IN" dirty="0" smtClean="0">
+              <a:solidFill>
+                <a:schemeClr val="tx1"/>
+              </a:solidFill>
+              <a:latin typeface="Times New Roman" pitchFamily="18" charset="0"/>
+              <a:cs typeface="Times New Roman" pitchFamily="18" charset="0"/>
+            </a:endParaRPr>
+          </a:p>
+          <a:p>
+            <a:pPr lvl="0"/>
+            <a:r>
+              <a:rPr lang="en-US" dirty="0" smtClean="0">
+                <a:solidFill>
+                  <a:schemeClr val="tx1"/>
+                </a:solidFill>
+                <a:latin typeface="Times New Roman" pitchFamily="18" charset="0"/>
+                <a:cs typeface="Times New Roman" pitchFamily="18" charset="0"/>
+              </a:rPr>
+              <a:t>Abhishek Agarwal	</a:t>
+            </a:r>
+            <a:r>
+              <a:rPr lang="en-US" dirty="0" smtClean="0">
+                <a:solidFill>
+                  <a:schemeClr val="tx1"/>
+                </a:solidFill>
+                <a:latin typeface="Times New Roman" pitchFamily="18" charset="0"/>
+                <a:cs typeface="Times New Roman" pitchFamily="18" charset="0"/>
+              </a:rPr>
+              <a:t>  -</a:t>
+            </a:r>
+            <a:r>
+              <a:rPr lang="en-US" dirty="0" smtClean="0">
+                <a:solidFill>
+                  <a:schemeClr val="tx1"/>
+                </a:solidFill>
+                <a:latin typeface="Times New Roman" pitchFamily="18" charset="0"/>
+                <a:cs typeface="Times New Roman" pitchFamily="18" charset="0"/>
+              </a:rPr>
+              <a:t>	1000987331</a:t>
+            </a:r>
+            <a:endParaRPr lang="en-IN" dirty="0" smtClean="0">
+              <a:solidFill>
+                <a:schemeClr val="tx1"/>
+              </a:solidFill>
+              <a:latin typeface="Times New Roman" pitchFamily="18" charset="0"/>
+              <a:cs typeface="Times New Roman" pitchFamily="18" charset="0"/>
+            </a:endParaRPr>
+          </a:p>
+          <a:p>
+            <a:pPr lvl="0"/>
+            <a:r>
+              <a:rPr lang="en-US" dirty="0" err="1" smtClean="0">
+                <a:solidFill>
+                  <a:schemeClr val="tx1"/>
+                </a:solidFill>
+                <a:latin typeface="Times New Roman" pitchFamily="18" charset="0"/>
+                <a:cs typeface="Times New Roman" pitchFamily="18" charset="0"/>
+              </a:rPr>
+              <a:t>Ranjith</a:t>
+            </a:r>
+            <a:r>
+              <a:rPr lang="en-US" dirty="0" smtClean="0">
+                <a:solidFill>
+                  <a:schemeClr val="tx1"/>
+                </a:solidFill>
+                <a:latin typeface="Times New Roman" pitchFamily="18" charset="0"/>
+                <a:cs typeface="Times New Roman" pitchFamily="18" charset="0"/>
+              </a:rPr>
+              <a:t> M A		</a:t>
+            </a:r>
+            <a:r>
+              <a:rPr lang="en-US" dirty="0" smtClean="0">
+                <a:solidFill>
+                  <a:schemeClr val="tx1"/>
+                </a:solidFill>
+                <a:latin typeface="Times New Roman" pitchFamily="18" charset="0"/>
+                <a:cs typeface="Times New Roman" pitchFamily="18" charset="0"/>
+              </a:rPr>
+              <a:t>  -   </a:t>
+            </a:r>
+            <a:r>
+              <a:rPr lang="en-US" dirty="0" smtClean="0">
+                <a:solidFill>
+                  <a:schemeClr val="tx1"/>
+                </a:solidFill>
+                <a:latin typeface="Times New Roman" pitchFamily="18" charset="0"/>
+                <a:cs typeface="Times New Roman" pitchFamily="18" charset="0"/>
+              </a:rPr>
+              <a:t>	1000969864</a:t>
+            </a:r>
+            <a:endParaRPr lang="en-IN" dirty="0" smtClean="0">
+              <a:solidFill>
+                <a:schemeClr val="tx1"/>
+              </a:solidFill>
+              <a:latin typeface="Times New Roman" pitchFamily="18" charset="0"/>
+              <a:cs typeface="Times New Roman" pitchFamily="18" charset="0"/>
+            </a:endParaRPr>
+          </a:p>
+          <a:p>
+            <a:pPr lvl="0"/>
+            <a:r>
+              <a:rPr lang="en-US" dirty="0" err="1" smtClean="0">
+                <a:solidFill>
+                  <a:schemeClr val="tx1"/>
+                </a:solidFill>
+                <a:latin typeface="Times New Roman" pitchFamily="18" charset="0"/>
+                <a:cs typeface="Times New Roman" pitchFamily="18" charset="0"/>
+              </a:rPr>
+              <a:t>Ather</a:t>
+            </a:r>
+            <a:r>
+              <a:rPr lang="en-US" dirty="0" smtClean="0">
+                <a:solidFill>
+                  <a:schemeClr val="tx1"/>
+                </a:solidFill>
+                <a:latin typeface="Times New Roman" pitchFamily="18" charset="0"/>
+                <a:cs typeface="Times New Roman" pitchFamily="18" charset="0"/>
+              </a:rPr>
+              <a:t> Mohammed	</a:t>
+            </a:r>
+            <a:r>
+              <a:rPr lang="en-US" dirty="0" smtClean="0">
+                <a:solidFill>
+                  <a:schemeClr val="tx1"/>
+                </a:solidFill>
+                <a:latin typeface="Times New Roman" pitchFamily="18" charset="0"/>
+                <a:cs typeface="Times New Roman" pitchFamily="18" charset="0"/>
+              </a:rPr>
+              <a:t>  -</a:t>
+            </a:r>
+            <a:r>
+              <a:rPr lang="en-US" dirty="0" smtClean="0">
+                <a:solidFill>
+                  <a:schemeClr val="tx1"/>
+                </a:solidFill>
+                <a:latin typeface="Times New Roman" pitchFamily="18" charset="0"/>
+                <a:cs typeface="Times New Roman" pitchFamily="18" charset="0"/>
+              </a:rPr>
+              <a:t>	1000993284</a:t>
+            </a:r>
+            <a:endParaRPr lang="en-IN" dirty="0" smtClean="0">
+              <a:solidFill>
+                <a:schemeClr val="tx1"/>
+              </a:solidFill>
+              <a:latin typeface="Times New Roman" pitchFamily="18" charset="0"/>
+              <a:cs typeface="Times New Roman" pitchFamily="18" charset="0"/>
+            </a:endParaRPr>
+          </a:p>
+          <a:p>
+            <a:pPr lvl="0"/>
+            <a:r>
+              <a:rPr lang="en-US" dirty="0" err="1" smtClean="0">
+                <a:solidFill>
+                  <a:schemeClr val="tx1"/>
+                </a:solidFill>
+                <a:latin typeface="Times New Roman" pitchFamily="18" charset="0"/>
+                <a:cs typeface="Times New Roman" pitchFamily="18" charset="0"/>
+              </a:rPr>
+              <a:t>Bhavana</a:t>
             </a:r>
             <a:r>
               <a:rPr lang="en-US" dirty="0" smtClean="0">
@@ -3130,7 +3777,7 @@
                 <a:latin typeface="Times New Roman" pitchFamily="18" charset="0"/>
                 <a:cs typeface="Times New Roman" pitchFamily="18" charset="0"/>
               </a:rPr>
-              <a:t>Mirle</a:t>
+              <a:t>Nandyala</a:t>
             </a:r>
             <a:r>
               <a:rPr lang="en-US" dirty="0" smtClean="0">
@@ -3140,27 +3787,7 @@
                 <a:latin typeface="Times New Roman" pitchFamily="18" charset="0"/>
                 <a:cs typeface="Times New Roman" pitchFamily="18" charset="0"/>
               </a:rPr>
-              <a:t>	-	1001011399</a:t>
-            </a:r>
-            <a:endParaRPr lang="en-IN" dirty="0" smtClean="0">
-              <a:solidFill>
-                <a:schemeClr val="tx1"/>
-              </a:solidFill>
-              <a:latin typeface="Times New Roman" pitchFamily="18" charset="0"/>
-              <a:cs typeface="Times New Roman" pitchFamily="18" charset="0"/>
-            </a:endParaRPr>
-          </a:p>
-          <a:p>
-            <a:pPr lvl="0"/>
-            <a:r>
-              <a:rPr lang="en-US" dirty="0" err="1" smtClean="0">
-                <a:solidFill>
-                  <a:schemeClr val="tx1"/>
-                </a:solidFill>
-                <a:latin typeface="Times New Roman" pitchFamily="18" charset="0"/>
-                <a:cs typeface="Times New Roman" pitchFamily="18" charset="0"/>
-              </a:rPr>
-              <a:t>Abhishek</a:t>
+              <a:t>	</a:t>
             </a:r>
             <a:r>
               <a:rPr lang="en-US" dirty="0" smtClean="0">
@@ -3170,17 +3797,7 @@
                 <a:latin typeface="Times New Roman" pitchFamily="18" charset="0"/>
                 <a:cs typeface="Times New Roman" pitchFamily="18" charset="0"/>
               </a:rPr>
-              <a:t> </a:t>
-            </a:r>
-            <a:r>
-              <a:rPr lang="en-US" dirty="0" err="1" smtClean="0">
-                <a:solidFill>
-                  <a:schemeClr val="tx1"/>
-                </a:solidFill>
-                <a:latin typeface="Times New Roman" pitchFamily="18" charset="0"/>
-                <a:cs typeface="Times New Roman" pitchFamily="18" charset="0"/>
-              </a:rPr>
-              <a:t>Agarwal</a:t>
+              <a:t>  -</a:t>
             </a:r>
             <a:r>
               <a:rPr lang="en-US" dirty="0" smtClean="0">
@@ -3190,117 +3807,7 @@
                 <a:latin typeface="Times New Roman" pitchFamily="18" charset="0"/>
                 <a:cs typeface="Times New Roman" pitchFamily="18" charset="0"/>
               </a:rPr>
-              <a:t>	-	1000987331</a:t>
-            </a:r>
-            <a:endParaRPr lang="en-IN" dirty="0" smtClean="0">
-              <a:solidFill>
-                <a:schemeClr val="tx1"/>
-              </a:solidFill>
-              <a:latin typeface="Times New Roman" pitchFamily="18" charset="0"/>
-              <a:cs typeface="Times New Roman" pitchFamily="18" charset="0"/>
-            </a:endParaRPr>
-          </a:p>
-          <a:p>
-            <a:pPr lvl="0"/>
-            <a:r>
-              <a:rPr lang="en-US" dirty="0" err="1" smtClean="0">
-                <a:solidFill>
-                  <a:schemeClr val="tx1"/>
-                </a:solidFill>
-                <a:latin typeface="Times New Roman" pitchFamily="18" charset="0"/>
-                <a:cs typeface="Times New Roman" pitchFamily="18" charset="0"/>
-              </a:rPr>
-              <a:t>Ranjith</a:t>
-            </a:r>
-            <a:r>
-              <a:rPr lang="en-US" dirty="0" smtClean="0">
-                <a:solidFill>
-                  <a:schemeClr val="tx1"/>
-                </a:solidFill>
-                <a:latin typeface="Times New Roman" pitchFamily="18" charset="0"/>
-                <a:cs typeface="Times New Roman" pitchFamily="18" charset="0"/>
-              </a:rPr>
-              <a:t> M A		-   	1000969864</a:t>
-            </a:r>
-            <a:endParaRPr lang="en-IN" dirty="0" smtClean="0">
-              <a:solidFill>
-                <a:schemeClr val="tx1"/>
-              </a:solidFill>
-              <a:latin typeface="Times New Roman" pitchFamily="18" charset="0"/>
-              <a:cs typeface="Times New Roman" pitchFamily="18" charset="0"/>
-            </a:endParaRPr>
-          </a:p>
-          <a:p>
-            <a:pPr lvl="0"/>
-            <a:r>
-              <a:rPr lang="en-US" dirty="0" err="1" smtClean="0">
-                <a:solidFill>
-                  <a:schemeClr val="tx1"/>
-                </a:solidFill>
-                <a:latin typeface="Times New Roman" pitchFamily="18" charset="0"/>
-                <a:cs typeface="Times New Roman" pitchFamily="18" charset="0"/>
-              </a:rPr>
-              <a:t>Ather</a:t>
-            </a:r>
-            <a:r>
-              <a:rPr lang="en-US" dirty="0" smtClean="0">
-                <a:solidFill>
-                  <a:schemeClr val="tx1"/>
-                </a:solidFill>
-                <a:latin typeface="Times New Roman" pitchFamily="18" charset="0"/>
-                <a:cs typeface="Times New Roman" pitchFamily="18" charset="0"/>
-              </a:rPr>
-              <a:t> Mohammed	-	1000993284</a:t>
-            </a:r>
-            <a:endParaRPr lang="en-IN" dirty="0" smtClean="0">
-              <a:solidFill>
-                <a:schemeClr val="tx1"/>
-              </a:solidFill>
-              <a:latin typeface="Times New Roman" pitchFamily="18" charset="0"/>
-              <a:cs typeface="Times New Roman" pitchFamily="18" charset="0"/>
-            </a:endParaRPr>
-          </a:p>
-          <a:p>
-            <a:pPr lvl="0"/>
-            <a:r>
-              <a:rPr lang="en-US" dirty="0" err="1" smtClean="0">
-                <a:solidFill>
-                  <a:schemeClr val="tx1"/>
-                </a:solidFill>
-                <a:latin typeface="Times New Roman" pitchFamily="18" charset="0"/>
-                <a:cs typeface="Times New Roman" pitchFamily="18" charset="0"/>
-              </a:rPr>
-              <a:t>Bhavana</a:t>
-            </a:r>
-            <a:r>
-              <a:rPr lang="en-US" dirty="0" smtClean="0">
-                <a:solidFill>
-                  <a:schemeClr val="tx1"/>
-                </a:solidFill>
-                <a:latin typeface="Times New Roman" pitchFamily="18" charset="0"/>
-                <a:cs typeface="Times New Roman" pitchFamily="18" charset="0"/>
-              </a:rPr>
-              <a:t> </a:t>
-            </a:r>
-            <a:r>
-              <a:rPr lang="en-US" dirty="0" err="1" smtClean="0">
-                <a:solidFill>
-                  <a:schemeClr val="tx1"/>
-                </a:solidFill>
-                <a:latin typeface="Times New Roman" pitchFamily="18" charset="0"/>
-                <a:cs typeface="Times New Roman" pitchFamily="18" charset="0"/>
-              </a:rPr>
-              <a:t>Nandyala</a:t>
-            </a:r>
-            <a:r>
-              <a:rPr lang="en-US" dirty="0" smtClean="0">
-                <a:solidFill>
-                  <a:schemeClr val="tx1"/>
-                </a:solidFill>
-                <a:latin typeface="Times New Roman" pitchFamily="18" charset="0"/>
-                <a:cs typeface="Times New Roman" pitchFamily="18" charset="0"/>
-              </a:rPr>
-              <a:t>	-	1000859140</a:t>
+              <a:t>	1000859140</a:t>
             </a:r>
             <a:endParaRPr lang="en-IN" dirty="0" smtClean="0">
               <a:solidFill>
@@ -3398,6 +3905,29 @@
                 <a:reflection blurRad="6350" stA="53000" endA="300" endPos="35500" dir="5400000" sy="-90000" algn="bl" rotWithShape="0"/>
               </a:effectLst>
             </a:endParaRPr>
+          </a:p>
+        </p:txBody>
+      </p:sp>
+      <p:sp>
+        <p:nvSpPr>
+          <p:cNvPr id="2" name="Slide Number Placeholder 1"/>
+          <p:cNvSpPr>
+            <a:spLocks noGrp="1"/>
+          </p:cNvSpPr>
+          <p:nvPr>
+            <p:ph type="sldNum" sz="quarter" idx="12"/>
+          </p:nvPr>
+        </p:nvSpPr>
+        <p:spPr/>
+        <p:txBody>
+          <a:bodyPr/>
+          <a:lstStyle/>
+          <a:p>
+            <a:r>
+              <a:rPr lang="en-IN" dirty="0"/>
+              <a:t>1</a:t>
+            </a:r>
+            <a:endParaRPr lang="en-IN" dirty="0"/>
           </a:p>
         </p:txBody>
       </p:sp>
@@ -3525,6 +4055,29 @@
           </a:prstGeom>
         </p:spPr>
       </p:pic>
+      <p:sp>
+        <p:nvSpPr>
+          <p:cNvPr id="3" name="Slide Number Placeholder 2"/>
+          <p:cNvSpPr>
+            <a:spLocks noGrp="1"/>
+          </p:cNvSpPr>
+          <p:nvPr>
+            <p:ph type="sldNum" sz="quarter" idx="12"/>
+          </p:nvPr>
+        </p:nvSpPr>
+        <p:spPr/>
+        <p:txBody>
+          <a:bodyPr/>
+          <a:lstStyle/>
+          <a:p>
+            <a:fld id="{4F08AF75-F6E9-44CF-B411-C1ED845122B8}" type="slidenum">
+              <a:rPr lang="en-IN" smtClean="0"/>
+              <a:t>10</a:t>
+            </a:fld>
+            <a:endParaRPr lang="en-IN"/>
+          </a:p>
+        </p:txBody>
+      </p:sp>
     </p:spTree>
     <p:extLst>
       <p:ext uri="{BB962C8B-B14F-4D97-AF65-F5344CB8AC3E}">
@@ -3621,6 +4174,29 @@
               </a:rPr>
               <a:t>Tools that help us in development</a:t>
             </a:r>
+          </a:p>
+        </p:txBody>
+      </p:sp>
+      <p:sp>
+        <p:nvSpPr>
+          <p:cNvPr id="2" name="Slide Number Placeholder 1"/>
+          <p:cNvSpPr>
+            <a:spLocks noGrp="1"/>
+          </p:cNvSpPr>
+          <p:nvPr>
+            <p:ph type="sldNum" sz="quarter" idx="12"/>
+          </p:nvPr>
+        </p:nvSpPr>
+        <p:spPr/>
+        <p:txBody>
+          <a:bodyPr/>
+          <a:lstStyle/>
+          <a:p>
+            <a:fld id="{4F08AF75-F6E9-44CF-B411-C1ED845122B8}" type="slidenum">
+              <a:rPr lang="en-IN" smtClean="0"/>
+              <a:t>11</a:t>
+            </a:fld>
+            <a:endParaRPr lang="en-IN"/>
           </a:p>
         </p:txBody>
       </p:sp>
@@ -3770,6 +4346,29 @@
           </a:p>
         </p:txBody>
       </p:sp>
+      <p:sp>
+        <p:nvSpPr>
+          <p:cNvPr id="2" name="Slide Number Placeholder 1"/>
+          <p:cNvSpPr>
+            <a:spLocks noGrp="1"/>
+          </p:cNvSpPr>
+          <p:nvPr>
+            <p:ph type="sldNum" sz="quarter" idx="12"/>
+          </p:nvPr>
+        </p:nvSpPr>
+        <p:spPr/>
+        <p:txBody>
+          <a:bodyPr/>
+          <a:lstStyle/>
+          <a:p>
+            <a:fld id="{4F08AF75-F6E9-44CF-B411-C1ED845122B8}" type="slidenum">
+              <a:rPr lang="en-IN" smtClean="0"/>
+              <a:t>12</a:t>
+            </a:fld>
+            <a:endParaRPr lang="en-IN"/>
+          </a:p>
+        </p:txBody>
+      </p:sp>
     </p:spTree>
     <p:extLst>
       <p:ext uri="{BB962C8B-B14F-4D97-AF65-F5344CB8AC3E}">
@@ -3975,6 +4574,29 @@
           </a:prstGeom>
         </p:spPr>
       </p:pic>
+      <p:sp>
+        <p:nvSpPr>
+          <p:cNvPr id="2" name="Slide Number Placeholder 1"/>
+          <p:cNvSpPr>
+            <a:spLocks noGrp="1"/>
+          </p:cNvSpPr>
+          <p:nvPr>
+            <p:ph type="sldNum" sz="quarter" idx="12"/>
+          </p:nvPr>
+        </p:nvSpPr>
+        <p:spPr/>
+        <p:txBody>
+          <a:bodyPr/>
+          <a:lstStyle/>
+          <a:p>
+            <a:fld id="{4F08AF75-F6E9-44CF-B411-C1ED845122B8}" type="slidenum">
+              <a:rPr lang="en-IN" smtClean="0"/>
+              <a:t>13</a:t>
+            </a:fld>
+            <a:endParaRPr lang="en-IN"/>
+          </a:p>
+        </p:txBody>
+      </p:sp>
     </p:spTree>
     <p:extLst>
       <p:ext uri="{BB962C8B-B14F-4D97-AF65-F5344CB8AC3E}">
@@ -3996,6 +4618,252 @@
 </file>
 
 <file path=ppt/slides/slide14.xml><?xml version="1.0" encoding="utf-8"?>
+<p:sld xmlns:a="http://schemas.openxmlformats.org/drawingml/2006/main" xmlns:r="http://schemas.openxmlformats.org/officeDocument/2006/relationships" xmlns:p="http://schemas.openxmlformats.org/presentationml/2006/main">
+  <p:cSld>
+    <p:spTree>
+      <p:nvGrpSpPr>
+        <p:cNvPr id="1" name=""/>
+        <p:cNvGrpSpPr/>
+        <p:nvPr/>
+      </p:nvGrpSpPr>
+      <p:grpSpPr>
+        <a:xfrm>
+          <a:off x="0" y="0"/>
+          <a:ext cx="0" cy="0"/>
+          <a:chOff x="0" y="0"/>
+          <a:chExt cx="0" cy="0"/>
+        </a:xfrm>
+      </p:grpSpPr>
+      <p:sp>
+        <p:nvSpPr>
+          <p:cNvPr id="4" name="Rectangle 3"/>
+          <p:cNvSpPr/>
+          <p:nvPr/>
+        </p:nvSpPr>
+        <p:spPr>
+          <a:xfrm>
+            <a:off x="2499319" y="1556792"/>
+            <a:ext cx="4145367" cy="923330"/>
+          </a:xfrm>
+          <a:prstGeom prst="rect">
+            <a:avLst/>
+          </a:prstGeom>
+          <a:noFill/>
+        </p:spPr>
+        <p:txBody>
+          <a:bodyPr wrap="none" lIns="91440" tIns="45720" rIns="91440" bIns="45720">
+            <a:spAutoFit/>
+          </a:bodyPr>
+          <a:lstStyle/>
+          <a:p>
+            <a:pPr algn="ctr"/>
+            <a:r>
+              <a:rPr lang="en-US" sz="5400" dirty="0" smtClean="0">
+                <a:ln w="0"/>
+                <a:gradFill>
+                  <a:gsLst>
+                    <a:gs pos="0">
+                      <a:schemeClr val="accent5">
+                        <a:lumMod val="50000"/>
+                      </a:schemeClr>
+                    </a:gs>
+                    <a:gs pos="50000">
+                      <a:schemeClr val="accent5"/>
+                    </a:gs>
+                    <a:gs pos="100000">
+                      <a:schemeClr val="accent5">
+                        <a:lumMod val="60000"/>
+                        <a:lumOff val="40000"/>
+                      </a:schemeClr>
+                    </a:gs>
+                  </a:gsLst>
+                  <a:lin ang="5400000"/>
+                </a:gradFill>
+                <a:effectLst>
+                  <a:reflection blurRad="6350" stA="53000" endA="300" endPos="35500" dir="5400000" sy="-90000" algn="bl" rotWithShape="0"/>
+                </a:effectLst>
+              </a:rPr>
+              <a:t>Omega Server</a:t>
+            </a:r>
+            <a:endParaRPr lang="en-US" sz="5400" b="0" cap="none" spc="0" dirty="0">
+              <a:ln w="0"/>
+              <a:gradFill>
+                <a:gsLst>
+                  <a:gs pos="0">
+                    <a:schemeClr val="accent5">
+                      <a:lumMod val="50000"/>
+                    </a:schemeClr>
+                  </a:gs>
+                  <a:gs pos="50000">
+                    <a:schemeClr val="accent5"/>
+                  </a:gs>
+                  <a:gs pos="100000">
+                    <a:schemeClr val="accent5">
+                      <a:lumMod val="60000"/>
+                      <a:lumOff val="40000"/>
+                    </a:schemeClr>
+                  </a:gs>
+                </a:gsLst>
+                <a:lin ang="5400000"/>
+              </a:gradFill>
+              <a:effectLst>
+                <a:reflection blurRad="6350" stA="53000" endA="300" endPos="35500" dir="5400000" sy="-90000" algn="bl" rotWithShape="0"/>
+              </a:effectLst>
+            </a:endParaRPr>
+          </a:p>
+        </p:txBody>
+      </p:sp>
+      <p:sp>
+        <p:nvSpPr>
+          <p:cNvPr id="5" name="Rectangle 4"/>
+          <p:cNvSpPr/>
+          <p:nvPr/>
+        </p:nvSpPr>
+        <p:spPr>
+          <a:xfrm>
+            <a:off x="3064122" y="2967335"/>
+            <a:ext cx="3015762" cy="646331"/>
+          </a:xfrm>
+          <a:prstGeom prst="rect">
+            <a:avLst/>
+          </a:prstGeom>
+          <a:noFill/>
+        </p:spPr>
+        <p:txBody>
+          <a:bodyPr wrap="none" lIns="91440" tIns="45720" rIns="91440" bIns="45720">
+            <a:spAutoFit/>
+          </a:bodyPr>
+          <a:lstStyle/>
+          <a:p>
+            <a:pPr algn="ctr"/>
+            <a:r>
+              <a:rPr lang="en-US" sz="3600" dirty="0">
+                <a:ln w="0"/>
+                <a:gradFill>
+                  <a:gsLst>
+                    <a:gs pos="0">
+                      <a:schemeClr val="accent5">
+                        <a:lumMod val="50000"/>
+                      </a:schemeClr>
+                    </a:gs>
+                    <a:gs pos="50000">
+                      <a:schemeClr val="accent5"/>
+                    </a:gs>
+                    <a:gs pos="100000">
+                      <a:schemeClr val="accent5">
+                        <a:lumMod val="60000"/>
+                        <a:lumOff val="40000"/>
+                      </a:schemeClr>
+                    </a:gs>
+                  </a:gsLst>
+                  <a:lin ang="5400000"/>
+                </a:gradFill>
+                <a:effectLst>
+                  <a:reflection blurRad="6350" stA="53000" endA="300" endPos="35500" dir="5400000" sy="-90000" algn="bl" rotWithShape="0"/>
+                </a:effectLst>
+              </a:rPr>
+              <a:t>o</a:t>
+            </a:r>
+            <a:r>
+              <a:rPr lang="en-US" sz="3600" dirty="0" smtClean="0">
+                <a:ln w="0"/>
+                <a:gradFill>
+                  <a:gsLst>
+                    <a:gs pos="0">
+                      <a:schemeClr val="accent5">
+                        <a:lumMod val="50000"/>
+                      </a:schemeClr>
+                    </a:gs>
+                    <a:gs pos="50000">
+                      <a:schemeClr val="accent5"/>
+                    </a:gs>
+                    <a:gs pos="100000">
+                      <a:schemeClr val="accent5">
+                        <a:lumMod val="60000"/>
+                        <a:lumOff val="40000"/>
+                      </a:schemeClr>
+                    </a:gs>
+                  </a:gsLst>
+                  <a:lin ang="5400000"/>
+                </a:gradFill>
+                <a:effectLst>
+                  <a:reflection blurRad="6350" stA="53000" endA="300" endPos="35500" dir="5400000" sy="-90000" algn="bl" rotWithShape="0"/>
+                </a:effectLst>
+              </a:rPr>
+              <a:t>mega.uta.edu</a:t>
+            </a:r>
+            <a:endParaRPr lang="en-US" sz="3600" b="0" cap="none" spc="0" dirty="0">
+              <a:ln w="0"/>
+              <a:gradFill>
+                <a:gsLst>
+                  <a:gs pos="0">
+                    <a:schemeClr val="accent5">
+                      <a:lumMod val="50000"/>
+                    </a:schemeClr>
+                  </a:gs>
+                  <a:gs pos="50000">
+                    <a:schemeClr val="accent5"/>
+                  </a:gs>
+                  <a:gs pos="100000">
+                    <a:schemeClr val="accent5">
+                      <a:lumMod val="60000"/>
+                      <a:lumOff val="40000"/>
+                    </a:schemeClr>
+                  </a:gs>
+                </a:gsLst>
+                <a:lin ang="5400000"/>
+              </a:gradFill>
+              <a:effectLst>
+                <a:reflection blurRad="6350" stA="53000" endA="300" endPos="35500" dir="5400000" sy="-90000" algn="bl" rotWithShape="0"/>
+              </a:effectLst>
+            </a:endParaRPr>
+          </a:p>
+        </p:txBody>
+      </p:sp>
+      <p:sp>
+        <p:nvSpPr>
+          <p:cNvPr id="6" name="Slide Number Placeholder 5"/>
+          <p:cNvSpPr>
+            <a:spLocks noGrp="1"/>
+          </p:cNvSpPr>
+          <p:nvPr>
+            <p:ph type="sldNum" sz="quarter" idx="12"/>
+          </p:nvPr>
+        </p:nvSpPr>
+        <p:spPr/>
+        <p:txBody>
+          <a:bodyPr/>
+          <a:lstStyle/>
+          <a:p>
+            <a:fld id="{4F08AF75-F6E9-44CF-B411-C1ED845122B8}" type="slidenum">
+              <a:rPr lang="en-IN" smtClean="0"/>
+              <a:t>14</a:t>
+            </a:fld>
+            <a:endParaRPr lang="en-IN"/>
+          </a:p>
+        </p:txBody>
+      </p:sp>
+    </p:spTree>
+    <p:extLst>
+      <p:ext uri="{BB962C8B-B14F-4D97-AF65-F5344CB8AC3E}">
+        <p14:creationId xmlns:p14="http://schemas.microsoft.com/office/powerpoint/2010/main" val="744246630"/>
+      </p:ext>
+    </p:extLst>
+  </p:cSld>
+  <p:clrMapOvr>
+    <a:masterClrMapping/>
+  </p:clrMapOvr>
+  <p:timing>
+    <p:tnLst>
+      <p:par>
+        <p:cTn id="1" dur="indefinite" restart="never" nodeType="tmRoot"/>
+      </p:par>
+    </p:tnLst>
+  </p:timing>
+</p:sld>
+</file>
+
+<file path=ppt/slides/slide15.xml><?xml version="1.0" encoding="utf-8"?>
 <p:sld xmlns:a="http://schemas.openxmlformats.org/drawingml/2006/main" xmlns:r="http://schemas.openxmlformats.org/officeDocument/2006/relationships" xmlns:p="http://schemas.openxmlformats.org/presentationml/2006/main">
   <p:cSld>
     <p:bg>
@@ -4074,107 +4942,33 @@
           </a:p>
         </p:txBody>
       </p:sp>
+      <p:sp>
+        <p:nvSpPr>
+          <p:cNvPr id="2" name="Slide Number Placeholder 1"/>
+          <p:cNvSpPr>
+            <a:spLocks noGrp="1"/>
+          </p:cNvSpPr>
+          <p:nvPr>
+            <p:ph type="sldNum" sz="quarter" idx="12"/>
+          </p:nvPr>
+        </p:nvSpPr>
+        <p:spPr/>
+        <p:txBody>
+          <a:bodyPr/>
+          <a:lstStyle/>
+          <a:p>
+            <a:fld id="{4F08AF75-F6E9-44CF-B411-C1ED845122B8}" type="slidenum">
+              <a:rPr lang="en-IN" smtClean="0"/>
+              <a:t>15</a:t>
+            </a:fld>
+            <a:endParaRPr lang="en-IN"/>
+          </a:p>
+        </p:txBody>
+      </p:sp>
     </p:spTree>
     <p:extLst>
       <p:ext uri="{BB962C8B-B14F-4D97-AF65-F5344CB8AC3E}">
         <p14:creationId xmlns:p14="http://schemas.microsoft.com/office/powerpoint/2010/main" val="3496189718"/>
-      </p:ext>
-    </p:extLst>
-  </p:cSld>
-  <p:clrMapOvr>
-    <a:masterClrMapping/>
-  </p:clrMapOvr>
-  <p:timing>
-    <p:tnLst>
-      <p:par>
-        <p:cTn id="1" dur="indefinite" restart="never" nodeType="tmRoot"/>
-      </p:par>
-    </p:tnLst>
-  </p:timing>
-</p:sld>
-</file>
-
-<file path=ppt/slides/slide15.xml><?xml version="1.0" encoding="utf-8"?>
-<p:sld xmlns:a="http://schemas.openxmlformats.org/drawingml/2006/main" xmlns:r="http://schemas.openxmlformats.org/officeDocument/2006/relationships" xmlns:p="http://schemas.openxmlformats.org/presentationml/2006/main">
-  <p:cSld>
-    <p:spTree>
-      <p:nvGrpSpPr>
-        <p:cNvPr id="1" name=""/>
-        <p:cNvGrpSpPr/>
-        <p:nvPr/>
-      </p:nvGrpSpPr>
-      <p:grpSpPr>
-        <a:xfrm>
-          <a:off x="0" y="0"/>
-          <a:ext cx="0" cy="0"/>
-          <a:chOff x="0" y="0"/>
-          <a:chExt cx="0" cy="0"/>
-        </a:xfrm>
-      </p:grpSpPr>
-      <p:pic>
-        <p:nvPicPr>
-          <p:cNvPr id="4" name="Picture 3"/>
-          <p:cNvPicPr>
-            <a:picLocks noChangeAspect="1"/>
-          </p:cNvPicPr>
-          <p:nvPr/>
-        </p:nvPicPr>
-        <p:blipFill>
-          <a:blip r:embed="rId2">
-            <a:extLst>
-              <a:ext uri="{28A0092B-C50C-407E-A947-70E740481C1C}">
-                <a14:useLocalDpi xmlns:a14="http://schemas.microsoft.com/office/drawing/2010/main" val="0"/>
-              </a:ext>
-            </a:extLst>
-          </a:blip>
-          <a:stretch>
-            <a:fillRect/>
-          </a:stretch>
-        </p:blipFill>
-        <p:spPr>
-          <a:xfrm>
-            <a:off x="467544" y="233198"/>
-            <a:ext cx="5143500" cy="5143500"/>
-          </a:xfrm>
-          <a:prstGeom prst="rect">
-            <a:avLst/>
-          </a:prstGeom>
-        </p:spPr>
-      </p:pic>
-      <p:pic>
-        <p:nvPicPr>
-          <p:cNvPr id="2" name="Picture 1"/>
-          <p:cNvPicPr>
-            <a:picLocks noChangeAspect="1"/>
-          </p:cNvPicPr>
-          <p:nvPr/>
-        </p:nvPicPr>
-        <p:blipFill>
-          <a:blip r:embed="rId3">
-            <a:extLst>
-              <a:ext uri="{28A0092B-C50C-407E-A947-70E740481C1C}">
-                <a14:useLocalDpi xmlns:a14="http://schemas.microsoft.com/office/drawing/2010/main" val="0"/>
-              </a:ext>
-            </a:extLst>
-          </a:blip>
-          <a:stretch>
-            <a:fillRect/>
-          </a:stretch>
-        </p:blipFill>
-        <p:spPr>
-          <a:xfrm>
-            <a:off x="5338936" y="4410733"/>
-            <a:ext cx="3196883" cy="2001527"/>
-          </a:xfrm>
-          <a:prstGeom prst="rect">
-            <a:avLst/>
-          </a:prstGeom>
-        </p:spPr>
-      </p:pic>
-    </p:spTree>
-    <p:extLst>
-      <p:ext uri="{BB962C8B-B14F-4D97-AF65-F5344CB8AC3E}">
-        <p14:creationId xmlns:p14="http://schemas.microsoft.com/office/powerpoint/2010/main" val="3768323522"/>
       </p:ext>
     </p:extLst>
   </p:cSld>
@@ -4208,21 +5002,62 @@
           <a:chExt cx="0" cy="0"/>
         </a:xfrm>
       </p:grpSpPr>
-      <p:sp>
-        <p:nvSpPr>
-          <p:cNvPr id="4" name="Rectangle 3"/>
-          <p:cNvSpPr/>
+      <p:pic>
+        <p:nvPicPr>
+          <p:cNvPr id="3074" name="Picture 2" descr="http://thumbs.dreamstime.com/z/camera-lens-25889840.jpg"/>
+          <p:cNvPicPr>
+            <a:picLocks noChangeAspect="1" noChangeArrowheads="1"/>
+          </p:cNvPicPr>
           <p:nvPr/>
-        </p:nvSpPr>
-        <p:spPr>
-          <a:xfrm>
-            <a:off x="539552" y="548680"/>
-            <a:ext cx="3550972" cy="1200329"/>
+        </p:nvPicPr>
+        <p:blipFill>
+          <a:blip r:embed="rId2">
+            <a:extLst>
+              <a:ext uri="{28A0092B-C50C-407E-A947-70E740481C1C}">
+                <a14:useLocalDpi xmlns:a14="http://schemas.microsoft.com/office/drawing/2010/main" val="0"/>
+              </a:ext>
+            </a:extLst>
+          </a:blip>
+          <a:srcRect/>
+          <a:stretch>
+            <a:fillRect/>
+          </a:stretch>
+        </p:blipFill>
+        <p:spPr bwMode="auto">
+          <a:xfrm>
+            <a:off x="2411760" y="2204864"/>
+            <a:ext cx="4211687" cy="4211687"/>
           </a:xfrm>
           <a:prstGeom prst="rect">
             <a:avLst/>
           </a:prstGeom>
           <a:noFill/>
+          <a:extLst>
+            <a:ext uri="{909E8E84-426E-40DD-AFC4-6F175D3DCCD1}">
+              <a14:hiddenFill xmlns:a14="http://schemas.microsoft.com/office/drawing/2010/main">
+                <a:solidFill>
+                  <a:srgbClr val="FFFFFF"/>
+                </a:solidFill>
+              </a14:hiddenFill>
+            </a:ext>
+          </a:extLst>
+        </p:spPr>
+      </p:pic>
+      <p:sp>
+        <p:nvSpPr>
+          <p:cNvPr id="4" name="Rectangle 3"/>
+          <p:cNvSpPr/>
+          <p:nvPr/>
+        </p:nvSpPr>
+        <p:spPr>
+          <a:xfrm>
+            <a:off x="3236633" y="620688"/>
+            <a:ext cx="2342565" cy="923330"/>
+          </a:xfrm>
+          <a:prstGeom prst="rect">
+            <a:avLst/>
+          </a:prstGeom>
+          <a:noFill/>
         </p:spPr>
         <p:txBody>
           <a:bodyPr wrap="none" lIns="91440" tIns="45720" rIns="91440" bIns="45720">
@@ -4232,7 +5067,7 @@
           <a:p>
             <a:pPr algn="ctr"/>
             <a:r>
-              <a:rPr lang="en-US" sz="7200" b="0" cap="none" spc="0" dirty="0" smtClean="0">
+              <a:rPr lang="en-US" sz="5400" b="0" cap="none" spc="0" dirty="0" smtClean="0">
                 <a:ln w="0"/>
                 <a:gradFill>
                   <a:gsLst>
@@ -4257,9 +5092,9 @@
                   <a:reflection blurRad="6350" stA="53000" endA="300" endPos="35500" dir="5400000" sy="-90000" algn="bl" rotWithShape="0"/>
                 </a:effectLst>
               </a:rPr>
-              <a:t>Compass</a:t>
-            </a:r>
-            <a:endParaRPr lang="en-US" sz="7200" b="0" cap="none" spc="0" dirty="0">
+              <a:t>Camera</a:t>
+            </a:r>
+            <a:endParaRPr lang="en-US" sz="5400" b="0" cap="none" spc="0" dirty="0">
               <a:ln w="0"/>
               <a:gradFill>
                 <a:gsLst>
@@ -4287,40 +5122,33 @@
           </a:p>
         </p:txBody>
       </p:sp>
-      <p:pic>
-        <p:nvPicPr>
-          <p:cNvPr id="5" name="Picture 4"/>
-          <p:cNvPicPr>
-            <a:picLocks noChangeAspect="1"/>
-          </p:cNvPicPr>
-          <p:nvPr/>
-        </p:nvPicPr>
-        <p:blipFill>
-          <a:blip r:embed="rId2">
-            <a:extLst>
-              <a:ext uri="{28A0092B-C50C-407E-A947-70E740481C1C}">
-                <a14:useLocalDpi xmlns:a14="http://schemas.microsoft.com/office/drawing/2010/main" val="0"/>
-              </a:ext>
-            </a:extLst>
-          </a:blip>
-          <a:stretch>
-            <a:fillRect/>
-          </a:stretch>
-        </p:blipFill>
-        <p:spPr>
-          <a:xfrm>
-            <a:off x="2635674" y="188640"/>
-            <a:ext cx="6502734" cy="6502734"/>
-          </a:xfrm>
-          <a:prstGeom prst="rect">
-            <a:avLst/>
-          </a:prstGeom>
-        </p:spPr>
-      </p:pic>
+      <p:sp>
+        <p:nvSpPr>
+          <p:cNvPr id="5" name="Slide Number Placeholder 4"/>
+          <p:cNvSpPr>
+            <a:spLocks noGrp="1"/>
+          </p:cNvSpPr>
+          <p:nvPr>
+            <p:ph type="sldNum" sz="quarter" idx="12"/>
+          </p:nvPr>
+        </p:nvSpPr>
+        <p:spPr/>
+        <p:txBody>
+          <a:bodyPr/>
+          <a:lstStyle/>
+          <a:p>
+            <a:fld id="{4F08AF75-F6E9-44CF-B411-C1ED845122B8}" type="slidenum">
+              <a:rPr lang="en-IN" smtClean="0"/>
+              <a:t>16</a:t>
+            </a:fld>
+            <a:endParaRPr lang="en-IN"/>
+          </a:p>
+        </p:txBody>
+      </p:sp>
     </p:spTree>
     <p:extLst>
       <p:ext uri="{BB962C8B-B14F-4D97-AF65-F5344CB8AC3E}">
-        <p14:creationId xmlns:p14="http://schemas.microsoft.com/office/powerpoint/2010/main" val="1111483861"/>
+        <p14:creationId xmlns:p14="http://schemas.microsoft.com/office/powerpoint/2010/main" val="367105386"/>
       </p:ext>
     </p:extLst>
   </p:cSld>
@@ -4376,24 +5204,114 @@
         </p:blipFill>
         <p:spPr>
           <a:xfrm>
-            <a:off x="5728957" y="1874081"/>
-            <a:ext cx="3214688" cy="2143125"/>
+            <a:off x="467544" y="233198"/>
+            <a:ext cx="5143500" cy="5143500"/>
           </a:xfrm>
           <a:prstGeom prst="rect">
             <a:avLst/>
           </a:prstGeom>
         </p:spPr>
       </p:pic>
-      <p:sp>
-        <p:nvSpPr>
-          <p:cNvPr id="5" name="Rectangle 4"/>
+      <p:pic>
+        <p:nvPicPr>
+          <p:cNvPr id="2" name="Picture 1"/>
+          <p:cNvPicPr>
+            <a:picLocks noChangeAspect="1"/>
+          </p:cNvPicPr>
+          <p:nvPr/>
+        </p:nvPicPr>
+        <p:blipFill>
+          <a:blip r:embed="rId3">
+            <a:extLst>
+              <a:ext uri="{28A0092B-C50C-407E-A947-70E740481C1C}">
+                <a14:useLocalDpi xmlns:a14="http://schemas.microsoft.com/office/drawing/2010/main" val="0"/>
+              </a:ext>
+            </a:extLst>
+          </a:blip>
+          <a:stretch>
+            <a:fillRect/>
+          </a:stretch>
+        </p:blipFill>
+        <p:spPr>
+          <a:xfrm>
+            <a:off x="5338936" y="4410733"/>
+            <a:ext cx="3196883" cy="2001527"/>
+          </a:xfrm>
+          <a:prstGeom prst="rect">
+            <a:avLst/>
+          </a:prstGeom>
+        </p:spPr>
+      </p:pic>
+      <p:sp>
+        <p:nvSpPr>
+          <p:cNvPr id="3" name="Slide Number Placeholder 2"/>
+          <p:cNvSpPr>
+            <a:spLocks noGrp="1"/>
+          </p:cNvSpPr>
+          <p:nvPr>
+            <p:ph type="sldNum" sz="quarter" idx="12"/>
+          </p:nvPr>
+        </p:nvSpPr>
+        <p:spPr/>
+        <p:txBody>
+          <a:bodyPr/>
+          <a:lstStyle/>
+          <a:p>
+            <a:fld id="{4F08AF75-F6E9-44CF-B411-C1ED845122B8}" type="slidenum">
+              <a:rPr lang="en-IN" smtClean="0"/>
+              <a:t>17</a:t>
+            </a:fld>
+            <a:endParaRPr lang="en-IN"/>
+          </a:p>
+        </p:txBody>
+      </p:sp>
+    </p:spTree>
+    <p:extLst>
+      <p:ext uri="{BB962C8B-B14F-4D97-AF65-F5344CB8AC3E}">
+        <p14:creationId xmlns:p14="http://schemas.microsoft.com/office/powerpoint/2010/main" val="3768323522"/>
+      </p:ext>
+    </p:extLst>
+  </p:cSld>
+  <p:clrMapOvr>
+    <a:masterClrMapping/>
+  </p:clrMapOvr>
+  <p:timing>
+    <p:tnLst>
+      <p:par>
+        <p:cTn id="1" dur="indefinite" restart="never" nodeType="tmRoot"/>
+      </p:par>
+    </p:tnLst>
+  </p:timing>
+</p:sld>
+</file>
+
+<file path=ppt/slides/slide18.xml><?xml version="1.0" encoding="utf-8"?>
+<p:sld xmlns:a="http://schemas.openxmlformats.org/drawingml/2006/main" xmlns:r="http://schemas.openxmlformats.org/officeDocument/2006/relationships" xmlns:p="http://schemas.openxmlformats.org/presentationml/2006/main">
+  <p:cSld>
+    <p:spTree>
+      <p:nvGrpSpPr>
+        <p:cNvPr id="1" name=""/>
+        <p:cNvGrpSpPr/>
+        <p:nvPr/>
+      </p:nvGrpSpPr>
+      <p:grpSpPr>
+        <a:xfrm>
+          <a:off x="0" y="0"/>
+          <a:ext cx="0" cy="0"/>
+          <a:chOff x="0" y="0"/>
+          <a:chExt cx="0" cy="0"/>
+        </a:xfrm>
+      </p:grpSpPr>
+      <p:sp>
+        <p:nvSpPr>
+          <p:cNvPr id="4" name="Rectangle 3"/>
           <p:cNvSpPr/>
           <p:nvPr/>
         </p:nvSpPr>
         <p:spPr>
           <a:xfrm>
-            <a:off x="228902" y="1626745"/>
-            <a:ext cx="4275979" cy="900246"/>
+            <a:off x="539552" y="548680"/>
+            <a:ext cx="3550972" cy="1200329"/>
           </a:xfrm>
           <a:prstGeom prst="rect">
             <a:avLst/>
@@ -4401,14 +5319,14 @@
           <a:noFill/>
         </p:spPr>
         <p:txBody>
-          <a:bodyPr wrap="none" lIns="68580" tIns="34290" rIns="68580" bIns="34290">
+          <a:bodyPr wrap="none" lIns="91440" tIns="45720" rIns="91440" bIns="45720">
             <a:spAutoFit/>
           </a:bodyPr>
           <a:lstStyle/>
           <a:p>
             <a:pPr algn="ctr"/>
             <a:r>
-              <a:rPr lang="en-US" sz="5400" dirty="0">
+              <a:rPr lang="en-US" sz="7200" b="0" cap="none" spc="0" dirty="0" smtClean="0">
                 <a:ln w="0"/>
                 <a:gradFill>
                   <a:gsLst>
@@ -4433,21 +5351,46 @@
                   <a:reflection blurRad="6350" stA="53000" endA="300" endPos="35500" dir="5400000" sy="-90000" algn="bl" rotWithShape="0"/>
                 </a:effectLst>
               </a:rPr>
-              <a:t>Accelerometer</a:t>
-            </a:r>
+              <a:t>Compass</a:t>
+            </a:r>
+            <a:endParaRPr lang="en-US" sz="7200" b="0" cap="none" spc="0" dirty="0">
+              <a:ln w="0"/>
+              <a:gradFill>
+                <a:gsLst>
+                  <a:gs pos="0">
+                    <a:schemeClr val="accent5">
+                      <a:lumMod val="50000"/>
+                    </a:schemeClr>
+                  </a:gs>
+                  <a:gs pos="50000">
+                    <a:schemeClr val="accent5"/>
+                  </a:gs>
+                  <a:gs pos="100000">
+                    <a:schemeClr val="accent5">
+                      <a:lumMod val="60000"/>
+                      <a:lumOff val="40000"/>
+                    </a:schemeClr>
+                  </a:gs>
+                </a:gsLst>
+                <a:lin ang="5400000"/>
+              </a:gradFill>
+              <a:effectLst>
+                <a:reflection blurRad="6350" stA="53000" endA="300" endPos="35500" dir="5400000" sy="-90000" algn="bl" rotWithShape="0"/>
+              </a:effectLst>
+            </a:endParaRPr>
           </a:p>
         </p:txBody>
       </p:sp>
       <p:pic>
         <p:nvPicPr>
-          <p:cNvPr id="6" name="Picture 5"/>
+          <p:cNvPr id="5" name="Picture 4"/>
           <p:cNvPicPr>
             <a:picLocks noChangeAspect="1"/>
           </p:cNvPicPr>
           <p:nvPr/>
         </p:nvPicPr>
         <p:blipFill>
-          <a:blip r:embed="rId3">
+          <a:blip r:embed="rId2">
             <a:extLst>
               <a:ext uri="{28A0092B-C50C-407E-A947-70E740481C1C}">
                 <a14:useLocalDpi xmlns:a14="http://schemas.microsoft.com/office/drawing/2010/main" val="0"/>
@@ -4460,18 +5403,41 @@
         </p:blipFill>
         <p:spPr>
           <a:xfrm>
-            <a:off x="1116037" y="3822016"/>
-            <a:ext cx="2204291" cy="1923244"/>
+            <a:off x="2635674" y="188640"/>
+            <a:ext cx="6502734" cy="6502734"/>
           </a:xfrm>
           <a:prstGeom prst="rect">
             <a:avLst/>
           </a:prstGeom>
         </p:spPr>
       </p:pic>
+      <p:sp>
+        <p:nvSpPr>
+          <p:cNvPr id="2" name="Slide Number Placeholder 1"/>
+          <p:cNvSpPr>
+            <a:spLocks noGrp="1"/>
+          </p:cNvSpPr>
+          <p:nvPr>
+            <p:ph type="sldNum" sz="quarter" idx="12"/>
+          </p:nvPr>
+        </p:nvSpPr>
+        <p:spPr/>
+        <p:txBody>
+          <a:bodyPr/>
+          <a:lstStyle/>
+          <a:p>
+            <a:fld id="{4F08AF75-F6E9-44CF-B411-C1ED845122B8}" type="slidenum">
+              <a:rPr lang="en-IN" smtClean="0"/>
+              <a:t>18</a:t>
+            </a:fld>
+            <a:endParaRPr lang="en-IN"/>
+          </a:p>
+        </p:txBody>
+      </p:sp>
     </p:spTree>
     <p:extLst>
       <p:ext uri="{BB962C8B-B14F-4D97-AF65-F5344CB8AC3E}">
-        <p14:creationId xmlns:p14="http://schemas.microsoft.com/office/powerpoint/2010/main" val="2897225756"/>
+        <p14:creationId xmlns:p14="http://schemas.microsoft.com/office/powerpoint/2010/main" val="1111483861"/>
       </p:ext>
     </p:extLst>
   </p:cSld>
@@ -4488,7 +5454,7 @@
 </p:sld>
 </file>
 
-<file path=ppt/slides/slide18.xml><?xml version="1.0" encoding="utf-8"?>
+<file path=ppt/slides/slide19.xml><?xml version="1.0" encoding="utf-8"?>
 <p:sld xmlns:a="http://schemas.openxmlformats.org/drawingml/2006/main" xmlns:r="http://schemas.openxmlformats.org/officeDocument/2006/relationships" xmlns:p="http://schemas.openxmlformats.org/presentationml/2006/main">
   <p:cSld>
     <p:spTree>
@@ -4527,8 +5493,8 @@
         </p:blipFill>
         <p:spPr>
           <a:xfrm>
-            <a:off x="5436096" y="3284984"/>
-            <a:ext cx="2857500" cy="2857500"/>
+            <a:off x="5728957" y="1874081"/>
+            <a:ext cx="3214688" cy="2143125"/>
           </a:xfrm>
           <a:prstGeom prst="rect">
             <a:avLst/>
@@ -4543,8 +5509,8 @@
         </p:nvSpPr>
         <p:spPr>
           <a:xfrm>
-            <a:off x="622449" y="1953819"/>
-            <a:ext cx="3109056" cy="900246"/>
+            <a:off x="228902" y="1626745"/>
+            <a:ext cx="4275979" cy="900246"/>
           </a:xfrm>
           <a:prstGeom prst="rect">
             <a:avLst/>
@@ -4584,156 +5550,35 @@
                   <a:reflection blurRad="6350" stA="53000" endA="300" endPos="35500" dir="5400000" sy="-90000" algn="bl" rotWithShape="0"/>
                 </a:effectLst>
               </a:rPr>
-              <a:t>Gyroscope</a:t>
-            </a:r>
-          </a:p>
-        </p:txBody>
-      </p:sp>
-    </p:spTree>
-    <p:extLst>
-      <p:ext uri="{BB962C8B-B14F-4D97-AF65-F5344CB8AC3E}">
-        <p14:creationId xmlns:p14="http://schemas.microsoft.com/office/powerpoint/2010/main" val="2875330292"/>
-      </p:ext>
-    </p:extLst>
-  </p:cSld>
-  <p:clrMapOvr>
-    <a:masterClrMapping/>
-  </p:clrMapOvr>
-  <p:timing>
-    <p:tnLst>
-      <p:par>
-        <p:cTn id="1" dur="indefinite" restart="never" nodeType="tmRoot"/>
-      </p:par>
-    </p:tnLst>
-  </p:timing>
-</p:sld>
-</file>
-
-<file path=ppt/slides/slide19.xml><?xml version="1.0" encoding="utf-8"?>
-<p:sld xmlns:a="http://schemas.openxmlformats.org/drawingml/2006/main" xmlns:r="http://schemas.openxmlformats.org/officeDocument/2006/relationships" xmlns:p="http://schemas.openxmlformats.org/presentationml/2006/main">
-  <p:cSld>
-    <p:spTree>
-      <p:nvGrpSpPr>
-        <p:cNvPr id="1" name=""/>
-        <p:cNvGrpSpPr/>
-        <p:nvPr/>
-      </p:nvGrpSpPr>
-      <p:grpSpPr>
-        <a:xfrm>
-          <a:off x="0" y="0"/>
-          <a:ext cx="0" cy="0"/>
-          <a:chOff x="0" y="0"/>
-          <a:chExt cx="0" cy="0"/>
-        </a:xfrm>
-      </p:grpSpPr>
-      <p:sp>
-        <p:nvSpPr>
-          <p:cNvPr id="2" name="Title 1"/>
-          <p:cNvSpPr>
-            <a:spLocks noGrp="1"/>
-          </p:cNvSpPr>
-          <p:nvPr>
-            <p:ph type="title"/>
-          </p:nvPr>
-        </p:nvSpPr>
-        <p:spPr/>
-        <p:txBody>
-          <a:bodyPr>
-            <a:normAutofit/>
-          </a:bodyPr>
-          <a:lstStyle/>
-          <a:p>
-            <a:r>
-              <a:rPr lang="en-US" sz="3600" dirty="0" smtClean="0">
-                <a:latin typeface="Times New Roman" pitchFamily="18" charset="0"/>
-                <a:cs typeface="Times New Roman" pitchFamily="18" charset="0"/>
-              </a:rPr>
-              <a:t>COMPETITORS</a:t>
-            </a:r>
-            <a:endParaRPr lang="en-IN" sz="3600" dirty="0">
-              <a:latin typeface="Times New Roman" pitchFamily="18" charset="0"/>
-              <a:cs typeface="Times New Roman" pitchFamily="18" charset="0"/>
-            </a:endParaRPr>
+              <a:t>Accelerometer</a:t>
+            </a:r>
           </a:p>
         </p:txBody>
       </p:sp>
       <p:pic>
         <p:nvPicPr>
-          <p:cNvPr id="4" name="Content Placeholder 3" descr="gps.jpg"/>
-          <p:cNvPicPr>
-            <a:picLocks noGrp="1" noChangeAspect="1"/>
-          </p:cNvPicPr>
-          <p:nvPr>
-            <p:ph idx="1"/>
-          </p:nvPr>
-        </p:nvPicPr>
-        <p:blipFill>
-          <a:blip r:embed="rId2" cstate="print"/>
-          <a:stretch>
-            <a:fillRect/>
-          </a:stretch>
-        </p:blipFill>
-        <p:spPr>
-          <a:xfrm>
-            <a:off x="539552" y="2708920"/>
-            <a:ext cx="3252061" cy="2378107"/>
-          </a:xfrm>
-        </p:spPr>
-      </p:pic>
-      <p:sp>
-        <p:nvSpPr>
-          <p:cNvPr id="5" name="TextBox 4"/>
-          <p:cNvSpPr txBox="1"/>
-          <p:nvPr/>
-        </p:nvSpPr>
-        <p:spPr>
-          <a:xfrm>
-            <a:off x="725422" y="5487365"/>
-            <a:ext cx="2880320" cy="523220"/>
-          </a:xfrm>
-          <a:prstGeom prst="rect">
-            <a:avLst/>
-          </a:prstGeom>
-          <a:noFill/>
-        </p:spPr>
-        <p:txBody>
-          <a:bodyPr wrap="square" rtlCol="0">
-            <a:spAutoFit/>
-          </a:bodyPr>
-          <a:lstStyle/>
-          <a:p>
-            <a:r>
-              <a:rPr lang="en-US" sz="2800" b="1" dirty="0" smtClean="0">
-                <a:latin typeface="Times New Roman" pitchFamily="18" charset="0"/>
-                <a:cs typeface="Times New Roman" pitchFamily="18" charset="0"/>
-              </a:rPr>
-              <a:t>Google Maps</a:t>
-            </a:r>
-            <a:endParaRPr lang="en-IN" sz="2800" b="1" dirty="0">
-              <a:latin typeface="Times New Roman" pitchFamily="18" charset="0"/>
-              <a:cs typeface="Times New Roman" pitchFamily="18" charset="0"/>
-            </a:endParaRPr>
-          </a:p>
-        </p:txBody>
-      </p:sp>
-      <p:pic>
-        <p:nvPicPr>
-          <p:cNvPr id="6" name="Picture 5" descr="acrossair.jpg"/>
+          <p:cNvPr id="6" name="Picture 5"/>
           <p:cNvPicPr>
             <a:picLocks noChangeAspect="1"/>
           </p:cNvPicPr>
           <p:nvPr/>
         </p:nvPicPr>
         <p:blipFill>
-          <a:blip r:embed="rId3" cstate="print"/>
+          <a:blip r:embed="rId3">
+            <a:extLst>
+              <a:ext uri="{28A0092B-C50C-407E-A947-70E740481C1C}">
+                <a14:useLocalDpi xmlns:a14="http://schemas.microsoft.com/office/drawing/2010/main" val="0"/>
+              </a:ext>
+            </a:extLst>
+          </a:blip>
           <a:stretch>
             <a:fillRect/>
           </a:stretch>
         </p:blipFill>
         <p:spPr>
           <a:xfrm>
-            <a:off x="4716016" y="2780928"/>
-            <a:ext cx="3810000" cy="2286000"/>
+            <a:off x="1116037" y="3822016"/>
+            <a:ext cx="2204291" cy="1923244"/>
           </a:xfrm>
           <a:prstGeom prst="rect">
             <a:avLst/>
@@ -4742,41 +5587,33 @@
       </p:pic>
       <p:sp>
         <p:nvSpPr>
-          <p:cNvPr id="7" name="TextBox 6"/>
-          <p:cNvSpPr txBox="1"/>
-          <p:nvPr/>
-        </p:nvSpPr>
-        <p:spPr>
-          <a:xfrm>
-            <a:off x="5796136" y="5518142"/>
-            <a:ext cx="2160240" cy="461665"/>
-          </a:xfrm>
-          <a:prstGeom prst="rect">
-            <a:avLst/>
-          </a:prstGeom>
-          <a:noFill/>
-        </p:spPr>
-        <p:txBody>
-          <a:bodyPr wrap="square" rtlCol="0">
-            <a:spAutoFit/>
-          </a:bodyPr>
-          <a:lstStyle/>
-          <a:p>
-            <a:r>
-              <a:rPr lang="en-US" sz="2400" b="1" dirty="0" err="1" smtClean="0">
-                <a:latin typeface="Times New Roman" pitchFamily="18" charset="0"/>
-                <a:cs typeface="Times New Roman" pitchFamily="18" charset="0"/>
-              </a:rPr>
-              <a:t>AcrossAir</a:t>
-            </a:r>
-            <a:endParaRPr lang="en-IN" sz="2400" b="1" dirty="0">
-              <a:latin typeface="Times New Roman" pitchFamily="18" charset="0"/>
-              <a:cs typeface="Times New Roman" pitchFamily="18" charset="0"/>
-            </a:endParaRPr>
+          <p:cNvPr id="2" name="Slide Number Placeholder 1"/>
+          <p:cNvSpPr>
+            <a:spLocks noGrp="1"/>
+          </p:cNvSpPr>
+          <p:nvPr>
+            <p:ph type="sldNum" sz="quarter" idx="12"/>
+          </p:nvPr>
+        </p:nvSpPr>
+        <p:spPr/>
+        <p:txBody>
+          <a:bodyPr/>
+          <a:lstStyle/>
+          <a:p>
+            <a:fld id="{4F08AF75-F6E9-44CF-B411-C1ED845122B8}" type="slidenum">
+              <a:rPr lang="en-IN" smtClean="0"/>
+              <a:t>19</a:t>
+            </a:fld>
+            <a:endParaRPr lang="en-IN"/>
           </a:p>
         </p:txBody>
       </p:sp>
     </p:spTree>
+    <p:extLst>
+      <p:ext uri="{BB962C8B-B14F-4D97-AF65-F5344CB8AC3E}">
+        <p14:creationId xmlns:p14="http://schemas.microsoft.com/office/powerpoint/2010/main" val="2897225756"/>
+      </p:ext>
+    </p:extLst>
   </p:cSld>
   <p:clrMapOvr>
     <a:masterClrMapping/>
@@ -4885,7 +5722,26 @@
                 <a:latin typeface="Times New Roman" pitchFamily="18" charset="0"/>
                 <a:cs typeface="Times New Roman" pitchFamily="18" charset="0"/>
               </a:rPr>
-              <a:t>find people and places through the touch of a button.</a:t>
+              <a:t>find people and places through the touch of a </a:t>
+            </a:r>
+            <a:r>
+              <a:rPr lang="en-US" dirty="0" smtClean="0">
+                <a:latin typeface="Times New Roman" pitchFamily="18" charset="0"/>
+                <a:cs typeface="Times New Roman" pitchFamily="18" charset="0"/>
+              </a:rPr>
+              <a:t>button </a:t>
+            </a:r>
+            <a:r>
+              <a:rPr lang="en-US" dirty="0" smtClean="0"/>
+              <a:t>(Most </a:t>
+            </a:r>
+            <a:r>
+              <a:rPr lang="en-US" dirty="0"/>
+              <a:t>accurate for outdoors</a:t>
+            </a:r>
+            <a:r>
+              <a:rPr lang="en-US" dirty="0" smtClean="0"/>
+              <a:t>).</a:t>
             </a:r>
             <a:endParaRPr lang="en-IN" dirty="0">
               <a:latin typeface="Times New Roman" pitchFamily="18" charset="0"/>
@@ -4894,6 +5750,29 @@
           </a:p>
           <a:p>
             <a:endParaRPr lang="en-IN" dirty="0"/>
+          </a:p>
+        </p:txBody>
+      </p:sp>
+      <p:sp>
+        <p:nvSpPr>
+          <p:cNvPr id="4" name="Slide Number Placeholder 3"/>
+          <p:cNvSpPr>
+            <a:spLocks noGrp="1"/>
+          </p:cNvSpPr>
+          <p:nvPr>
+            <p:ph type="sldNum" sz="quarter" idx="12"/>
+          </p:nvPr>
+        </p:nvSpPr>
+        <p:spPr/>
+        <p:txBody>
+          <a:bodyPr/>
+          <a:lstStyle/>
+          <a:p>
+            <a:fld id="{4F08AF75-F6E9-44CF-B411-C1ED845122B8}" type="slidenum">
+              <a:rPr lang="en-IN" smtClean="0"/>
+              <a:t>2</a:t>
+            </a:fld>
+            <a:endParaRPr lang="en-IN"/>
           </a:p>
         </p:txBody>
       </p:sp>
@@ -4913,6 +5792,1857 @@
 </file>
 
 <file path=ppt/slides/slide20.xml><?xml version="1.0" encoding="utf-8"?>
+<p:sld xmlns:a="http://schemas.openxmlformats.org/drawingml/2006/main" xmlns:r="http://schemas.openxmlformats.org/officeDocument/2006/relationships" xmlns:p="http://schemas.openxmlformats.org/presentationml/2006/main">
+  <p:cSld>
+    <p:spTree>
+      <p:nvGrpSpPr>
+        <p:cNvPr id="1" name=""/>
+        <p:cNvGrpSpPr/>
+        <p:nvPr/>
+      </p:nvGrpSpPr>
+      <p:grpSpPr>
+        <a:xfrm>
+          <a:off x="0" y="0"/>
+          <a:ext cx="0" cy="0"/>
+          <a:chOff x="0" y="0"/>
+          <a:chExt cx="0" cy="0"/>
+        </a:xfrm>
+      </p:grpSpPr>
+      <p:pic>
+        <p:nvPicPr>
+          <p:cNvPr id="4" name="Picture 3"/>
+          <p:cNvPicPr>
+            <a:picLocks noChangeAspect="1"/>
+          </p:cNvPicPr>
+          <p:nvPr/>
+        </p:nvPicPr>
+        <p:blipFill>
+          <a:blip r:embed="rId2">
+            <a:extLst>
+              <a:ext uri="{28A0092B-C50C-407E-A947-70E740481C1C}">
+                <a14:useLocalDpi xmlns:a14="http://schemas.microsoft.com/office/drawing/2010/main" val="0"/>
+              </a:ext>
+            </a:extLst>
+          </a:blip>
+          <a:stretch>
+            <a:fillRect/>
+          </a:stretch>
+        </p:blipFill>
+        <p:spPr>
+          <a:xfrm>
+            <a:off x="5436096" y="3284984"/>
+            <a:ext cx="2857500" cy="2857500"/>
+          </a:xfrm>
+          <a:prstGeom prst="rect">
+            <a:avLst/>
+          </a:prstGeom>
+        </p:spPr>
+      </p:pic>
+      <p:sp>
+        <p:nvSpPr>
+          <p:cNvPr id="5" name="Rectangle 4"/>
+          <p:cNvSpPr/>
+          <p:nvPr/>
+        </p:nvSpPr>
+        <p:spPr>
+          <a:xfrm>
+            <a:off x="622449" y="1953819"/>
+            <a:ext cx="3109056" cy="900246"/>
+          </a:xfrm>
+          <a:prstGeom prst="rect">
+            <a:avLst/>
+          </a:prstGeom>
+          <a:noFill/>
+        </p:spPr>
+        <p:txBody>
+          <a:bodyPr wrap="none" lIns="68580" tIns="34290" rIns="68580" bIns="34290">
+            <a:spAutoFit/>
+          </a:bodyPr>
+          <a:lstStyle/>
+          <a:p>
+            <a:pPr algn="ctr"/>
+            <a:r>
+              <a:rPr lang="en-US" sz="5400" dirty="0">
+                <a:ln w="0"/>
+                <a:gradFill>
+                  <a:gsLst>
+                    <a:gs pos="0">
+                      <a:schemeClr val="accent5">
+                        <a:lumMod val="50000"/>
+                      </a:schemeClr>
+                    </a:gs>
+                    <a:gs pos="50000">
+                      <a:schemeClr val="accent5"/>
+                    </a:gs>
+                    <a:gs pos="100000">
+                      <a:schemeClr val="accent5">
+                        <a:lumMod val="60000"/>
+                        <a:lumOff val="40000"/>
+                      </a:schemeClr>
+                    </a:gs>
+                  </a:gsLst>
+                  <a:lin ang="5400000"/>
+                </a:gradFill>
+                <a:effectLst>
+                  <a:reflection blurRad="6350" stA="53000" endA="300" endPos="35500" dir="5400000" sy="-90000" algn="bl" rotWithShape="0"/>
+                </a:effectLst>
+              </a:rPr>
+              <a:t>Gyroscope</a:t>
+            </a:r>
+          </a:p>
+        </p:txBody>
+      </p:sp>
+      <p:sp>
+        <p:nvSpPr>
+          <p:cNvPr id="2" name="Slide Number Placeholder 1"/>
+          <p:cNvSpPr>
+            <a:spLocks noGrp="1"/>
+          </p:cNvSpPr>
+          <p:nvPr>
+            <p:ph type="sldNum" sz="quarter" idx="12"/>
+          </p:nvPr>
+        </p:nvSpPr>
+        <p:spPr/>
+        <p:txBody>
+          <a:bodyPr/>
+          <a:lstStyle/>
+          <a:p>
+            <a:fld id="{4F08AF75-F6E9-44CF-B411-C1ED845122B8}" type="slidenum">
+              <a:rPr lang="en-IN" smtClean="0"/>
+              <a:t>20</a:t>
+            </a:fld>
+            <a:endParaRPr lang="en-IN"/>
+          </a:p>
+        </p:txBody>
+      </p:sp>
+    </p:spTree>
+    <p:extLst>
+      <p:ext uri="{BB962C8B-B14F-4D97-AF65-F5344CB8AC3E}">
+        <p14:creationId xmlns:p14="http://schemas.microsoft.com/office/powerpoint/2010/main" val="2875330292"/>
+      </p:ext>
+    </p:extLst>
+  </p:cSld>
+  <p:clrMapOvr>
+    <a:masterClrMapping/>
+  </p:clrMapOvr>
+  <p:timing>
+    <p:tnLst>
+      <p:par>
+        <p:cTn id="1" dur="indefinite" restart="never" nodeType="tmRoot"/>
+      </p:par>
+    </p:tnLst>
+  </p:timing>
+</p:sld>
+</file>
+
+<file path=ppt/slides/slide21.xml><?xml version="1.0" encoding="utf-8"?>
+<p:sld xmlns:a="http://schemas.openxmlformats.org/drawingml/2006/main" xmlns:r="http://schemas.openxmlformats.org/officeDocument/2006/relationships" xmlns:p="http://schemas.openxmlformats.org/presentationml/2006/main">
+  <p:cSld>
+    <p:spTree>
+      <p:nvGrpSpPr>
+        <p:cNvPr id="1" name=""/>
+        <p:cNvGrpSpPr/>
+        <p:nvPr/>
+      </p:nvGrpSpPr>
+      <p:grpSpPr>
+        <a:xfrm>
+          <a:off x="0" y="0"/>
+          <a:ext cx="0" cy="0"/>
+          <a:chOff x="0" y="0"/>
+          <a:chExt cx="0" cy="0"/>
+        </a:xfrm>
+      </p:grpSpPr>
+      <p:pic>
+        <p:nvPicPr>
+          <p:cNvPr id="4" name="Picture 3"/>
+          <p:cNvPicPr>
+            <a:picLocks noChangeAspect="1"/>
+          </p:cNvPicPr>
+          <p:nvPr/>
+        </p:nvPicPr>
+        <p:blipFill>
+          <a:blip r:embed="rId2">
+            <a:extLst>
+              <a:ext uri="{28A0092B-C50C-407E-A947-70E740481C1C}">
+                <a14:useLocalDpi xmlns:a14="http://schemas.microsoft.com/office/drawing/2010/main" val="0"/>
+              </a:ext>
+            </a:extLst>
+          </a:blip>
+          <a:stretch>
+            <a:fillRect/>
+          </a:stretch>
+        </p:blipFill>
+        <p:spPr>
+          <a:xfrm>
+            <a:off x="954984" y="1700808"/>
+            <a:ext cx="3112960" cy="5010336"/>
+          </a:xfrm>
+          <a:prstGeom prst="rect">
+            <a:avLst/>
+          </a:prstGeom>
+        </p:spPr>
+      </p:pic>
+      <p:sp>
+        <p:nvSpPr>
+          <p:cNvPr id="7" name="Rectangle 6"/>
+          <p:cNvSpPr/>
+          <p:nvPr/>
+        </p:nvSpPr>
+        <p:spPr>
+          <a:xfrm>
+            <a:off x="3574195" y="476672"/>
+            <a:ext cx="1954382" cy="923330"/>
+          </a:xfrm>
+          <a:prstGeom prst="rect">
+            <a:avLst/>
+          </a:prstGeom>
+          <a:noFill/>
+        </p:spPr>
+        <p:txBody>
+          <a:bodyPr wrap="none" lIns="91440" tIns="45720" rIns="91440" bIns="45720">
+            <a:spAutoFit/>
+          </a:bodyPr>
+          <a:lstStyle/>
+          <a:p>
+            <a:pPr algn="ctr"/>
+            <a:r>
+              <a:rPr lang="en-US" sz="5400" b="0" cap="none" spc="0" dirty="0" smtClean="0">
+                <a:ln w="0"/>
+                <a:gradFill>
+                  <a:gsLst>
+                    <a:gs pos="0">
+                      <a:schemeClr val="accent5">
+                        <a:lumMod val="50000"/>
+                      </a:schemeClr>
+                    </a:gs>
+                    <a:gs pos="50000">
+                      <a:schemeClr val="accent5"/>
+                    </a:gs>
+                    <a:gs pos="100000">
+                      <a:schemeClr val="accent5">
+                        <a:lumMod val="60000"/>
+                        <a:lumOff val="40000"/>
+                      </a:schemeClr>
+                    </a:gs>
+                  </a:gsLst>
+                  <a:lin ang="5400000"/>
+                </a:gradFill>
+                <a:effectLst>
+                  <a:reflection blurRad="6350" stA="53000" endA="300" endPos="35500" dir="5400000" sy="-90000" algn="bl" rotWithShape="0"/>
+                </a:effectLst>
+              </a:rPr>
+              <a:t>Inputs</a:t>
+            </a:r>
+            <a:endParaRPr lang="en-US" sz="5400" b="0" cap="none" spc="0" dirty="0">
+              <a:ln w="0"/>
+              <a:gradFill>
+                <a:gsLst>
+                  <a:gs pos="0">
+                    <a:schemeClr val="accent5">
+                      <a:lumMod val="50000"/>
+                    </a:schemeClr>
+                  </a:gs>
+                  <a:gs pos="50000">
+                    <a:schemeClr val="accent5"/>
+                  </a:gs>
+                  <a:gs pos="100000">
+                    <a:schemeClr val="accent5">
+                      <a:lumMod val="60000"/>
+                      <a:lumOff val="40000"/>
+                    </a:schemeClr>
+                  </a:gs>
+                </a:gsLst>
+                <a:lin ang="5400000"/>
+              </a:gradFill>
+              <a:effectLst>
+                <a:reflection blurRad="6350" stA="53000" endA="300" endPos="35500" dir="5400000" sy="-90000" algn="bl" rotWithShape="0"/>
+              </a:effectLst>
+            </a:endParaRPr>
+          </a:p>
+        </p:txBody>
+      </p:sp>
+      <p:pic>
+        <p:nvPicPr>
+          <p:cNvPr id="8" name="Picture 7"/>
+          <p:cNvPicPr>
+            <a:picLocks noChangeAspect="1"/>
+          </p:cNvPicPr>
+          <p:nvPr/>
+        </p:nvPicPr>
+        <p:blipFill>
+          <a:blip r:embed="rId3">
+            <a:extLst>
+              <a:ext uri="{28A0092B-C50C-407E-A947-70E740481C1C}">
+                <a14:useLocalDpi xmlns:a14="http://schemas.microsoft.com/office/drawing/2010/main" val="0"/>
+              </a:ext>
+            </a:extLst>
+          </a:blip>
+          <a:stretch>
+            <a:fillRect/>
+          </a:stretch>
+        </p:blipFill>
+        <p:spPr>
+          <a:xfrm>
+            <a:off x="5076056" y="1700808"/>
+            <a:ext cx="2952328" cy="4876017"/>
+          </a:xfrm>
+          <a:prstGeom prst="rect">
+            <a:avLst/>
+          </a:prstGeom>
+        </p:spPr>
+      </p:pic>
+      <p:sp>
+        <p:nvSpPr>
+          <p:cNvPr id="9" name="Slide Number Placeholder 8"/>
+          <p:cNvSpPr>
+            <a:spLocks noGrp="1"/>
+          </p:cNvSpPr>
+          <p:nvPr>
+            <p:ph type="sldNum" sz="quarter" idx="12"/>
+          </p:nvPr>
+        </p:nvSpPr>
+        <p:spPr/>
+        <p:txBody>
+          <a:bodyPr/>
+          <a:lstStyle/>
+          <a:p>
+            <a:fld id="{4F08AF75-F6E9-44CF-B411-C1ED845122B8}" type="slidenum">
+              <a:rPr lang="en-IN" smtClean="0"/>
+              <a:t>21</a:t>
+            </a:fld>
+            <a:endParaRPr lang="en-IN"/>
+          </a:p>
+        </p:txBody>
+      </p:sp>
+    </p:spTree>
+    <p:extLst>
+      <p:ext uri="{BB962C8B-B14F-4D97-AF65-F5344CB8AC3E}">
+        <p14:creationId xmlns:p14="http://schemas.microsoft.com/office/powerpoint/2010/main" val="2176611707"/>
+      </p:ext>
+    </p:extLst>
+  </p:cSld>
+  <p:clrMapOvr>
+    <a:masterClrMapping/>
+  </p:clrMapOvr>
+  <p:timing>
+    <p:tnLst>
+      <p:par>
+        <p:cTn id="1" dur="indefinite" restart="never" nodeType="tmRoot"/>
+      </p:par>
+    </p:tnLst>
+  </p:timing>
+</p:sld>
+</file>
+
+<file path=ppt/slides/slide22.xml><?xml version="1.0" encoding="utf-8"?>
+<p:sld xmlns:a="http://schemas.openxmlformats.org/drawingml/2006/main" xmlns:r="http://schemas.openxmlformats.org/officeDocument/2006/relationships" xmlns:p="http://schemas.openxmlformats.org/presentationml/2006/main">
+  <p:cSld>
+    <p:spTree>
+      <p:nvGrpSpPr>
+        <p:cNvPr id="1" name=""/>
+        <p:cNvGrpSpPr/>
+        <p:nvPr/>
+      </p:nvGrpSpPr>
+      <p:grpSpPr>
+        <a:xfrm>
+          <a:off x="0" y="0"/>
+          <a:ext cx="0" cy="0"/>
+          <a:chOff x="0" y="0"/>
+          <a:chExt cx="0" cy="0"/>
+        </a:xfrm>
+      </p:grpSpPr>
+      <p:pic>
+        <p:nvPicPr>
+          <p:cNvPr id="4" name="Picture 3"/>
+          <p:cNvPicPr>
+            <a:picLocks noChangeAspect="1"/>
+          </p:cNvPicPr>
+          <p:nvPr/>
+        </p:nvPicPr>
+        <p:blipFill>
+          <a:blip r:embed="rId2">
+            <a:extLst>
+              <a:ext uri="{28A0092B-C50C-407E-A947-70E740481C1C}">
+                <a14:useLocalDpi xmlns:a14="http://schemas.microsoft.com/office/drawing/2010/main" val="0"/>
+              </a:ext>
+            </a:extLst>
+          </a:blip>
+          <a:stretch>
+            <a:fillRect/>
+          </a:stretch>
+        </p:blipFill>
+        <p:spPr>
+          <a:xfrm>
+            <a:off x="467544" y="476671"/>
+            <a:ext cx="3600400" cy="5727909"/>
+          </a:xfrm>
+          <a:prstGeom prst="rect">
+            <a:avLst/>
+          </a:prstGeom>
+        </p:spPr>
+      </p:pic>
+      <p:pic>
+        <p:nvPicPr>
+          <p:cNvPr id="5" name="Picture 4"/>
+          <p:cNvPicPr>
+            <a:picLocks noChangeAspect="1"/>
+          </p:cNvPicPr>
+          <p:nvPr/>
+        </p:nvPicPr>
+        <p:blipFill>
+          <a:blip r:embed="rId3">
+            <a:extLst>
+              <a:ext uri="{28A0092B-C50C-407E-A947-70E740481C1C}">
+                <a14:useLocalDpi xmlns:a14="http://schemas.microsoft.com/office/drawing/2010/main" val="0"/>
+              </a:ext>
+            </a:extLst>
+          </a:blip>
+          <a:stretch>
+            <a:fillRect/>
+          </a:stretch>
+        </p:blipFill>
+        <p:spPr>
+          <a:xfrm>
+            <a:off x="5057724" y="522680"/>
+            <a:ext cx="3618732" cy="5681900"/>
+          </a:xfrm>
+          <a:prstGeom prst="rect">
+            <a:avLst/>
+          </a:prstGeom>
+        </p:spPr>
+      </p:pic>
+      <p:sp>
+        <p:nvSpPr>
+          <p:cNvPr id="6" name="Slide Number Placeholder 5"/>
+          <p:cNvSpPr>
+            <a:spLocks noGrp="1"/>
+          </p:cNvSpPr>
+          <p:nvPr>
+            <p:ph type="sldNum" sz="quarter" idx="12"/>
+          </p:nvPr>
+        </p:nvSpPr>
+        <p:spPr/>
+        <p:txBody>
+          <a:bodyPr/>
+          <a:lstStyle/>
+          <a:p>
+            <a:fld id="{4F08AF75-F6E9-44CF-B411-C1ED845122B8}" type="slidenum">
+              <a:rPr lang="en-IN" smtClean="0"/>
+              <a:t>22</a:t>
+            </a:fld>
+            <a:endParaRPr lang="en-IN"/>
+          </a:p>
+        </p:txBody>
+      </p:sp>
+    </p:spTree>
+    <p:extLst>
+      <p:ext uri="{BB962C8B-B14F-4D97-AF65-F5344CB8AC3E}">
+        <p14:creationId xmlns:p14="http://schemas.microsoft.com/office/powerpoint/2010/main" val="1795339871"/>
+      </p:ext>
+    </p:extLst>
+  </p:cSld>
+  <p:clrMapOvr>
+    <a:masterClrMapping/>
+  </p:clrMapOvr>
+  <p:timing>
+    <p:tnLst>
+      <p:par>
+        <p:cTn id="1" dur="indefinite" restart="never" nodeType="tmRoot"/>
+      </p:par>
+    </p:tnLst>
+  </p:timing>
+</p:sld>
+</file>
+
+<file path=ppt/slides/slide23.xml><?xml version="1.0" encoding="utf-8"?>
+<p:sld xmlns:a="http://schemas.openxmlformats.org/drawingml/2006/main" xmlns:r="http://schemas.openxmlformats.org/officeDocument/2006/relationships" xmlns:p="http://schemas.openxmlformats.org/presentationml/2006/main">
+  <p:cSld>
+    <p:spTree>
+      <p:nvGrpSpPr>
+        <p:cNvPr id="1" name=""/>
+        <p:cNvGrpSpPr/>
+        <p:nvPr/>
+      </p:nvGrpSpPr>
+      <p:grpSpPr>
+        <a:xfrm>
+          <a:off x="0" y="0"/>
+          <a:ext cx="0" cy="0"/>
+          <a:chOff x="0" y="0"/>
+          <a:chExt cx="0" cy="0"/>
+        </a:xfrm>
+      </p:grpSpPr>
+      <p:pic>
+        <p:nvPicPr>
+          <p:cNvPr id="4" name="Picture 3"/>
+          <p:cNvPicPr>
+            <a:picLocks noChangeAspect="1"/>
+          </p:cNvPicPr>
+          <p:nvPr/>
+        </p:nvPicPr>
+        <p:blipFill>
+          <a:blip r:embed="rId2">
+            <a:extLst>
+              <a:ext uri="{28A0092B-C50C-407E-A947-70E740481C1C}">
+                <a14:useLocalDpi xmlns:a14="http://schemas.microsoft.com/office/drawing/2010/main" val="0"/>
+              </a:ext>
+            </a:extLst>
+          </a:blip>
+          <a:stretch>
+            <a:fillRect/>
+          </a:stretch>
+        </p:blipFill>
+        <p:spPr>
+          <a:xfrm>
+            <a:off x="0" y="836712"/>
+            <a:ext cx="9144000" cy="5544616"/>
+          </a:xfrm>
+          <a:prstGeom prst="rect">
+            <a:avLst/>
+          </a:prstGeom>
+        </p:spPr>
+      </p:pic>
+      <p:sp>
+        <p:nvSpPr>
+          <p:cNvPr id="5" name="Rectangle 4"/>
+          <p:cNvSpPr/>
+          <p:nvPr/>
+        </p:nvSpPr>
+        <p:spPr>
+          <a:xfrm>
+            <a:off x="3275856" y="-86618"/>
+            <a:ext cx="2199641" cy="923330"/>
+          </a:xfrm>
+          <a:prstGeom prst="rect">
+            <a:avLst/>
+          </a:prstGeom>
+          <a:noFill/>
+        </p:spPr>
+        <p:txBody>
+          <a:bodyPr wrap="none" lIns="91440" tIns="45720" rIns="91440" bIns="45720">
+            <a:spAutoFit/>
+          </a:bodyPr>
+          <a:lstStyle/>
+          <a:p>
+            <a:pPr algn="ctr"/>
+            <a:r>
+              <a:rPr lang="en-US" sz="5400" b="0" cap="none" spc="0" dirty="0" smtClean="0">
+                <a:ln w="0"/>
+                <a:gradFill>
+                  <a:gsLst>
+                    <a:gs pos="0">
+                      <a:schemeClr val="accent5">
+                        <a:lumMod val="50000"/>
+                      </a:schemeClr>
+                    </a:gs>
+                    <a:gs pos="50000">
+                      <a:schemeClr val="accent5"/>
+                    </a:gs>
+                    <a:gs pos="100000">
+                      <a:schemeClr val="accent5">
+                        <a:lumMod val="60000"/>
+                        <a:lumOff val="40000"/>
+                      </a:schemeClr>
+                    </a:gs>
+                  </a:gsLst>
+                  <a:lin ang="5400000"/>
+                </a:gradFill>
+                <a:effectLst>
+                  <a:reflection blurRad="6350" stA="53000" endA="300" endPos="35500" dir="5400000" sy="-90000" algn="bl" rotWithShape="0"/>
+                </a:effectLst>
+              </a:rPr>
+              <a:t>Output</a:t>
+            </a:r>
+            <a:endParaRPr lang="en-US" sz="5400" b="0" cap="none" spc="0" dirty="0">
+              <a:ln w="0"/>
+              <a:gradFill>
+                <a:gsLst>
+                  <a:gs pos="0">
+                    <a:schemeClr val="accent5">
+                      <a:lumMod val="50000"/>
+                    </a:schemeClr>
+                  </a:gs>
+                  <a:gs pos="50000">
+                    <a:schemeClr val="accent5"/>
+                  </a:gs>
+                  <a:gs pos="100000">
+                    <a:schemeClr val="accent5">
+                      <a:lumMod val="60000"/>
+                      <a:lumOff val="40000"/>
+                    </a:schemeClr>
+                  </a:gs>
+                </a:gsLst>
+                <a:lin ang="5400000"/>
+              </a:gradFill>
+              <a:effectLst>
+                <a:reflection blurRad="6350" stA="53000" endA="300" endPos="35500" dir="5400000" sy="-90000" algn="bl" rotWithShape="0"/>
+              </a:effectLst>
+            </a:endParaRPr>
+          </a:p>
+        </p:txBody>
+      </p:sp>
+      <p:sp>
+        <p:nvSpPr>
+          <p:cNvPr id="6" name="Slide Number Placeholder 5"/>
+          <p:cNvSpPr>
+            <a:spLocks noGrp="1"/>
+          </p:cNvSpPr>
+          <p:nvPr>
+            <p:ph type="sldNum" sz="quarter" idx="12"/>
+          </p:nvPr>
+        </p:nvSpPr>
+        <p:spPr/>
+        <p:txBody>
+          <a:bodyPr/>
+          <a:lstStyle/>
+          <a:p>
+            <a:fld id="{4F08AF75-F6E9-44CF-B411-C1ED845122B8}" type="slidenum">
+              <a:rPr lang="en-IN" smtClean="0"/>
+              <a:t>23</a:t>
+            </a:fld>
+            <a:endParaRPr lang="en-IN"/>
+          </a:p>
+        </p:txBody>
+      </p:sp>
+    </p:spTree>
+    <p:extLst>
+      <p:ext uri="{BB962C8B-B14F-4D97-AF65-F5344CB8AC3E}">
+        <p14:creationId xmlns:p14="http://schemas.microsoft.com/office/powerpoint/2010/main" val="2296974972"/>
+      </p:ext>
+    </p:extLst>
+  </p:cSld>
+  <p:clrMapOvr>
+    <a:masterClrMapping/>
+  </p:clrMapOvr>
+  <p:timing>
+    <p:tnLst>
+      <p:par>
+        <p:cTn id="1" dur="indefinite" restart="never" nodeType="tmRoot"/>
+      </p:par>
+    </p:tnLst>
+  </p:timing>
+</p:sld>
+</file>
+
+<file path=ppt/slides/slide24.xml><?xml version="1.0" encoding="utf-8"?>
+<p:sld xmlns:a="http://schemas.openxmlformats.org/drawingml/2006/main" xmlns:r="http://schemas.openxmlformats.org/officeDocument/2006/relationships" xmlns:p="http://schemas.openxmlformats.org/presentationml/2006/main">
+  <p:cSld>
+    <p:spTree>
+      <p:nvGrpSpPr>
+        <p:cNvPr id="1" name=""/>
+        <p:cNvGrpSpPr/>
+        <p:nvPr/>
+      </p:nvGrpSpPr>
+      <p:grpSpPr>
+        <a:xfrm>
+          <a:off x="0" y="0"/>
+          <a:ext cx="0" cy="0"/>
+          <a:chOff x="0" y="0"/>
+          <a:chExt cx="0" cy="0"/>
+        </a:xfrm>
+      </p:grpSpPr>
+      <p:pic>
+        <p:nvPicPr>
+          <p:cNvPr id="3" name="Picture 2" descr="C:\Users\RANJITH M A\Documents\GitHub\AugmentMe\pj2.PNG"/>
+          <p:cNvPicPr/>
+          <p:nvPr/>
+        </p:nvPicPr>
+        <p:blipFill>
+          <a:blip r:embed="rId2">
+            <a:extLst>
+              <a:ext uri="{28A0092B-C50C-407E-A947-70E740481C1C}">
+                <a14:useLocalDpi xmlns:a14="http://schemas.microsoft.com/office/drawing/2010/main" val="0"/>
+              </a:ext>
+            </a:extLst>
+          </a:blip>
+          <a:srcRect/>
+          <a:stretch>
+            <a:fillRect/>
+          </a:stretch>
+        </p:blipFill>
+        <p:spPr bwMode="auto">
+          <a:xfrm>
+            <a:off x="755576" y="1601416"/>
+            <a:ext cx="7776864" cy="5256584"/>
+          </a:xfrm>
+          <a:prstGeom prst="rect">
+            <a:avLst/>
+          </a:prstGeom>
+          <a:noFill/>
+          <a:ln>
+            <a:noFill/>
+          </a:ln>
+        </p:spPr>
+      </p:pic>
+      <p:sp>
+        <p:nvSpPr>
+          <p:cNvPr id="4" name="Rectangle 3"/>
+          <p:cNvSpPr/>
+          <p:nvPr/>
+        </p:nvSpPr>
+        <p:spPr>
+          <a:xfrm>
+            <a:off x="1264270" y="404664"/>
+            <a:ext cx="6287299" cy="923330"/>
+          </a:xfrm>
+          <a:prstGeom prst="rect">
+            <a:avLst/>
+          </a:prstGeom>
+          <a:noFill/>
+        </p:spPr>
+        <p:txBody>
+          <a:bodyPr wrap="none" lIns="91440" tIns="45720" rIns="91440" bIns="45720">
+            <a:spAutoFit/>
+          </a:bodyPr>
+          <a:lstStyle/>
+          <a:p>
+            <a:pPr algn="ctr"/>
+            <a:r>
+              <a:rPr lang="en-US" sz="5400" b="0" cap="none" spc="0" dirty="0" smtClean="0">
+                <a:ln w="0"/>
+                <a:gradFill>
+                  <a:gsLst>
+                    <a:gs pos="0">
+                      <a:schemeClr val="accent5">
+                        <a:lumMod val="50000"/>
+                      </a:schemeClr>
+                    </a:gs>
+                    <a:gs pos="50000">
+                      <a:schemeClr val="accent5"/>
+                    </a:gs>
+                    <a:gs pos="100000">
+                      <a:schemeClr val="accent5">
+                        <a:lumMod val="60000"/>
+                        <a:lumOff val="40000"/>
+                      </a:schemeClr>
+                    </a:gs>
+                  </a:gsLst>
+                  <a:lin ang="5400000"/>
+                </a:gradFill>
+                <a:effectLst>
+                  <a:reflection blurRad="6350" stA="53000" endA="300" endPos="35500" dir="5400000" sy="-90000" algn="bl" rotWithShape="0"/>
+                </a:effectLst>
+              </a:rPr>
+              <a:t>Basic Use Case Model</a:t>
+            </a:r>
+            <a:endParaRPr lang="en-US" sz="5400" b="0" cap="none" spc="0" dirty="0">
+              <a:ln w="0"/>
+              <a:gradFill>
+                <a:gsLst>
+                  <a:gs pos="0">
+                    <a:schemeClr val="accent5">
+                      <a:lumMod val="50000"/>
+                    </a:schemeClr>
+                  </a:gs>
+                  <a:gs pos="50000">
+                    <a:schemeClr val="accent5"/>
+                  </a:gs>
+                  <a:gs pos="100000">
+                    <a:schemeClr val="accent5">
+                      <a:lumMod val="60000"/>
+                      <a:lumOff val="40000"/>
+                    </a:schemeClr>
+                  </a:gs>
+                </a:gsLst>
+                <a:lin ang="5400000"/>
+              </a:gradFill>
+              <a:effectLst>
+                <a:reflection blurRad="6350" stA="53000" endA="300" endPos="35500" dir="5400000" sy="-90000" algn="bl" rotWithShape="0"/>
+              </a:effectLst>
+            </a:endParaRPr>
+          </a:p>
+        </p:txBody>
+      </p:sp>
+      <p:sp>
+        <p:nvSpPr>
+          <p:cNvPr id="5" name="Slide Number Placeholder 4"/>
+          <p:cNvSpPr>
+            <a:spLocks noGrp="1"/>
+          </p:cNvSpPr>
+          <p:nvPr>
+            <p:ph type="sldNum" sz="quarter" idx="12"/>
+          </p:nvPr>
+        </p:nvSpPr>
+        <p:spPr/>
+        <p:txBody>
+          <a:bodyPr/>
+          <a:lstStyle/>
+          <a:p>
+            <a:fld id="{4F08AF75-F6E9-44CF-B411-C1ED845122B8}" type="slidenum">
+              <a:rPr lang="en-IN" smtClean="0"/>
+              <a:t>24</a:t>
+            </a:fld>
+            <a:endParaRPr lang="en-IN"/>
+          </a:p>
+        </p:txBody>
+      </p:sp>
+    </p:spTree>
+    <p:extLst>
+      <p:ext uri="{BB962C8B-B14F-4D97-AF65-F5344CB8AC3E}">
+        <p14:creationId xmlns:p14="http://schemas.microsoft.com/office/powerpoint/2010/main" val="566192066"/>
+      </p:ext>
+    </p:extLst>
+  </p:cSld>
+  <p:clrMapOvr>
+    <a:masterClrMapping/>
+  </p:clrMapOvr>
+  <p:timing>
+    <p:tnLst>
+      <p:par>
+        <p:cTn id="1" dur="indefinite" restart="never" nodeType="tmRoot"/>
+      </p:par>
+    </p:tnLst>
+  </p:timing>
+</p:sld>
+</file>
+
+<file path=ppt/slides/slide25.xml><?xml version="1.0" encoding="utf-8"?>
+<p:sld xmlns:a="http://schemas.openxmlformats.org/drawingml/2006/main" xmlns:r="http://schemas.openxmlformats.org/officeDocument/2006/relationships" xmlns:p="http://schemas.openxmlformats.org/presentationml/2006/main">
+  <p:cSld>
+    <p:spTree>
+      <p:nvGrpSpPr>
+        <p:cNvPr id="1" name=""/>
+        <p:cNvGrpSpPr/>
+        <p:nvPr/>
+      </p:nvGrpSpPr>
+      <p:grpSpPr>
+        <a:xfrm>
+          <a:off x="0" y="0"/>
+          <a:ext cx="0" cy="0"/>
+          <a:chOff x="0" y="0"/>
+          <a:chExt cx="0" cy="0"/>
+        </a:xfrm>
+      </p:grpSpPr>
+      <p:pic>
+        <p:nvPicPr>
+          <p:cNvPr id="2" name="Picture 1"/>
+          <p:cNvPicPr>
+            <a:picLocks noChangeAspect="1"/>
+          </p:cNvPicPr>
+          <p:nvPr/>
+        </p:nvPicPr>
+        <p:blipFill>
+          <a:blip r:embed="rId2"/>
+          <a:stretch>
+            <a:fillRect/>
+          </a:stretch>
+        </p:blipFill>
+        <p:spPr>
+          <a:xfrm>
+            <a:off x="2123728" y="1177892"/>
+            <a:ext cx="4238401" cy="5680108"/>
+          </a:xfrm>
+          <a:prstGeom prst="rect">
+            <a:avLst/>
+          </a:prstGeom>
+        </p:spPr>
+      </p:pic>
+      <p:sp>
+        <p:nvSpPr>
+          <p:cNvPr id="3" name="Rectangle 2"/>
+          <p:cNvSpPr/>
+          <p:nvPr/>
+        </p:nvSpPr>
+        <p:spPr>
+          <a:xfrm>
+            <a:off x="2584465" y="0"/>
+            <a:ext cx="3214855" cy="923330"/>
+          </a:xfrm>
+          <a:prstGeom prst="rect">
+            <a:avLst/>
+          </a:prstGeom>
+          <a:noFill/>
+        </p:spPr>
+        <p:txBody>
+          <a:bodyPr wrap="none" lIns="91440" tIns="45720" rIns="91440" bIns="45720">
+            <a:spAutoFit/>
+          </a:bodyPr>
+          <a:lstStyle/>
+          <a:p>
+            <a:pPr algn="ctr"/>
+            <a:r>
+              <a:rPr lang="en-US" sz="5400" dirty="0" smtClean="0">
+                <a:ln w="0"/>
+                <a:gradFill>
+                  <a:gsLst>
+                    <a:gs pos="0">
+                      <a:schemeClr val="accent5">
+                        <a:lumMod val="50000"/>
+                      </a:schemeClr>
+                    </a:gs>
+                    <a:gs pos="50000">
+                      <a:schemeClr val="accent5"/>
+                    </a:gs>
+                    <a:gs pos="100000">
+                      <a:schemeClr val="accent5">
+                        <a:lumMod val="60000"/>
+                        <a:lumOff val="40000"/>
+                      </a:schemeClr>
+                    </a:gs>
+                  </a:gsLst>
+                  <a:lin ang="5400000"/>
+                </a:gradFill>
+                <a:effectLst>
+                  <a:reflection blurRad="6350" stA="53000" endA="300" endPos="35500" dir="5400000" sy="-90000" algn="bl" rotWithShape="0"/>
+                </a:effectLst>
+              </a:rPr>
+              <a:t>Flow Chart</a:t>
+            </a:r>
+            <a:endParaRPr lang="en-US" sz="5400" b="0" cap="none" spc="0" dirty="0">
+              <a:ln w="0"/>
+              <a:gradFill>
+                <a:gsLst>
+                  <a:gs pos="0">
+                    <a:schemeClr val="accent5">
+                      <a:lumMod val="50000"/>
+                    </a:schemeClr>
+                  </a:gs>
+                  <a:gs pos="50000">
+                    <a:schemeClr val="accent5"/>
+                  </a:gs>
+                  <a:gs pos="100000">
+                    <a:schemeClr val="accent5">
+                      <a:lumMod val="60000"/>
+                      <a:lumOff val="40000"/>
+                    </a:schemeClr>
+                  </a:gs>
+                </a:gsLst>
+                <a:lin ang="5400000"/>
+              </a:gradFill>
+              <a:effectLst>
+                <a:reflection blurRad="6350" stA="53000" endA="300" endPos="35500" dir="5400000" sy="-90000" algn="bl" rotWithShape="0"/>
+              </a:effectLst>
+            </a:endParaRPr>
+          </a:p>
+        </p:txBody>
+      </p:sp>
+      <p:sp>
+        <p:nvSpPr>
+          <p:cNvPr id="4" name="Slide Number Placeholder 3"/>
+          <p:cNvSpPr>
+            <a:spLocks noGrp="1"/>
+          </p:cNvSpPr>
+          <p:nvPr>
+            <p:ph type="sldNum" sz="quarter" idx="12"/>
+          </p:nvPr>
+        </p:nvSpPr>
+        <p:spPr/>
+        <p:txBody>
+          <a:bodyPr/>
+          <a:lstStyle/>
+          <a:p>
+            <a:fld id="{4F08AF75-F6E9-44CF-B411-C1ED845122B8}" type="slidenum">
+              <a:rPr lang="en-IN" smtClean="0"/>
+              <a:t>25</a:t>
+            </a:fld>
+            <a:endParaRPr lang="en-IN"/>
+          </a:p>
+        </p:txBody>
+      </p:sp>
+    </p:spTree>
+    <p:extLst>
+      <p:ext uri="{BB962C8B-B14F-4D97-AF65-F5344CB8AC3E}">
+        <p14:creationId xmlns:p14="http://schemas.microsoft.com/office/powerpoint/2010/main" val="1969761004"/>
+      </p:ext>
+    </p:extLst>
+  </p:cSld>
+  <p:clrMapOvr>
+    <a:masterClrMapping/>
+  </p:clrMapOvr>
+  <p:timing>
+    <p:tnLst>
+      <p:par>
+        <p:cTn id="1" dur="indefinite" restart="never" nodeType="tmRoot"/>
+      </p:par>
+    </p:tnLst>
+  </p:timing>
+</p:sld>
+</file>
+
+<file path=ppt/slides/slide26.xml><?xml version="1.0" encoding="utf-8"?>
+<p:sld xmlns:a="http://schemas.openxmlformats.org/drawingml/2006/main" xmlns:r="http://schemas.openxmlformats.org/officeDocument/2006/relationships" xmlns:p="http://schemas.openxmlformats.org/presentationml/2006/main">
+  <p:cSld>
+    <p:spTree>
+      <p:nvGrpSpPr>
+        <p:cNvPr id="1" name=""/>
+        <p:cNvGrpSpPr/>
+        <p:nvPr/>
+      </p:nvGrpSpPr>
+      <p:grpSpPr>
+        <a:xfrm>
+          <a:off x="0" y="0"/>
+          <a:ext cx="0" cy="0"/>
+          <a:chOff x="0" y="0"/>
+          <a:chExt cx="0" cy="0"/>
+        </a:xfrm>
+      </p:grpSpPr>
+      <p:sp>
+        <p:nvSpPr>
+          <p:cNvPr id="2" name="Rectangle 1"/>
+          <p:cNvSpPr/>
+          <p:nvPr/>
+        </p:nvSpPr>
+        <p:spPr>
+          <a:xfrm>
+            <a:off x="3563888" y="332656"/>
+            <a:ext cx="1569661" cy="923330"/>
+          </a:xfrm>
+          <a:prstGeom prst="rect">
+            <a:avLst/>
+          </a:prstGeom>
+          <a:noFill/>
+        </p:spPr>
+        <p:txBody>
+          <a:bodyPr wrap="none" lIns="91440" tIns="45720" rIns="91440" bIns="45720">
+            <a:spAutoFit/>
+          </a:bodyPr>
+          <a:lstStyle/>
+          <a:p>
+            <a:pPr algn="ctr"/>
+            <a:r>
+              <a:rPr lang="en-US" sz="5400" b="0" cap="none" spc="0" dirty="0" smtClean="0">
+                <a:ln w="0"/>
+                <a:gradFill>
+                  <a:gsLst>
+                    <a:gs pos="0">
+                      <a:schemeClr val="accent5">
+                        <a:lumMod val="50000"/>
+                      </a:schemeClr>
+                    </a:gs>
+                    <a:gs pos="50000">
+                      <a:schemeClr val="accent5"/>
+                    </a:gs>
+                    <a:gs pos="100000">
+                      <a:schemeClr val="accent5">
+                        <a:lumMod val="60000"/>
+                        <a:lumOff val="40000"/>
+                      </a:schemeClr>
+                    </a:gs>
+                  </a:gsLst>
+                  <a:lin ang="5400000"/>
+                </a:gradFill>
+                <a:effectLst>
+                  <a:reflection blurRad="6350" stA="53000" endA="300" endPos="35500" dir="5400000" sy="-90000" algn="bl" rotWithShape="0"/>
+                </a:effectLst>
+              </a:rPr>
+              <a:t>Risks</a:t>
+            </a:r>
+            <a:endParaRPr lang="en-US" sz="5400" b="0" cap="none" spc="0" dirty="0">
+              <a:ln w="0"/>
+              <a:gradFill>
+                <a:gsLst>
+                  <a:gs pos="0">
+                    <a:schemeClr val="accent5">
+                      <a:lumMod val="50000"/>
+                    </a:schemeClr>
+                  </a:gs>
+                  <a:gs pos="50000">
+                    <a:schemeClr val="accent5"/>
+                  </a:gs>
+                  <a:gs pos="100000">
+                    <a:schemeClr val="accent5">
+                      <a:lumMod val="60000"/>
+                      <a:lumOff val="40000"/>
+                    </a:schemeClr>
+                  </a:gs>
+                </a:gsLst>
+                <a:lin ang="5400000"/>
+              </a:gradFill>
+              <a:effectLst>
+                <a:reflection blurRad="6350" stA="53000" endA="300" endPos="35500" dir="5400000" sy="-90000" algn="bl" rotWithShape="0"/>
+              </a:effectLst>
+            </a:endParaRPr>
+          </a:p>
+        </p:txBody>
+      </p:sp>
+      <p:pic>
+        <p:nvPicPr>
+          <p:cNvPr id="1026" name="Picture 2" descr="http://www.siachensecurity.com/images/Security_Lock.jpg"/>
+          <p:cNvPicPr>
+            <a:picLocks noChangeAspect="1" noChangeArrowheads="1"/>
+          </p:cNvPicPr>
+          <p:nvPr/>
+        </p:nvPicPr>
+        <p:blipFill>
+          <a:blip r:embed="rId2">
+            <a:extLst>
+              <a:ext uri="{28A0092B-C50C-407E-A947-70E740481C1C}">
+                <a14:useLocalDpi xmlns:a14="http://schemas.microsoft.com/office/drawing/2010/main" val="0"/>
+              </a:ext>
+            </a:extLst>
+          </a:blip>
+          <a:srcRect/>
+          <a:stretch>
+            <a:fillRect/>
+          </a:stretch>
+        </p:blipFill>
+        <p:spPr bwMode="auto">
+          <a:xfrm>
+            <a:off x="467544" y="1255986"/>
+            <a:ext cx="2107077" cy="2101006"/>
+          </a:xfrm>
+          <a:prstGeom prst="rect">
+            <a:avLst/>
+          </a:prstGeom>
+          <a:noFill/>
+          <a:extLst>
+            <a:ext uri="{909E8E84-426E-40DD-AFC4-6F175D3DCCD1}">
+              <a14:hiddenFill xmlns:a14="http://schemas.microsoft.com/office/drawing/2010/main">
+                <a:solidFill>
+                  <a:srgbClr val="FFFFFF"/>
+                </a:solidFill>
+              </a14:hiddenFill>
+            </a:ext>
+          </a:extLst>
+        </p:spPr>
+      </p:pic>
+      <p:pic>
+        <p:nvPicPr>
+          <p:cNvPr id="1028" name="Picture 4" descr="http://stockfresh.com/files/i/iqoncept/m/31/1981893_stock-photo-right-vs-wrong-person-choose-best-in-crowd-of-people.jpg"/>
+          <p:cNvPicPr>
+            <a:picLocks noChangeAspect="1" noChangeArrowheads="1"/>
+          </p:cNvPicPr>
+          <p:nvPr/>
+        </p:nvPicPr>
+        <p:blipFill>
+          <a:blip r:embed="rId3">
+            <a:extLst>
+              <a:ext uri="{28A0092B-C50C-407E-A947-70E740481C1C}">
+                <a14:useLocalDpi xmlns:a14="http://schemas.microsoft.com/office/drawing/2010/main" val="0"/>
+              </a:ext>
+            </a:extLst>
+          </a:blip>
+          <a:srcRect/>
+          <a:stretch>
+            <a:fillRect/>
+          </a:stretch>
+        </p:blipFill>
+        <p:spPr bwMode="auto">
+          <a:xfrm>
+            <a:off x="6122816" y="1255986"/>
+            <a:ext cx="2319202" cy="2145263"/>
+          </a:xfrm>
+          <a:prstGeom prst="rect">
+            <a:avLst/>
+          </a:prstGeom>
+          <a:noFill/>
+          <a:extLst>
+            <a:ext uri="{909E8E84-426E-40DD-AFC4-6F175D3DCCD1}">
+              <a14:hiddenFill xmlns:a14="http://schemas.microsoft.com/office/drawing/2010/main">
+                <a:solidFill>
+                  <a:srgbClr val="FFFFFF"/>
+                </a:solidFill>
+              </a14:hiddenFill>
+            </a:ext>
+          </a:extLst>
+        </p:spPr>
+      </p:pic>
+      <p:pic>
+        <p:nvPicPr>
+          <p:cNvPr id="1030" name="Picture 6" descr="http://www.opsrules.com/Portals/153059/images/Accurate-Inventory-Forecasting1.jpg"/>
+          <p:cNvPicPr>
+            <a:picLocks noChangeAspect="1" noChangeArrowheads="1"/>
+          </p:cNvPicPr>
+          <p:nvPr/>
+        </p:nvPicPr>
+        <p:blipFill>
+          <a:blip r:embed="rId4" cstate="print">
+            <a:extLst>
+              <a:ext uri="{28A0092B-C50C-407E-A947-70E740481C1C}">
+                <a14:useLocalDpi xmlns:a14="http://schemas.microsoft.com/office/drawing/2010/main" val="0"/>
+              </a:ext>
+            </a:extLst>
+          </a:blip>
+          <a:srcRect/>
+          <a:stretch>
+            <a:fillRect/>
+          </a:stretch>
+        </p:blipFill>
+        <p:spPr bwMode="auto">
+          <a:xfrm>
+            <a:off x="2807428" y="3573016"/>
+            <a:ext cx="3082580" cy="2051423"/>
+          </a:xfrm>
+          <a:prstGeom prst="rect">
+            <a:avLst/>
+          </a:prstGeom>
+          <a:noFill/>
+          <a:extLst>
+            <a:ext uri="{909E8E84-426E-40DD-AFC4-6F175D3DCCD1}">
+              <a14:hiddenFill xmlns:a14="http://schemas.microsoft.com/office/drawing/2010/main">
+                <a:solidFill>
+                  <a:srgbClr val="FFFFFF"/>
+                </a:solidFill>
+              </a14:hiddenFill>
+            </a:ext>
+          </a:extLst>
+        </p:spPr>
+      </p:pic>
+      <p:sp>
+        <p:nvSpPr>
+          <p:cNvPr id="3" name="Rectangle 2"/>
+          <p:cNvSpPr/>
+          <p:nvPr/>
+        </p:nvSpPr>
+        <p:spPr>
+          <a:xfrm>
+            <a:off x="925406" y="3401249"/>
+            <a:ext cx="1191352" cy="461665"/>
+          </a:xfrm>
+          <a:prstGeom prst="rect">
+            <a:avLst/>
+          </a:prstGeom>
+          <a:noFill/>
+        </p:spPr>
+        <p:txBody>
+          <a:bodyPr wrap="none" lIns="91440" tIns="45720" rIns="91440" bIns="45720">
+            <a:spAutoFit/>
+          </a:bodyPr>
+          <a:lstStyle/>
+          <a:p>
+            <a:pPr algn="ctr"/>
+            <a:r>
+              <a:rPr lang="en-US" sz="2400" b="0" cap="none" spc="0" dirty="0" smtClean="0">
+                <a:ln w="0"/>
+                <a:gradFill>
+                  <a:gsLst>
+                    <a:gs pos="0">
+                      <a:schemeClr val="accent5">
+                        <a:lumMod val="50000"/>
+                      </a:schemeClr>
+                    </a:gs>
+                    <a:gs pos="50000">
+                      <a:schemeClr val="accent5"/>
+                    </a:gs>
+                    <a:gs pos="100000">
+                      <a:schemeClr val="accent5">
+                        <a:lumMod val="60000"/>
+                        <a:lumOff val="40000"/>
+                      </a:schemeClr>
+                    </a:gs>
+                  </a:gsLst>
+                  <a:lin ang="5400000"/>
+                </a:gradFill>
+                <a:effectLst>
+                  <a:reflection blurRad="6350" stA="53000" endA="300" endPos="35500" dir="5400000" sy="-90000" algn="bl" rotWithShape="0"/>
+                </a:effectLst>
+              </a:rPr>
+              <a:t>Security</a:t>
+            </a:r>
+            <a:endParaRPr lang="en-US" sz="2400" b="0" cap="none" spc="0" dirty="0">
+              <a:ln w="0"/>
+              <a:gradFill>
+                <a:gsLst>
+                  <a:gs pos="0">
+                    <a:schemeClr val="accent5">
+                      <a:lumMod val="50000"/>
+                    </a:schemeClr>
+                  </a:gs>
+                  <a:gs pos="50000">
+                    <a:schemeClr val="accent5"/>
+                  </a:gs>
+                  <a:gs pos="100000">
+                    <a:schemeClr val="accent5">
+                      <a:lumMod val="60000"/>
+                      <a:lumOff val="40000"/>
+                    </a:schemeClr>
+                  </a:gs>
+                </a:gsLst>
+                <a:lin ang="5400000"/>
+              </a:gradFill>
+              <a:effectLst>
+                <a:reflection blurRad="6350" stA="53000" endA="300" endPos="35500" dir="5400000" sy="-90000" algn="bl" rotWithShape="0"/>
+              </a:effectLst>
+            </a:endParaRPr>
+          </a:p>
+        </p:txBody>
+      </p:sp>
+      <p:sp>
+        <p:nvSpPr>
+          <p:cNvPr id="4" name="Rectangle 3"/>
+          <p:cNvSpPr/>
+          <p:nvPr/>
+        </p:nvSpPr>
+        <p:spPr>
+          <a:xfrm>
+            <a:off x="5670456" y="3573016"/>
+            <a:ext cx="2858860" cy="461665"/>
+          </a:xfrm>
+          <a:prstGeom prst="rect">
+            <a:avLst/>
+          </a:prstGeom>
+          <a:noFill/>
+        </p:spPr>
+        <p:txBody>
+          <a:bodyPr wrap="none" lIns="91440" tIns="45720" rIns="91440" bIns="45720">
+            <a:spAutoFit/>
+          </a:bodyPr>
+          <a:lstStyle/>
+          <a:p>
+            <a:pPr algn="ctr"/>
+            <a:r>
+              <a:rPr lang="en-US" sz="2400" dirty="0" smtClean="0">
+                <a:ln w="0"/>
+                <a:gradFill>
+                  <a:gsLst>
+                    <a:gs pos="0">
+                      <a:schemeClr val="accent5">
+                        <a:lumMod val="50000"/>
+                      </a:schemeClr>
+                    </a:gs>
+                    <a:gs pos="50000">
+                      <a:schemeClr val="accent5"/>
+                    </a:gs>
+                    <a:gs pos="100000">
+                      <a:schemeClr val="accent5">
+                        <a:lumMod val="60000"/>
+                        <a:lumOff val="40000"/>
+                      </a:schemeClr>
+                    </a:gs>
+                  </a:gsLst>
+                  <a:lin ang="5400000"/>
+                </a:gradFill>
+                <a:effectLst>
+                  <a:reflection blurRad="6350" stA="53000" endA="300" endPos="35500" dir="5400000" sy="-90000" algn="bl" rotWithShape="0"/>
+                </a:effectLst>
+              </a:rPr>
+              <a:t>Oops!! Wrong Person</a:t>
+            </a:r>
+            <a:endParaRPr lang="en-US" sz="2400" b="0" cap="none" spc="0" dirty="0">
+              <a:ln w="0"/>
+              <a:gradFill>
+                <a:gsLst>
+                  <a:gs pos="0">
+                    <a:schemeClr val="accent5">
+                      <a:lumMod val="50000"/>
+                    </a:schemeClr>
+                  </a:gs>
+                  <a:gs pos="50000">
+                    <a:schemeClr val="accent5"/>
+                  </a:gs>
+                  <a:gs pos="100000">
+                    <a:schemeClr val="accent5">
+                      <a:lumMod val="60000"/>
+                      <a:lumOff val="40000"/>
+                    </a:schemeClr>
+                  </a:gs>
+                </a:gsLst>
+                <a:lin ang="5400000"/>
+              </a:gradFill>
+              <a:effectLst>
+                <a:reflection blurRad="6350" stA="53000" endA="300" endPos="35500" dir="5400000" sy="-90000" algn="bl" rotWithShape="0"/>
+              </a:effectLst>
+            </a:endParaRPr>
+          </a:p>
+        </p:txBody>
+      </p:sp>
+      <p:sp>
+        <p:nvSpPr>
+          <p:cNvPr id="5" name="Rectangle 4"/>
+          <p:cNvSpPr/>
+          <p:nvPr/>
+        </p:nvSpPr>
+        <p:spPr>
+          <a:xfrm>
+            <a:off x="3253643" y="5674022"/>
+            <a:ext cx="2190151" cy="461665"/>
+          </a:xfrm>
+          <a:prstGeom prst="rect">
+            <a:avLst/>
+          </a:prstGeom>
+          <a:noFill/>
+        </p:spPr>
+        <p:txBody>
+          <a:bodyPr wrap="none" lIns="91440" tIns="45720" rIns="91440" bIns="45720">
+            <a:spAutoFit/>
+          </a:bodyPr>
+          <a:lstStyle/>
+          <a:p>
+            <a:pPr algn="ctr"/>
+            <a:r>
+              <a:rPr lang="en-US" sz="2400" b="0" cap="none" spc="0" dirty="0" smtClean="0">
+                <a:ln w="0"/>
+                <a:gradFill>
+                  <a:gsLst>
+                    <a:gs pos="0">
+                      <a:schemeClr val="accent5">
+                        <a:lumMod val="50000"/>
+                      </a:schemeClr>
+                    </a:gs>
+                    <a:gs pos="50000">
+                      <a:schemeClr val="accent5"/>
+                    </a:gs>
+                    <a:gs pos="100000">
+                      <a:schemeClr val="accent5">
+                        <a:lumMod val="60000"/>
+                        <a:lumOff val="40000"/>
+                      </a:schemeClr>
+                    </a:gs>
+                  </a:gsLst>
+                  <a:lin ang="5400000"/>
+                </a:gradFill>
+                <a:effectLst>
+                  <a:reflection blurRad="6350" stA="53000" endA="300" endPos="35500" dir="5400000" sy="-90000" algn="bl" rotWithShape="0"/>
+                </a:effectLst>
+              </a:rPr>
+              <a:t>Accuracy of GPS</a:t>
+            </a:r>
+            <a:endParaRPr lang="en-US" sz="2400" b="0" cap="none" spc="0" dirty="0">
+              <a:ln w="0"/>
+              <a:gradFill>
+                <a:gsLst>
+                  <a:gs pos="0">
+                    <a:schemeClr val="accent5">
+                      <a:lumMod val="50000"/>
+                    </a:schemeClr>
+                  </a:gs>
+                  <a:gs pos="50000">
+                    <a:schemeClr val="accent5"/>
+                  </a:gs>
+                  <a:gs pos="100000">
+                    <a:schemeClr val="accent5">
+                      <a:lumMod val="60000"/>
+                      <a:lumOff val="40000"/>
+                    </a:schemeClr>
+                  </a:gs>
+                </a:gsLst>
+                <a:lin ang="5400000"/>
+              </a:gradFill>
+              <a:effectLst>
+                <a:reflection blurRad="6350" stA="53000" endA="300" endPos="35500" dir="5400000" sy="-90000" algn="bl" rotWithShape="0"/>
+              </a:effectLst>
+            </a:endParaRPr>
+          </a:p>
+        </p:txBody>
+      </p:sp>
+      <p:sp>
+        <p:nvSpPr>
+          <p:cNvPr id="6" name="Slide Number Placeholder 5"/>
+          <p:cNvSpPr>
+            <a:spLocks noGrp="1"/>
+          </p:cNvSpPr>
+          <p:nvPr>
+            <p:ph type="sldNum" sz="quarter" idx="12"/>
+          </p:nvPr>
+        </p:nvSpPr>
+        <p:spPr/>
+        <p:txBody>
+          <a:bodyPr/>
+          <a:lstStyle/>
+          <a:p>
+            <a:fld id="{4F08AF75-F6E9-44CF-B411-C1ED845122B8}" type="slidenum">
+              <a:rPr lang="en-IN" smtClean="0"/>
+              <a:t>26</a:t>
+            </a:fld>
+            <a:endParaRPr lang="en-IN"/>
+          </a:p>
+        </p:txBody>
+      </p:sp>
+    </p:spTree>
+    <p:extLst>
+      <p:ext uri="{BB962C8B-B14F-4D97-AF65-F5344CB8AC3E}">
+        <p14:creationId xmlns:p14="http://schemas.microsoft.com/office/powerpoint/2010/main" val="1935748802"/>
+      </p:ext>
+    </p:extLst>
+  </p:cSld>
+  <p:clrMapOvr>
+    <a:masterClrMapping/>
+  </p:clrMapOvr>
+  <p:timing>
+    <p:tnLst>
+      <p:par>
+        <p:cTn id="1" dur="indefinite" restart="never" nodeType="tmRoot"/>
+      </p:par>
+    </p:tnLst>
+  </p:timing>
+</p:sld>
+</file>
+
+<file path=ppt/slides/slide27.xml><?xml version="1.0" encoding="utf-8"?>
+<p:sld xmlns:a="http://schemas.openxmlformats.org/drawingml/2006/main" xmlns:r="http://schemas.openxmlformats.org/officeDocument/2006/relationships" xmlns:p="http://schemas.openxmlformats.org/presentationml/2006/main">
+  <p:cSld>
+    <p:spTree>
+      <p:nvGrpSpPr>
+        <p:cNvPr id="1" name=""/>
+        <p:cNvGrpSpPr/>
+        <p:nvPr/>
+      </p:nvGrpSpPr>
+      <p:grpSpPr>
+        <a:xfrm>
+          <a:off x="0" y="0"/>
+          <a:ext cx="0" cy="0"/>
+          <a:chOff x="0" y="0"/>
+          <a:chExt cx="0" cy="0"/>
+        </a:xfrm>
+      </p:grpSpPr>
+      <p:pic>
+        <p:nvPicPr>
+          <p:cNvPr id="2050" name="Picture 2" descr="http://www.saitechincorporated.com/wp-content/uploads/2013/11/mitigate-risk.jpg"/>
+          <p:cNvPicPr>
+            <a:picLocks noChangeAspect="1" noChangeArrowheads="1"/>
+          </p:cNvPicPr>
+          <p:nvPr/>
+        </p:nvPicPr>
+        <p:blipFill>
+          <a:blip r:embed="rId2">
+            <a:extLst>
+              <a:ext uri="{28A0092B-C50C-407E-A947-70E740481C1C}">
+                <a14:useLocalDpi xmlns:a14="http://schemas.microsoft.com/office/drawing/2010/main" val="0"/>
+              </a:ext>
+            </a:extLst>
+          </a:blip>
+          <a:srcRect/>
+          <a:stretch>
+            <a:fillRect/>
+          </a:stretch>
+        </p:blipFill>
+        <p:spPr bwMode="auto">
+          <a:xfrm>
+            <a:off x="2428874" y="1988840"/>
+            <a:ext cx="4286250" cy="4286250"/>
+          </a:xfrm>
+          <a:prstGeom prst="rect">
+            <a:avLst/>
+          </a:prstGeom>
+          <a:noFill/>
+          <a:extLst>
+            <a:ext uri="{909E8E84-426E-40DD-AFC4-6F175D3DCCD1}">
+              <a14:hiddenFill xmlns:a14="http://schemas.microsoft.com/office/drawing/2010/main">
+                <a:solidFill>
+                  <a:srgbClr val="FFFFFF"/>
+                </a:solidFill>
+              </a14:hiddenFill>
+            </a:ext>
+          </a:extLst>
+        </p:spPr>
+      </p:pic>
+      <p:sp>
+        <p:nvSpPr>
+          <p:cNvPr id="2" name="Rectangle 1"/>
+          <p:cNvSpPr/>
+          <p:nvPr/>
+        </p:nvSpPr>
+        <p:spPr>
+          <a:xfrm>
+            <a:off x="1955419" y="260648"/>
+            <a:ext cx="5233164" cy="923330"/>
+          </a:xfrm>
+          <a:prstGeom prst="rect">
+            <a:avLst/>
+          </a:prstGeom>
+          <a:noFill/>
+        </p:spPr>
+        <p:txBody>
+          <a:bodyPr wrap="none" lIns="91440" tIns="45720" rIns="91440" bIns="45720">
+            <a:spAutoFit/>
+          </a:bodyPr>
+          <a:lstStyle/>
+          <a:p>
+            <a:pPr algn="ctr"/>
+            <a:r>
+              <a:rPr lang="en-US" sz="5400" dirty="0" smtClean="0">
+                <a:ln w="0"/>
+                <a:gradFill>
+                  <a:gsLst>
+                    <a:gs pos="0">
+                      <a:schemeClr val="accent5">
+                        <a:lumMod val="50000"/>
+                      </a:schemeClr>
+                    </a:gs>
+                    <a:gs pos="50000">
+                      <a:schemeClr val="accent5"/>
+                    </a:gs>
+                    <a:gs pos="100000">
+                      <a:schemeClr val="accent5">
+                        <a:lumMod val="60000"/>
+                        <a:lumOff val="40000"/>
+                      </a:schemeClr>
+                    </a:gs>
+                  </a:gsLst>
+                  <a:lin ang="5400000"/>
+                </a:gradFill>
+                <a:effectLst>
+                  <a:reflection blurRad="6350" stA="53000" endA="300" endPos="35500" dir="5400000" sy="-90000" algn="bl" rotWithShape="0"/>
+                </a:effectLst>
+              </a:rPr>
+              <a:t>Risk Management</a:t>
+            </a:r>
+            <a:endParaRPr lang="en-US" sz="5400" b="0" cap="none" spc="0" dirty="0">
+              <a:ln w="0"/>
+              <a:gradFill>
+                <a:gsLst>
+                  <a:gs pos="0">
+                    <a:schemeClr val="accent5">
+                      <a:lumMod val="50000"/>
+                    </a:schemeClr>
+                  </a:gs>
+                  <a:gs pos="50000">
+                    <a:schemeClr val="accent5"/>
+                  </a:gs>
+                  <a:gs pos="100000">
+                    <a:schemeClr val="accent5">
+                      <a:lumMod val="60000"/>
+                      <a:lumOff val="40000"/>
+                    </a:schemeClr>
+                  </a:gs>
+                </a:gsLst>
+                <a:lin ang="5400000"/>
+              </a:gradFill>
+              <a:effectLst>
+                <a:reflection blurRad="6350" stA="53000" endA="300" endPos="35500" dir="5400000" sy="-90000" algn="bl" rotWithShape="0"/>
+              </a:effectLst>
+            </a:endParaRPr>
+          </a:p>
+        </p:txBody>
+      </p:sp>
+      <p:sp>
+        <p:nvSpPr>
+          <p:cNvPr id="3" name="Slide Number Placeholder 2"/>
+          <p:cNvSpPr>
+            <a:spLocks noGrp="1"/>
+          </p:cNvSpPr>
+          <p:nvPr>
+            <p:ph type="sldNum" sz="quarter" idx="12"/>
+          </p:nvPr>
+        </p:nvSpPr>
+        <p:spPr/>
+        <p:txBody>
+          <a:bodyPr/>
+          <a:lstStyle/>
+          <a:p>
+            <a:fld id="{4F08AF75-F6E9-44CF-B411-C1ED845122B8}" type="slidenum">
+              <a:rPr lang="en-IN" smtClean="0"/>
+              <a:t>27</a:t>
+            </a:fld>
+            <a:endParaRPr lang="en-IN"/>
+          </a:p>
+        </p:txBody>
+      </p:sp>
+    </p:spTree>
+    <p:extLst>
+      <p:ext uri="{BB962C8B-B14F-4D97-AF65-F5344CB8AC3E}">
+        <p14:creationId xmlns:p14="http://schemas.microsoft.com/office/powerpoint/2010/main" val="2184483462"/>
+      </p:ext>
+    </p:extLst>
+  </p:cSld>
+  <p:clrMapOvr>
+    <a:masterClrMapping/>
+  </p:clrMapOvr>
+  <p:timing>
+    <p:tnLst>
+      <p:par>
+        <p:cTn id="1" dur="indefinite" restart="never" nodeType="tmRoot"/>
+      </p:par>
+    </p:tnLst>
+  </p:timing>
+</p:sld>
+</file>
+
+<file path=ppt/slides/slide28.xml><?xml version="1.0" encoding="utf-8"?>
+<p:sld xmlns:a="http://schemas.openxmlformats.org/drawingml/2006/main" xmlns:r="http://schemas.openxmlformats.org/officeDocument/2006/relationships" xmlns:p="http://schemas.openxmlformats.org/presentationml/2006/main">
+  <p:cSld>
+    <p:spTree>
+      <p:nvGrpSpPr>
+        <p:cNvPr id="1" name=""/>
+        <p:cNvGrpSpPr/>
+        <p:nvPr/>
+      </p:nvGrpSpPr>
+      <p:grpSpPr>
+        <a:xfrm>
+          <a:off x="0" y="0"/>
+          <a:ext cx="0" cy="0"/>
+          <a:chOff x="0" y="0"/>
+          <a:chExt cx="0" cy="0"/>
+        </a:xfrm>
+      </p:grpSpPr>
+      <p:sp>
+        <p:nvSpPr>
+          <p:cNvPr id="2" name="Title 1"/>
+          <p:cNvSpPr>
+            <a:spLocks noGrp="1"/>
+          </p:cNvSpPr>
+          <p:nvPr>
+            <p:ph type="title"/>
+          </p:nvPr>
+        </p:nvSpPr>
+        <p:spPr/>
+        <p:txBody>
+          <a:bodyPr>
+            <a:normAutofit/>
+          </a:bodyPr>
+          <a:lstStyle/>
+          <a:p>
+            <a:r>
+              <a:rPr lang="en-US" sz="3600" dirty="0" smtClean="0">
+                <a:latin typeface="Times New Roman" pitchFamily="18" charset="0"/>
+                <a:cs typeface="Times New Roman" pitchFamily="18" charset="0"/>
+              </a:rPr>
+              <a:t>COMPETITORS</a:t>
+            </a:r>
+            <a:endParaRPr lang="en-IN" sz="3600" dirty="0">
+              <a:latin typeface="Times New Roman" pitchFamily="18" charset="0"/>
+              <a:cs typeface="Times New Roman" pitchFamily="18" charset="0"/>
+            </a:endParaRPr>
+          </a:p>
+        </p:txBody>
+      </p:sp>
+      <p:pic>
+        <p:nvPicPr>
+          <p:cNvPr id="4" name="Content Placeholder 3" descr="gps.jpg"/>
+          <p:cNvPicPr>
+            <a:picLocks noGrp="1" noChangeAspect="1"/>
+          </p:cNvPicPr>
+          <p:nvPr>
+            <p:ph idx="1"/>
+          </p:nvPr>
+        </p:nvPicPr>
+        <p:blipFill>
+          <a:blip r:embed="rId2" cstate="print"/>
+          <a:stretch>
+            <a:fillRect/>
+          </a:stretch>
+        </p:blipFill>
+        <p:spPr>
+          <a:xfrm>
+            <a:off x="539552" y="2708920"/>
+            <a:ext cx="3252061" cy="2378107"/>
+          </a:xfrm>
+        </p:spPr>
+      </p:pic>
+      <p:sp>
+        <p:nvSpPr>
+          <p:cNvPr id="5" name="TextBox 4"/>
+          <p:cNvSpPr txBox="1"/>
+          <p:nvPr/>
+        </p:nvSpPr>
+        <p:spPr>
+          <a:xfrm>
+            <a:off x="725422" y="5487365"/>
+            <a:ext cx="2880320" cy="523220"/>
+          </a:xfrm>
+          <a:prstGeom prst="rect">
+            <a:avLst/>
+          </a:prstGeom>
+          <a:noFill/>
+        </p:spPr>
+        <p:txBody>
+          <a:bodyPr wrap="square" rtlCol="0">
+            <a:spAutoFit/>
+          </a:bodyPr>
+          <a:lstStyle/>
+          <a:p>
+            <a:r>
+              <a:rPr lang="en-US" sz="2800" b="1" dirty="0" smtClean="0">
+                <a:latin typeface="Times New Roman" pitchFamily="18" charset="0"/>
+                <a:cs typeface="Times New Roman" pitchFamily="18" charset="0"/>
+              </a:rPr>
+              <a:t>Google Maps</a:t>
+            </a:r>
+            <a:endParaRPr lang="en-IN" sz="2800" b="1" dirty="0">
+              <a:latin typeface="Times New Roman" pitchFamily="18" charset="0"/>
+              <a:cs typeface="Times New Roman" pitchFamily="18" charset="0"/>
+            </a:endParaRPr>
+          </a:p>
+        </p:txBody>
+      </p:sp>
+      <p:pic>
+        <p:nvPicPr>
+          <p:cNvPr id="6" name="Picture 5" descr="acrossair.jpg"/>
+          <p:cNvPicPr>
+            <a:picLocks noChangeAspect="1"/>
+          </p:cNvPicPr>
+          <p:nvPr/>
+        </p:nvPicPr>
+        <p:blipFill>
+          <a:blip r:embed="rId3" cstate="print"/>
+          <a:stretch>
+            <a:fillRect/>
+          </a:stretch>
+        </p:blipFill>
+        <p:spPr>
+          <a:xfrm>
+            <a:off x="4716016" y="2780928"/>
+            <a:ext cx="3810000" cy="2286000"/>
+          </a:xfrm>
+          <a:prstGeom prst="rect">
+            <a:avLst/>
+          </a:prstGeom>
+        </p:spPr>
+      </p:pic>
+      <p:sp>
+        <p:nvSpPr>
+          <p:cNvPr id="7" name="TextBox 6"/>
+          <p:cNvSpPr txBox="1"/>
+          <p:nvPr/>
+        </p:nvSpPr>
+        <p:spPr>
+          <a:xfrm>
+            <a:off x="5796136" y="5518142"/>
+            <a:ext cx="2160240" cy="461665"/>
+          </a:xfrm>
+          <a:prstGeom prst="rect">
+            <a:avLst/>
+          </a:prstGeom>
+          <a:noFill/>
+        </p:spPr>
+        <p:txBody>
+          <a:bodyPr wrap="square" rtlCol="0">
+            <a:spAutoFit/>
+          </a:bodyPr>
+          <a:lstStyle/>
+          <a:p>
+            <a:r>
+              <a:rPr lang="en-US" sz="2400" b="1" dirty="0" err="1" smtClean="0">
+                <a:latin typeface="Times New Roman" pitchFamily="18" charset="0"/>
+                <a:cs typeface="Times New Roman" pitchFamily="18" charset="0"/>
+              </a:rPr>
+              <a:t>AcrossAir</a:t>
+            </a:r>
+            <a:endParaRPr lang="en-IN" sz="2400" b="1" dirty="0">
+              <a:latin typeface="Times New Roman" pitchFamily="18" charset="0"/>
+              <a:cs typeface="Times New Roman" pitchFamily="18" charset="0"/>
+            </a:endParaRPr>
+          </a:p>
+        </p:txBody>
+      </p:sp>
+      <p:sp>
+        <p:nvSpPr>
+          <p:cNvPr id="3" name="Slide Number Placeholder 2"/>
+          <p:cNvSpPr>
+            <a:spLocks noGrp="1"/>
+          </p:cNvSpPr>
+          <p:nvPr>
+            <p:ph type="sldNum" sz="quarter" idx="12"/>
+          </p:nvPr>
+        </p:nvSpPr>
+        <p:spPr/>
+        <p:txBody>
+          <a:bodyPr/>
+          <a:lstStyle/>
+          <a:p>
+            <a:fld id="{4F08AF75-F6E9-44CF-B411-C1ED845122B8}" type="slidenum">
+              <a:rPr lang="en-IN" smtClean="0"/>
+              <a:t>28</a:t>
+            </a:fld>
+            <a:endParaRPr lang="en-IN"/>
+          </a:p>
+        </p:txBody>
+      </p:sp>
+    </p:spTree>
+  </p:cSld>
+  <p:clrMapOvr>
+    <a:masterClrMapping/>
+  </p:clrMapOvr>
+  <p:timing>
+    <p:tnLst>
+      <p:par>
+        <p:cTn id="1" dur="indefinite" restart="never" nodeType="tmRoot"/>
+      </p:par>
+    </p:tnLst>
+  </p:timing>
+</p:sld>
+</file>
+
+<file path=ppt/slides/slide29.xml><?xml version="1.0" encoding="utf-8"?>
 <p:sld xmlns:a="http://schemas.openxmlformats.org/drawingml/2006/main" xmlns:r="http://schemas.openxmlformats.org/officeDocument/2006/relationships" xmlns:p="http://schemas.openxmlformats.org/presentationml/2006/main">
   <p:cSld>
     <p:spTree>
@@ -4989,139 +7719,107 @@
           </a:prstGeom>
         </p:spPr>
       </p:pic>
+      <p:sp>
+        <p:nvSpPr>
+          <p:cNvPr id="4" name="TextBox 3"/>
+          <p:cNvSpPr txBox="1"/>
+          <p:nvPr/>
+        </p:nvSpPr>
+        <p:spPr>
+          <a:xfrm>
+            <a:off x="725422" y="5487365"/>
+            <a:ext cx="2880320" cy="523220"/>
+          </a:xfrm>
+          <a:prstGeom prst="rect">
+            <a:avLst/>
+          </a:prstGeom>
+          <a:noFill/>
+        </p:spPr>
+        <p:txBody>
+          <a:bodyPr wrap="square" rtlCol="0">
+            <a:spAutoFit/>
+          </a:bodyPr>
+          <a:lstStyle/>
+          <a:p>
+            <a:r>
+              <a:rPr lang="en-US" sz="2800" b="1" dirty="0" smtClean="0">
+                <a:latin typeface="Times New Roman" pitchFamily="18" charset="0"/>
+                <a:cs typeface="Times New Roman" pitchFamily="18" charset="0"/>
+              </a:rPr>
+              <a:t>iLOCi2</a:t>
+            </a:r>
+            <a:endParaRPr lang="en-IN" sz="2800" b="1" dirty="0">
+              <a:latin typeface="Times New Roman" pitchFamily="18" charset="0"/>
+              <a:cs typeface="Times New Roman" pitchFamily="18" charset="0"/>
+            </a:endParaRPr>
+          </a:p>
+        </p:txBody>
+      </p:sp>
+      <p:sp>
+        <p:nvSpPr>
+          <p:cNvPr id="5" name="TextBox 4"/>
+          <p:cNvSpPr txBox="1"/>
+          <p:nvPr/>
+        </p:nvSpPr>
+        <p:spPr>
+          <a:xfrm>
+            <a:off x="4989371" y="4944155"/>
+            <a:ext cx="2880320" cy="523220"/>
+          </a:xfrm>
+          <a:prstGeom prst="rect">
+            <a:avLst/>
+          </a:prstGeom>
+          <a:noFill/>
+        </p:spPr>
+        <p:txBody>
+          <a:bodyPr wrap="square" rtlCol="0">
+            <a:spAutoFit/>
+          </a:bodyPr>
+          <a:lstStyle/>
+          <a:p>
+            <a:r>
+              <a:rPr lang="en-US" sz="2800" b="1" dirty="0" smtClean="0">
+                <a:latin typeface="Times New Roman" pitchFamily="18" charset="0"/>
+                <a:cs typeface="Times New Roman" pitchFamily="18" charset="0"/>
+              </a:rPr>
+              <a:t>Find my Friends</a:t>
+            </a:r>
+            <a:endParaRPr lang="en-IN" sz="2800" b="1" dirty="0">
+              <a:latin typeface="Times New Roman" pitchFamily="18" charset="0"/>
+              <a:cs typeface="Times New Roman" pitchFamily="18" charset="0"/>
+            </a:endParaRPr>
+          </a:p>
+        </p:txBody>
+      </p:sp>
+      <p:sp>
+        <p:nvSpPr>
+          <p:cNvPr id="6" name="Slide Number Placeholder 5"/>
+          <p:cNvSpPr>
+            <a:spLocks noGrp="1"/>
+          </p:cNvSpPr>
+          <p:nvPr>
+            <p:ph type="sldNum" sz="quarter" idx="12"/>
+          </p:nvPr>
+        </p:nvSpPr>
+        <p:spPr/>
+        <p:txBody>
+          <a:bodyPr/>
+          <a:lstStyle/>
+          <a:p>
+            <a:fld id="{4F08AF75-F6E9-44CF-B411-C1ED845122B8}" type="slidenum">
+              <a:rPr lang="en-IN" smtClean="0"/>
+              <a:t>29</a:t>
+            </a:fld>
+            <a:endParaRPr lang="en-IN"/>
+          </a:p>
+        </p:txBody>
+      </p:sp>
     </p:spTree>
     <p:extLst>
       <p:ext uri="{BB962C8B-B14F-4D97-AF65-F5344CB8AC3E}">
         <p14:creationId xmlns:p14="http://schemas.microsoft.com/office/powerpoint/2010/main" val="3843854448"/>
       </p:ext>
     </p:extLst>
-  </p:cSld>
-  <p:clrMapOvr>
-    <a:masterClrMapping/>
-  </p:clrMapOvr>
-  <p:timing>
-    <p:tnLst>
-      <p:par>
-        <p:cTn id="1" dur="indefinite" restart="never" nodeType="tmRoot"/>
-      </p:par>
-    </p:tnLst>
-  </p:timing>
-</p:sld>
-</file>
-
-<file path=ppt/slides/slide21.xml><?xml version="1.0" encoding="utf-8"?>
-<p:sld xmlns:a="http://schemas.openxmlformats.org/drawingml/2006/main" xmlns:r="http://schemas.openxmlformats.org/officeDocument/2006/relationships" xmlns:p="http://schemas.openxmlformats.org/presentationml/2006/main">
-  <p:cSld>
-    <p:spTree>
-      <p:nvGrpSpPr>
-        <p:cNvPr id="1" name=""/>
-        <p:cNvGrpSpPr/>
-        <p:nvPr/>
-      </p:nvGrpSpPr>
-      <p:grpSpPr>
-        <a:xfrm>
-          <a:off x="0" y="0"/>
-          <a:ext cx="0" cy="0"/>
-          <a:chOff x="0" y="0"/>
-          <a:chExt cx="0" cy="0"/>
-        </a:xfrm>
-      </p:grpSpPr>
-      <p:sp>
-        <p:nvSpPr>
-          <p:cNvPr id="2" name="Title 1"/>
-          <p:cNvSpPr>
-            <a:spLocks noGrp="1"/>
-          </p:cNvSpPr>
-          <p:nvPr>
-            <p:ph type="title"/>
-          </p:nvPr>
-        </p:nvSpPr>
-        <p:spPr/>
-        <p:txBody>
-          <a:bodyPr>
-            <a:normAutofit/>
-          </a:bodyPr>
-          <a:lstStyle/>
-          <a:p>
-            <a:r>
-              <a:rPr lang="en-US" sz="6000" dirty="0" smtClean="0">
-                <a:latin typeface="Times New Roman" pitchFamily="18" charset="0"/>
-                <a:cs typeface="Times New Roman" pitchFamily="18" charset="0"/>
-              </a:rPr>
-              <a:t>FUTURE</a:t>
-            </a:r>
-            <a:r>
-              <a:rPr lang="en-US" sz="6000" dirty="0" smtClean="0"/>
-              <a:t> </a:t>
-            </a:r>
-            <a:r>
-              <a:rPr lang="en-US" sz="6000" dirty="0" smtClean="0">
-                <a:latin typeface="Times New Roman" pitchFamily="18" charset="0"/>
-                <a:cs typeface="Times New Roman" pitchFamily="18" charset="0"/>
-              </a:rPr>
-              <a:t>SCOPE</a:t>
-            </a:r>
-            <a:endParaRPr lang="en-IN" sz="6000" dirty="0">
-              <a:latin typeface="Times New Roman" pitchFamily="18" charset="0"/>
-              <a:cs typeface="Times New Roman" pitchFamily="18" charset="0"/>
-            </a:endParaRPr>
-          </a:p>
-        </p:txBody>
-      </p:sp>
-      <p:sp>
-        <p:nvSpPr>
-          <p:cNvPr id="6" name="TextBox 5"/>
-          <p:cNvSpPr txBox="1"/>
-          <p:nvPr/>
-        </p:nvSpPr>
-        <p:spPr>
-          <a:xfrm>
-            <a:off x="755576" y="2636912"/>
-            <a:ext cx="7704856" cy="1569660"/>
-          </a:xfrm>
-          <a:prstGeom prst="rect">
-            <a:avLst/>
-          </a:prstGeom>
-          <a:noFill/>
-        </p:spPr>
-        <p:txBody>
-          <a:bodyPr wrap="square" rtlCol="0">
-            <a:spAutoFit/>
-          </a:bodyPr>
-          <a:lstStyle/>
-          <a:p>
-            <a:pPr marL="342900" indent="-342900">
-              <a:buAutoNum type="arabicPeriod"/>
-            </a:pPr>
-            <a:r>
-              <a:rPr lang="en-US" sz="2400" dirty="0" smtClean="0"/>
-              <a:t>New students can explore!</a:t>
-            </a:r>
-          </a:p>
-          <a:p>
-            <a:pPr marL="342900" indent="-342900">
-              <a:buAutoNum type="arabicPeriod"/>
-            </a:pPr>
-            <a:r>
-              <a:rPr lang="en-US" sz="2400" dirty="0" smtClean="0"/>
-              <a:t>Can go global.</a:t>
-            </a:r>
-          </a:p>
-          <a:p>
-            <a:pPr marL="342900" indent="-342900">
-              <a:buAutoNum type="arabicPeriod"/>
-            </a:pPr>
-            <a:endParaRPr lang="en-US" sz="2400" dirty="0" smtClean="0"/>
-          </a:p>
-          <a:p>
-            <a:pPr marL="342900" indent="-342900">
-              <a:buAutoNum type="arabicPeriod"/>
-            </a:pPr>
-            <a:endParaRPr lang="en-IN" sz="2400" dirty="0"/>
-          </a:p>
-        </p:txBody>
-      </p:sp>
-    </p:spTree>
   </p:cSld>
   <p:clrMapOvr>
     <a:masterClrMapping/>
@@ -5209,6 +7907,179 @@
               <a:latin typeface="Times New Roman" pitchFamily="18" charset="0"/>
               <a:cs typeface="Times New Roman" pitchFamily="18" charset="0"/>
             </a:endParaRPr>
+          </a:p>
+        </p:txBody>
+      </p:sp>
+      <p:sp>
+        <p:nvSpPr>
+          <p:cNvPr id="2" name="Slide Number Placeholder 1"/>
+          <p:cNvSpPr>
+            <a:spLocks noGrp="1"/>
+          </p:cNvSpPr>
+          <p:nvPr>
+            <p:ph type="sldNum" sz="quarter" idx="12"/>
+          </p:nvPr>
+        </p:nvSpPr>
+        <p:spPr/>
+        <p:txBody>
+          <a:bodyPr/>
+          <a:lstStyle/>
+          <a:p>
+            <a:fld id="{4F08AF75-F6E9-44CF-B411-C1ED845122B8}" type="slidenum">
+              <a:rPr lang="en-IN" smtClean="0"/>
+              <a:t>3</a:t>
+            </a:fld>
+            <a:endParaRPr lang="en-IN"/>
+          </a:p>
+        </p:txBody>
+      </p:sp>
+    </p:spTree>
+  </p:cSld>
+  <p:clrMapOvr>
+    <a:masterClrMapping/>
+  </p:clrMapOvr>
+  <p:timing>
+    <p:tnLst>
+      <p:par>
+        <p:cTn id="1" dur="indefinite" restart="never" nodeType="tmRoot"/>
+      </p:par>
+    </p:tnLst>
+  </p:timing>
+</p:sld>
+</file>
+
+<file path=ppt/slides/slide30.xml><?xml version="1.0" encoding="utf-8"?>
+<p:sld xmlns:a="http://schemas.openxmlformats.org/drawingml/2006/main" xmlns:r="http://schemas.openxmlformats.org/officeDocument/2006/relationships" xmlns:p="http://schemas.openxmlformats.org/presentationml/2006/main">
+  <p:cSld>
+    <p:spTree>
+      <p:nvGrpSpPr>
+        <p:cNvPr id="1" name=""/>
+        <p:cNvGrpSpPr/>
+        <p:nvPr/>
+      </p:nvGrpSpPr>
+      <p:grpSpPr>
+        <a:xfrm>
+          <a:off x="0" y="0"/>
+          <a:ext cx="0" cy="0"/>
+          <a:chOff x="0" y="0"/>
+          <a:chExt cx="0" cy="0"/>
+        </a:xfrm>
+      </p:grpSpPr>
+      <p:sp>
+        <p:nvSpPr>
+          <p:cNvPr id="2" name="Title 1"/>
+          <p:cNvSpPr>
+            <a:spLocks noGrp="1"/>
+          </p:cNvSpPr>
+          <p:nvPr>
+            <p:ph type="title"/>
+          </p:nvPr>
+        </p:nvSpPr>
+        <p:spPr/>
+        <p:txBody>
+          <a:bodyPr>
+            <a:normAutofit/>
+          </a:bodyPr>
+          <a:lstStyle/>
+          <a:p>
+            <a:r>
+              <a:rPr lang="en-US" sz="6000" dirty="0" smtClean="0">
+                <a:latin typeface="Times New Roman" pitchFamily="18" charset="0"/>
+                <a:cs typeface="Times New Roman" pitchFamily="18" charset="0"/>
+              </a:rPr>
+              <a:t>FUTURE</a:t>
+            </a:r>
+            <a:r>
+              <a:rPr lang="en-US" sz="6000" dirty="0" smtClean="0"/>
+              <a:t> </a:t>
+            </a:r>
+            <a:r>
+              <a:rPr lang="en-US" sz="6000" dirty="0" smtClean="0">
+                <a:latin typeface="Times New Roman" pitchFamily="18" charset="0"/>
+                <a:cs typeface="Times New Roman" pitchFamily="18" charset="0"/>
+              </a:rPr>
+              <a:t>SCOPE</a:t>
+            </a:r>
+            <a:endParaRPr lang="en-IN" sz="6000" dirty="0">
+              <a:latin typeface="Times New Roman" pitchFamily="18" charset="0"/>
+              <a:cs typeface="Times New Roman" pitchFamily="18" charset="0"/>
+            </a:endParaRPr>
+          </a:p>
+        </p:txBody>
+      </p:sp>
+      <p:sp>
+        <p:nvSpPr>
+          <p:cNvPr id="6" name="TextBox 5"/>
+          <p:cNvSpPr txBox="1"/>
+          <p:nvPr/>
+        </p:nvSpPr>
+        <p:spPr>
+          <a:xfrm>
+            <a:off x="755576" y="2636912"/>
+            <a:ext cx="7704856" cy="1569660"/>
+          </a:xfrm>
+          <a:prstGeom prst="rect">
+            <a:avLst/>
+          </a:prstGeom>
+          <a:noFill/>
+        </p:spPr>
+        <p:txBody>
+          <a:bodyPr wrap="square" rtlCol="0">
+            <a:spAutoFit/>
+          </a:bodyPr>
+          <a:lstStyle/>
+          <a:p>
+            <a:pPr marL="342900" indent="-342900">
+              <a:buAutoNum type="arabicPeriod"/>
+            </a:pPr>
+            <a:r>
+              <a:rPr lang="en-US" sz="2400" dirty="0" smtClean="0"/>
+              <a:t>New students can explore!</a:t>
+            </a:r>
+          </a:p>
+          <a:p>
+            <a:pPr marL="342900" indent="-342900">
+              <a:buAutoNum type="arabicPeriod"/>
+            </a:pPr>
+            <a:r>
+              <a:rPr lang="en-US" sz="2400" dirty="0" smtClean="0"/>
+              <a:t>Can go global.</a:t>
+            </a:r>
+          </a:p>
+          <a:p>
+            <a:pPr marL="342900" indent="-342900">
+              <a:buAutoNum type="arabicPeriod"/>
+            </a:pPr>
+            <a:endParaRPr lang="en-US" sz="2400" dirty="0" smtClean="0"/>
+          </a:p>
+          <a:p>
+            <a:pPr marL="342900" indent="-342900">
+              <a:buAutoNum type="arabicPeriod"/>
+            </a:pPr>
+            <a:endParaRPr lang="en-IN" sz="2400" dirty="0"/>
+          </a:p>
+        </p:txBody>
+      </p:sp>
+      <p:sp>
+        <p:nvSpPr>
+          <p:cNvPr id="3" name="Slide Number Placeholder 2"/>
+          <p:cNvSpPr>
+            <a:spLocks noGrp="1"/>
+          </p:cNvSpPr>
+          <p:nvPr>
+            <p:ph type="sldNum" sz="quarter" idx="12"/>
+          </p:nvPr>
+        </p:nvSpPr>
+        <p:spPr/>
+        <p:txBody>
+          <a:bodyPr/>
+          <a:lstStyle/>
+          <a:p>
+            <a:fld id="{4F08AF75-F6E9-44CF-B411-C1ED845122B8}" type="slidenum">
+              <a:rPr lang="en-IN" smtClean="0"/>
+              <a:t>30</a:t>
+            </a:fld>
+            <a:endParaRPr lang="en-IN"/>
           </a:p>
         </p:txBody>
       </p:sp>
@@ -5303,6 +8174,29 @@
           </a:p>
         </p:txBody>
       </p:sp>
+      <p:sp>
+        <p:nvSpPr>
+          <p:cNvPr id="2" name="Slide Number Placeholder 1"/>
+          <p:cNvSpPr>
+            <a:spLocks noGrp="1"/>
+          </p:cNvSpPr>
+          <p:nvPr>
+            <p:ph type="sldNum" sz="quarter" idx="12"/>
+          </p:nvPr>
+        </p:nvSpPr>
+        <p:spPr/>
+        <p:txBody>
+          <a:bodyPr/>
+          <a:lstStyle/>
+          <a:p>
+            <a:fld id="{4F08AF75-F6E9-44CF-B411-C1ED845122B8}" type="slidenum">
+              <a:rPr lang="en-IN" smtClean="0"/>
+              <a:t>4</a:t>
+            </a:fld>
+            <a:endParaRPr lang="en-IN"/>
+          </a:p>
+        </p:txBody>
+      </p:sp>
     </p:spTree>
   </p:cSld>
   <p:clrMapOvr>
@@ -5450,6 +8344,29 @@
               <a:t>To reach a destination you need two parameters</a:t>
             </a:r>
             <a:endParaRPr lang="en-IN" sz="2400" dirty="0"/>
+          </a:p>
+        </p:txBody>
+      </p:sp>
+      <p:sp>
+        <p:nvSpPr>
+          <p:cNvPr id="3" name="Slide Number Placeholder 2"/>
+          <p:cNvSpPr>
+            <a:spLocks noGrp="1"/>
+          </p:cNvSpPr>
+          <p:nvPr>
+            <p:ph type="sldNum" sz="quarter" idx="12"/>
+          </p:nvPr>
+        </p:nvSpPr>
+        <p:spPr/>
+        <p:txBody>
+          <a:bodyPr/>
+          <a:lstStyle/>
+          <a:p>
+            <a:fld id="{4F08AF75-F6E9-44CF-B411-C1ED845122B8}" type="slidenum">
+              <a:rPr lang="en-IN" smtClean="0"/>
+              <a:t>5</a:t>
+            </a:fld>
+            <a:endParaRPr lang="en-IN"/>
           </a:p>
         </p:txBody>
       </p:sp>
@@ -5573,6 +8490,29 @@
           </a:p>
         </p:txBody>
       </p:sp>
+      <p:sp>
+        <p:nvSpPr>
+          <p:cNvPr id="3" name="Slide Number Placeholder 2"/>
+          <p:cNvSpPr>
+            <a:spLocks noGrp="1"/>
+          </p:cNvSpPr>
+          <p:nvPr>
+            <p:ph type="sldNum" sz="quarter" idx="12"/>
+          </p:nvPr>
+        </p:nvSpPr>
+        <p:spPr/>
+        <p:txBody>
+          <a:bodyPr/>
+          <a:lstStyle/>
+          <a:p>
+            <a:fld id="{4F08AF75-F6E9-44CF-B411-C1ED845122B8}" type="slidenum">
+              <a:rPr lang="en-IN" smtClean="0"/>
+              <a:t>6</a:t>
+            </a:fld>
+            <a:endParaRPr lang="en-IN"/>
+          </a:p>
+        </p:txBody>
+      </p:sp>
     </p:spTree>
     <p:extLst>
       <p:ext uri="{BB962C8B-B14F-4D97-AF65-F5344CB8AC3E}">
@@ -5686,6 +8626,29 @@
               <a:t>After learning the direction, how far should  you travel in that particular direction?</a:t>
             </a:r>
             <a:endParaRPr lang="en-IN" sz="2000" dirty="0"/>
+          </a:p>
+        </p:txBody>
+      </p:sp>
+      <p:sp>
+        <p:nvSpPr>
+          <p:cNvPr id="3" name="Slide Number Placeholder 2"/>
+          <p:cNvSpPr>
+            <a:spLocks noGrp="1"/>
+          </p:cNvSpPr>
+          <p:nvPr>
+            <p:ph type="sldNum" sz="quarter" idx="12"/>
+          </p:nvPr>
+        </p:nvSpPr>
+        <p:spPr/>
+        <p:txBody>
+          <a:bodyPr/>
+          <a:lstStyle/>
+          <a:p>
+            <a:fld id="{4F08AF75-F6E9-44CF-B411-C1ED845122B8}" type="slidenum">
+              <a:rPr lang="en-IN" smtClean="0"/>
+              <a:t>7</a:t>
+            </a:fld>
+            <a:endParaRPr lang="en-IN"/>
           </a:p>
         </p:txBody>
       </p:sp>
@@ -5843,6 +8806,29 @@
           </a:p>
         </p:txBody>
       </p:sp>
+      <p:sp>
+        <p:nvSpPr>
+          <p:cNvPr id="2" name="Slide Number Placeholder 1"/>
+          <p:cNvSpPr>
+            <a:spLocks noGrp="1"/>
+          </p:cNvSpPr>
+          <p:nvPr>
+            <p:ph type="sldNum" sz="quarter" idx="12"/>
+          </p:nvPr>
+        </p:nvSpPr>
+        <p:spPr/>
+        <p:txBody>
+          <a:bodyPr/>
+          <a:lstStyle/>
+          <a:p>
+            <a:fld id="{4F08AF75-F6E9-44CF-B411-C1ED845122B8}" type="slidenum">
+              <a:rPr lang="en-IN" smtClean="0"/>
+              <a:t>8</a:t>
+            </a:fld>
+            <a:endParaRPr lang="en-IN"/>
+          </a:p>
+        </p:txBody>
+      </p:sp>
     </p:spTree>
     <p:extLst>
       <p:ext uri="{BB962C8B-B14F-4D97-AF65-F5344CB8AC3E}">
@@ -5986,6 +8972,29 @@
                 <a:reflection blurRad="6350" stA="53000" endA="300" endPos="35500" dir="5400000" sy="-90000" algn="bl" rotWithShape="0"/>
               </a:effectLst>
             </a:endParaRPr>
+          </a:p>
+        </p:txBody>
+      </p:sp>
+      <p:sp>
+        <p:nvSpPr>
+          <p:cNvPr id="2" name="Slide Number Placeholder 1"/>
+          <p:cNvSpPr>
+            <a:spLocks noGrp="1"/>
+          </p:cNvSpPr>
+          <p:nvPr>
+            <p:ph type="sldNum" sz="quarter" idx="12"/>
+          </p:nvPr>
+        </p:nvSpPr>
+        <p:spPr/>
+        <p:txBody>
+          <a:bodyPr/>
+          <a:lstStyle/>
+          <a:p>
+            <a:fld id="{4F08AF75-F6E9-44CF-B411-C1ED845122B8}" type="slidenum">
+              <a:rPr lang="en-IN" smtClean="0"/>
+              <a:t>9</a:t>
+            </a:fld>
+            <a:endParaRPr lang="en-IN"/>
           </a:p>
         </p:txBody>
       </p:sp>
@@ -6290,4 +9299,265 @@
   <a:objectDefaults/>
   <a:extraClrSchemeLst/>
 </a:theme>
+</file>
+
+<file path=ppt/theme/theme2.xml><?xml version="1.0" encoding="utf-8"?>
+<a:theme xmlns:a="http://schemas.openxmlformats.org/drawingml/2006/main" name="Office Theme">
+  <a:themeElements>
+    <a:clrScheme name="Office">
+      <a:dk1>
+        <a:sysClr val="windowText" lastClr="000000"/>
+      </a:dk1>
+      <a:lt1>
+        <a:sysClr val="window" lastClr="FFFFFF"/>
+      </a:lt1>
+      <a:dk2>
+        <a:srgbClr val="44546A"/>
+      </a:dk2>
+      <a:lt2>
+        <a:srgbClr val="E7E6E6"/>
+      </a:lt2>
+      <a:accent1>
+        <a:srgbClr val="5B9BD5"/>
+      </a:accent1>
+      <a:accent2>
+        <a:srgbClr val="ED7D31"/>
+      </a:accent2>
+      <a:accent3>
+        <a:srgbClr val="A5A5A5"/>
+      </a:accent3>
+      <a:accent4>
+        <a:srgbClr val="FFC000"/>
+      </a:accent4>
+      <a:accent5>
+        <a:srgbClr val="4472C4"/>
+      </a:accent5>
+      <a:accent6>
+        <a:srgbClr val="70AD47"/>
+      </a:accent6>
+      <a:hlink>
+        <a:srgbClr val="0563C1"/>
+      </a:hlink>
+      <a:folHlink>
+        <a:srgbClr val="954F72"/>
+      </a:folHlink>
+    </a:clrScheme>
+    <a:fontScheme name="Office">
+      <a:majorFont>
+        <a:latin typeface="Calibri Light" panose="020F0302020204030204"/>
+        <a:ea typeface=""/>
+        <a:cs typeface=""/>
+        <a:font script="Jpan" typeface="ＭＳ Ｐゴシック"/>
+        <a:font script="Hang" typeface="맑은 고딕"/>
+        <a:font script="Hans" typeface="宋体"/>
+        <a:font script="Hant" typeface="新細明體"/>
+        <a:font script="Arab" typeface="Times New Roman"/>
+        <a:font script="Hebr" typeface="Times New Roman"/>
+        <a:font script="Thai" typeface="Angsana New"/>
+        <a:font script="Ethi" typeface="Nyala"/>
+        <a:font script="Beng" typeface="Vrinda"/>
+        <a:font script="Gujr" typeface="Shruti"/>
+        <a:font script="Khmr" typeface="MoolBoran"/>
+        <a:font script="Knda" typeface="Tunga"/>
+        <a:font script="Guru" typeface="Raavi"/>
+        <a:font script="Cans" typeface="Euphemia"/>
+        <a:font script="Cher" typeface="Plantagenet Cherokee"/>
+        <a:font script="Yiii" typeface="Microsoft Yi Baiti"/>
+        <a:font script="Tibt" typeface="Microsoft Himalaya"/>
+        <a:font script="Thaa" typeface="MV Boli"/>
+        <a:font script="Deva" typeface="Mangal"/>
+        <a:font script="Telu" typeface="Gautami"/>
+        <a:font script="Taml" typeface="Latha"/>
+        <a:font script="Syrc" typeface="Estrangelo Edessa"/>
+        <a:font script="Orya" typeface="Kalinga"/>
+        <a:font script="Mlym" typeface="Kartika"/>
+        <a:font script="Laoo" typeface="DokChampa"/>
+        <a:font script="Sinh" typeface="Iskoola Pota"/>
+        <a:font script="Mong" typeface="Mongolian Baiti"/>
+        <a:font script="Viet" typeface="Times New Roman"/>
+        <a:font script="Uigh" typeface="Microsoft Uighur"/>
+        <a:font script="Geor" typeface="Sylfaen"/>
+      </a:majorFont>
+      <a:minorFont>
+        <a:latin typeface="Calibri" panose="020F0502020204030204"/>
+        <a:ea typeface=""/>
+        <a:cs typeface=""/>
+        <a:font script="Jpan" typeface="ＭＳ Ｐゴシック"/>
+        <a:font script="Hang" typeface="맑은 고딕"/>
+        <a:font script="Hans" typeface="宋体"/>
+        <a:font script="Hant" typeface="新細明體"/>
+        <a:font script="Arab" typeface="Arial"/>
+        <a:font script="Hebr" typeface="Arial"/>
+        <a:font script="Thai" typeface="Cordia New"/>
+        <a:font script="Ethi" typeface="Nyala"/>
+        <a:font script="Beng" typeface="Vrinda"/>
+        <a:font script="Gujr" typeface="Shruti"/>
+        <a:font script="Khmr" typeface="DaunPenh"/>
+        <a:font script="Knda" typeface="Tunga"/>
+        <a:font script="Guru" typeface="Raavi"/>
+        <a:font script="Cans" typeface="Euphemia"/>
+        <a:font script="Cher" typeface="Plantagenet Cherokee"/>
+        <a:font script="Yiii" typeface="Microsoft Yi Baiti"/>
+        <a:font script="Tibt" typeface="Microsoft Himalaya"/>
+        <a:font script="Thaa" typeface="MV Boli"/>
+        <a:font script="Deva" typeface="Mangal"/>
+        <a:font script="Telu" typeface="Gautami"/>
+        <a:font script="Taml" typeface="Latha"/>
+        <a:font script="Syrc" typeface="Estrangelo Edessa"/>
+        <a:font script="Orya" typeface="Kalinga"/>
+        <a:font script="Mlym" typeface="Kartika"/>
+        <a:font script="Laoo" typeface="DokChampa"/>
+        <a:font script="Sinh" typeface="Iskoola Pota"/>
+        <a:font script="Mong" typeface="Mongolian Baiti"/>
+        <a:font script="Viet" typeface="Arial"/>
+        <a:font script="Uigh" typeface="Microsoft Uighur"/>
+        <a:font script="Geor" typeface="Sylfaen"/>
+      </a:minorFont>
+    </a:fontScheme>
+    <a:fmtScheme name="Office">
+      <a:fillStyleLst>
+        <a:solidFill>
+          <a:schemeClr val="phClr"/>
+        </a:solidFill>
+        <a:gradFill rotWithShape="1">
+          <a:gsLst>
+            <a:gs pos="0">
+              <a:schemeClr val="phClr">
+                <a:lumMod val="110000"/>
+                <a:satMod val="105000"/>
+                <a:tint val="67000"/>
+              </a:schemeClr>
+            </a:gs>
+            <a:gs pos="50000">
+              <a:schemeClr val="phClr">
+                <a:lumMod val="105000"/>
+                <a:satMod val="103000"/>
+                <a:tint val="73000"/>
+              </a:schemeClr>
+            </a:gs>
+            <a:gs pos="100000">
+              <a:schemeClr val="phClr">
+                <a:lumMod val="105000"/>
+                <a:satMod val="109000"/>
+                <a:tint val="81000"/>
+              </a:schemeClr>
+            </a:gs>
+          </a:gsLst>
+          <a:lin ang="5400000" scaled="0"/>
+        </a:gradFill>
+        <a:gradFill rotWithShape="1">
+          <a:gsLst>
+            <a:gs pos="0">
+              <a:schemeClr val="phClr">
+                <a:satMod val="103000"/>
+                <a:lumMod val="102000"/>
+                <a:tint val="94000"/>
+              </a:schemeClr>
+            </a:gs>
+            <a:gs pos="50000">
+              <a:schemeClr val="phClr">
+                <a:satMod val="110000"/>
+                <a:lumMod val="100000"/>
+                <a:shade val="100000"/>
+              </a:schemeClr>
+            </a:gs>
+            <a:gs pos="100000">
+              <a:schemeClr val="phClr">
+                <a:lumMod val="99000"/>
+                <a:satMod val="120000"/>
+                <a:shade val="78000"/>
+              </a:schemeClr>
+            </a:gs>
+          </a:gsLst>
+          <a:lin ang="5400000" scaled="0"/>
+        </a:gradFill>
+      </a:fillStyleLst>
+      <a:lnStyleLst>
+        <a:ln w="6350" cap="flat" cmpd="sng" algn="ctr">
+          <a:solidFill>
+            <a:schemeClr val="phClr"/>
+          </a:solidFill>
+          <a:prstDash val="solid"/>
+          <a:miter lim="800000"/>
+        </a:ln>
+        <a:ln w="12700" cap="flat" cmpd="sng" algn="ctr">
+          <a:solidFill>
+            <a:schemeClr val="phClr"/>
+          </a:solidFill>
+          <a:prstDash val="solid"/>
+          <a:miter lim="800000"/>
+        </a:ln>
+        <a:ln w="19050" cap="flat" cmpd="sng" algn="ctr">
+          <a:solidFill>
+            <a:schemeClr val="phClr"/>
+          </a:solidFill>
+          <a:prstDash val="solid"/>
+          <a:miter lim="800000"/>
+        </a:ln>
+      </a:lnStyleLst>
+      <a:effectStyleLst>
+        <a:effectStyle>
+          <a:effectLst/>
+        </a:effectStyle>
+        <a:effectStyle>
+          <a:effectLst/>
+        </a:effectStyle>
+        <a:effectStyle>
+          <a:effectLst>
+            <a:outerShdw blurRad="57150" dist="19050" dir="5400000" algn="ctr" rotWithShape="0">
+              <a:srgbClr val="000000">
+                <a:alpha val="63000"/>
+              </a:srgbClr>
+            </a:outerShdw>
+          </a:effectLst>
+        </a:effectStyle>
+      </a:effectStyleLst>
+      <a:bgFillStyleLst>
+        <a:solidFill>
+          <a:schemeClr val="phClr"/>
+        </a:solidFill>
+        <a:solidFill>
+          <a:schemeClr val="phClr">
+            <a:tint val="95000"/>
+            <a:satMod val="170000"/>
+          </a:schemeClr>
+        </a:solidFill>
+        <a:gradFill rotWithShape="1">
+          <a:gsLst>
+            <a:gs pos="0">
+              <a:schemeClr val="phClr">
+                <a:tint val="93000"/>
+                <a:satMod val="150000"/>
+                <a:shade val="98000"/>
+                <a:lumMod val="102000"/>
+              </a:schemeClr>
+            </a:gs>
+            <a:gs pos="50000">
+              <a:schemeClr val="phClr">
+                <a:tint val="98000"/>
+                <a:satMod val="130000"/>
+                <a:shade val="90000"/>
+                <a:lumMod val="103000"/>
+              </a:schemeClr>
+            </a:gs>
+            <a:gs pos="100000">
+              <a:schemeClr val="phClr">
+                <a:shade val="63000"/>
+                <a:satMod val="120000"/>
+              </a:schemeClr>
+            </a:gs>
+          </a:gsLst>
+          <a:lin ang="5400000" scaled="0"/>
+        </a:gradFill>
+      </a:bgFillStyleLst>
+    </a:fmtScheme>
+  </a:themeElements>
+  <a:objectDefaults/>
+  <a:extraClrSchemeLst/>
+  <a:extLst>
+    <a:ext uri="{05A4C25C-085E-4340-85A3-A5531E510DB2}">
+      <thm15:themeFamily xmlns:thm15="http://schemas.microsoft.com/office/thememl/2012/main" name="Office Theme" id="{62F939B6-93AF-4DB8-9C6B-D6C7DFDC589F}" vid="{4A3C46E8-61CC-4603-A589-7422A47A8E4A}"/>
+    </a:ext>
+  </a:extLst>
+</a:theme>
 </file>